--- a/Aleisha PowerPoint Edit.pptx
+++ b/Aleisha PowerPoint Edit.pptx
@@ -29318,8 +29318,29 @@
               <a:rPr lang="en-US" sz="2400" dirty="0">
                 <a:hlinkClick r:id="rId3"/>
               </a:rPr>
-              <a:t>http://onlinelibrary.wiley.com/doi/10.1002/biot.201600145/full</a:t>
+              <a:t>http://</a:t>
             </a:r>
+            <a:r>
+              <a:rPr lang="en-US" sz="2400" dirty="0" smtClean="0">
+                <a:hlinkClick r:id="rId3"/>
+              </a:rPr>
+              <a:t>onlinelibrary.wiley.com/doi/10.1002/biot.201600145/full</a:t>
+            </a:r>
+            <a:endParaRPr lang="en-US" sz="2400" dirty="0" smtClean="0"/>
+          </a:p>
+          <a:p>
+            <a:r>
+              <a:rPr lang="en-US" dirty="0" smtClean="0">
+                <a:hlinkClick r:id="rId4"/>
+              </a:rPr>
+              <a:t>http://journals.plos.org/plosbiology/article?id=10.1371/journal.pbio.0050008</a:t>
+            </a:r>
+            <a:endParaRPr lang="en-US" dirty="0" smtClean="0"/>
+          </a:p>
+          <a:p>
+            <a:pPr>
+              <a:buNone/>
+            </a:pPr>
             <a:endParaRPr lang="en-US" sz="2400" dirty="0"/>
           </a:p>
           <a:p>

--- a/Aleisha PowerPoint Edit.pptx
+++ b/Aleisha PowerPoint Edit.pptx
@@ -7,30 +7,31 @@
   <p:sldIdLst>
     <p:sldId id="256" r:id="rId2"/>
     <p:sldId id="257" r:id="rId3"/>
-    <p:sldId id="258" r:id="rId4"/>
-    <p:sldId id="274" r:id="rId5"/>
-    <p:sldId id="260" r:id="rId6"/>
-    <p:sldId id="262" r:id="rId7"/>
+    <p:sldId id="289" r:id="rId4"/>
+    <p:sldId id="258" r:id="rId5"/>
+    <p:sldId id="274" r:id="rId6"/>
+    <p:sldId id="260" r:id="rId7"/>
     <p:sldId id="277" r:id="rId8"/>
     <p:sldId id="263" r:id="rId9"/>
     <p:sldId id="279" r:id="rId10"/>
-    <p:sldId id="266" r:id="rId11"/>
-    <p:sldId id="275" r:id="rId12"/>
-    <p:sldId id="280" r:id="rId13"/>
-    <p:sldId id="267" r:id="rId14"/>
-    <p:sldId id="265" r:id="rId15"/>
-    <p:sldId id="278" r:id="rId16"/>
-    <p:sldId id="269" r:id="rId17"/>
-    <p:sldId id="264" r:id="rId18"/>
-    <p:sldId id="281" r:id="rId19"/>
-    <p:sldId id="286" r:id="rId20"/>
-    <p:sldId id="284" r:id="rId21"/>
-    <p:sldId id="287" r:id="rId22"/>
-    <p:sldId id="282" r:id="rId23"/>
-    <p:sldId id="285" r:id="rId24"/>
-    <p:sldId id="283" r:id="rId25"/>
-    <p:sldId id="272" r:id="rId26"/>
-    <p:sldId id="273" r:id="rId27"/>
+    <p:sldId id="262" r:id="rId11"/>
+    <p:sldId id="266" r:id="rId12"/>
+    <p:sldId id="275" r:id="rId13"/>
+    <p:sldId id="280" r:id="rId14"/>
+    <p:sldId id="267" r:id="rId15"/>
+    <p:sldId id="265" r:id="rId16"/>
+    <p:sldId id="278" r:id="rId17"/>
+    <p:sldId id="269" r:id="rId18"/>
+    <p:sldId id="264" r:id="rId19"/>
+    <p:sldId id="281" r:id="rId20"/>
+    <p:sldId id="286" r:id="rId21"/>
+    <p:sldId id="284" r:id="rId22"/>
+    <p:sldId id="287" r:id="rId23"/>
+    <p:sldId id="282" r:id="rId24"/>
+    <p:sldId id="285" r:id="rId25"/>
+    <p:sldId id="283" r:id="rId26"/>
+    <p:sldId id="272" r:id="rId27"/>
+    <p:sldId id="273" r:id="rId28"/>
   </p:sldIdLst>
   <p:sldSz cx="12192000" cy="6858000"/>
   <p:notesSz cx="6858000" cy="9144000"/>
@@ -131,7 +132,7 @@
   </p:defaultTextStyle>
   <p:extLst>
     <p:ext uri="{EFAFB233-063F-42B5-8137-9DF3F51BA10A}">
-      <p15:sldGuideLst xmlns:p15="http://schemas.microsoft.com/office/powerpoint/2012/main" xmlns="">
+      <p15:sldGuideLst xmlns="" xmlns:p15="http://schemas.microsoft.com/office/powerpoint/2012/main">
         <p15:guide id="1" orient="horz" pos="2160">
           <p15:clr>
             <a:srgbClr val="A4A3A4"/>
@@ -182,7 +183,7 @@
             <a:alphaModFix amt="30000"/>
             <a:extLst>
               <a:ext uri="{28A0092B-C50C-407E-A947-70E740481C1C}">
-                <a14:useLocalDpi xmlns:a14="http://schemas.microsoft.com/office/drawing/2010/main" xmlns="" val="0"/>
+                <a14:useLocalDpi xmlns="" xmlns:a14="http://schemas.microsoft.com/office/drawing/2010/main" val="0"/>
               </a:ext>
             </a:extLst>
           </a:blip>
@@ -202,7 +203,7 @@
           <a:noFill/>
           <a:extLst>
             <a:ext uri="{909E8E84-426E-40dd-AFC4-6F175D3DCCD1}">
-              <a14:hiddenFill xmlns:a14="http://schemas.microsoft.com/office/drawing/2010/main" xmlns="">
+              <a14:hiddenFill xmlns="" xmlns:a14="http://schemas.microsoft.com/office/drawing/2010/main">
                 <a:solidFill>
                   <a:srgbClr val="FFFFFF"/>
                 </a:solidFill>
@@ -262,7 +263,7 @@
             </a:ln>
             <a:extLst>
               <a:ext uri="{91240B29-F687-4f45-9708-019B960494DF}">
-                <a14:hiddenLine xmlns:a14="http://schemas.microsoft.com/office/drawing/2010/main" xmlns="" w="9525">
+                <a14:hiddenLine xmlns="" xmlns:a14="http://schemas.microsoft.com/office/drawing/2010/main" w="9525">
                   <a:solidFill>
                     <a:srgbClr val="000000"/>
                   </a:solidFill>
@@ -352,7 +353,7 @@
             </a:ln>
             <a:extLst>
               <a:ext uri="{91240B29-F687-4f45-9708-019B960494DF}">
-                <a14:hiddenLine xmlns:a14="http://schemas.microsoft.com/office/drawing/2010/main" xmlns="" w="9525">
+                <a14:hiddenLine xmlns="" xmlns:a14="http://schemas.microsoft.com/office/drawing/2010/main" w="9525">
                   <a:solidFill>
                     <a:srgbClr val="000000"/>
                   </a:solidFill>
@@ -442,7 +443,7 @@
             </a:ln>
             <a:extLst>
               <a:ext uri="{91240B29-F687-4f45-9708-019B960494DF}">
-                <a14:hiddenLine xmlns:a14="http://schemas.microsoft.com/office/drawing/2010/main" xmlns="" w="9525">
+                <a14:hiddenLine xmlns="" xmlns:a14="http://schemas.microsoft.com/office/drawing/2010/main" w="9525">
                   <a:solidFill>
                     <a:srgbClr val="000000"/>
                   </a:solidFill>
@@ -476,7 +477,7 @@
             </a:ln>
             <a:extLst>
               <a:ext uri="{91240B29-F687-4f45-9708-019B960494DF}">
-                <a14:hiddenLine xmlns:a14="http://schemas.microsoft.com/office/drawing/2010/main" xmlns="" w="9525">
+                <a14:hiddenLine xmlns="" xmlns:a14="http://schemas.microsoft.com/office/drawing/2010/main" w="9525">
                   <a:solidFill>
                     <a:srgbClr val="000000"/>
                   </a:solidFill>
@@ -566,7 +567,7 @@
             </a:ln>
             <a:extLst>
               <a:ext uri="{91240B29-F687-4f45-9708-019B960494DF}">
-                <a14:hiddenLine xmlns:a14="http://schemas.microsoft.com/office/drawing/2010/main" xmlns="" w="9525">
+                <a14:hiddenLine xmlns="" xmlns:a14="http://schemas.microsoft.com/office/drawing/2010/main" w="9525">
                   <a:solidFill>
                     <a:srgbClr val="000000"/>
                   </a:solidFill>
@@ -628,7 +629,7 @@
             </a:ln>
             <a:extLst>
               <a:ext uri="{91240B29-F687-4f45-9708-019B960494DF}">
-                <a14:hiddenLine xmlns:a14="http://schemas.microsoft.com/office/drawing/2010/main" xmlns="" w="9525">
+                <a14:hiddenLine xmlns="" xmlns:a14="http://schemas.microsoft.com/office/drawing/2010/main" w="9525">
                   <a:solidFill>
                     <a:srgbClr val="000000"/>
                   </a:solidFill>
@@ -690,7 +691,7 @@
             </a:ln>
             <a:extLst>
               <a:ext uri="{91240B29-F687-4f45-9708-019B960494DF}">
-                <a14:hiddenLine xmlns:a14="http://schemas.microsoft.com/office/drawing/2010/main" xmlns="" w="9525">
+                <a14:hiddenLine xmlns="" xmlns:a14="http://schemas.microsoft.com/office/drawing/2010/main" w="9525">
                   <a:solidFill>
                     <a:srgbClr val="000000"/>
                   </a:solidFill>
@@ -780,7 +781,7 @@
             </a:ln>
             <a:extLst>
               <a:ext uri="{91240B29-F687-4f45-9708-019B960494DF}">
-                <a14:hiddenLine xmlns:a14="http://schemas.microsoft.com/office/drawing/2010/main" xmlns="" w="9525">
+                <a14:hiddenLine xmlns="" xmlns:a14="http://schemas.microsoft.com/office/drawing/2010/main" w="9525">
                   <a:solidFill>
                     <a:srgbClr val="000000"/>
                   </a:solidFill>
@@ -842,7 +843,7 @@
             </a:ln>
             <a:extLst>
               <a:ext uri="{91240B29-F687-4f45-9708-019B960494DF}">
-                <a14:hiddenLine xmlns:a14="http://schemas.microsoft.com/office/drawing/2010/main" xmlns="" w="9525">
+                <a14:hiddenLine xmlns="" xmlns:a14="http://schemas.microsoft.com/office/drawing/2010/main" w="9525">
                   <a:solidFill>
                     <a:srgbClr val="000000"/>
                   </a:solidFill>
@@ -904,7 +905,7 @@
             </a:ln>
             <a:extLst>
               <a:ext uri="{91240B29-F687-4f45-9708-019B960494DF}">
-                <a14:hiddenLine xmlns:a14="http://schemas.microsoft.com/office/drawing/2010/main" xmlns="" w="9525">
+                <a14:hiddenLine xmlns="" xmlns:a14="http://schemas.microsoft.com/office/drawing/2010/main" w="9525">
                   <a:solidFill>
                     <a:srgbClr val="000000"/>
                   </a:solidFill>
@@ -994,7 +995,7 @@
             </a:ln>
             <a:extLst>
               <a:ext uri="{91240B29-F687-4f45-9708-019B960494DF}">
-                <a14:hiddenLine xmlns:a14="http://schemas.microsoft.com/office/drawing/2010/main" xmlns="" w="9525">
+                <a14:hiddenLine xmlns="" xmlns:a14="http://schemas.microsoft.com/office/drawing/2010/main" w="9525">
                   <a:solidFill>
                     <a:srgbClr val="000000"/>
                   </a:solidFill>
@@ -1084,7 +1085,7 @@
             </a:ln>
             <a:extLst>
               <a:ext uri="{91240B29-F687-4f45-9708-019B960494DF}">
-                <a14:hiddenLine xmlns:a14="http://schemas.microsoft.com/office/drawing/2010/main" xmlns="" w="9525">
+                <a14:hiddenLine xmlns="" xmlns:a14="http://schemas.microsoft.com/office/drawing/2010/main" w="9525">
                   <a:solidFill>
                     <a:srgbClr val="000000"/>
                   </a:solidFill>
@@ -1146,7 +1147,7 @@
             </a:ln>
             <a:extLst>
               <a:ext uri="{91240B29-F687-4f45-9708-019B960494DF}">
-                <a14:hiddenLine xmlns:a14="http://schemas.microsoft.com/office/drawing/2010/main" xmlns="" w="9525">
+                <a14:hiddenLine xmlns="" xmlns:a14="http://schemas.microsoft.com/office/drawing/2010/main" w="9525">
                   <a:solidFill>
                     <a:srgbClr val="000000"/>
                   </a:solidFill>
@@ -1256,7 +1257,7 @@
             </a:ln>
             <a:extLst>
               <a:ext uri="{91240B29-F687-4f45-9708-019B960494DF}">
-                <a14:hiddenLine xmlns:a14="http://schemas.microsoft.com/office/drawing/2010/main" xmlns="" w="9525">
+                <a14:hiddenLine xmlns="" xmlns:a14="http://schemas.microsoft.com/office/drawing/2010/main" w="9525">
                   <a:solidFill>
                     <a:srgbClr val="000000"/>
                   </a:solidFill>
@@ -1318,7 +1319,7 @@
             </a:ln>
             <a:extLst>
               <a:ext uri="{91240B29-F687-4f45-9708-019B960494DF}">
-                <a14:hiddenLine xmlns:a14="http://schemas.microsoft.com/office/drawing/2010/main" xmlns="" w="9525">
+                <a14:hiddenLine xmlns="" xmlns:a14="http://schemas.microsoft.com/office/drawing/2010/main" w="9525">
                   <a:solidFill>
                     <a:srgbClr val="000000"/>
                   </a:solidFill>
@@ -1408,7 +1409,7 @@
             </a:ln>
             <a:extLst>
               <a:ext uri="{91240B29-F687-4f45-9708-019B960494DF}">
-                <a14:hiddenLine xmlns:a14="http://schemas.microsoft.com/office/drawing/2010/main" xmlns="" w="9525">
+                <a14:hiddenLine xmlns="" xmlns:a14="http://schemas.microsoft.com/office/drawing/2010/main" w="9525">
                   <a:solidFill>
                     <a:srgbClr val="000000"/>
                   </a:solidFill>
@@ -1498,7 +1499,7 @@
             </a:ln>
             <a:extLst>
               <a:ext uri="{91240B29-F687-4f45-9708-019B960494DF}">
-                <a14:hiddenLine xmlns:a14="http://schemas.microsoft.com/office/drawing/2010/main" xmlns="" w="9525">
+                <a14:hiddenLine xmlns="" xmlns:a14="http://schemas.microsoft.com/office/drawing/2010/main" w="9525">
                   <a:solidFill>
                     <a:srgbClr val="000000"/>
                   </a:solidFill>
@@ -1560,7 +1561,7 @@
             </a:ln>
             <a:extLst>
               <a:ext uri="{91240B29-F687-4f45-9708-019B960494DF}">
-                <a14:hiddenLine xmlns:a14="http://schemas.microsoft.com/office/drawing/2010/main" xmlns="" w="9525">
+                <a14:hiddenLine xmlns="" xmlns:a14="http://schemas.microsoft.com/office/drawing/2010/main" w="9525">
                   <a:solidFill>
                     <a:srgbClr val="000000"/>
                   </a:solidFill>
@@ -1650,7 +1651,7 @@
             </a:ln>
             <a:extLst>
               <a:ext uri="{91240B29-F687-4f45-9708-019B960494DF}">
-                <a14:hiddenLine xmlns:a14="http://schemas.microsoft.com/office/drawing/2010/main" xmlns="" w="9525">
+                <a14:hiddenLine xmlns="" xmlns:a14="http://schemas.microsoft.com/office/drawing/2010/main" w="9525">
                   <a:solidFill>
                     <a:srgbClr val="000000"/>
                   </a:solidFill>
@@ -1740,7 +1741,7 @@
             </a:ln>
             <a:extLst>
               <a:ext uri="{91240B29-F687-4f45-9708-019B960494DF}">
-                <a14:hiddenLine xmlns:a14="http://schemas.microsoft.com/office/drawing/2010/main" xmlns="" w="9525">
+                <a14:hiddenLine xmlns="" xmlns:a14="http://schemas.microsoft.com/office/drawing/2010/main" w="9525">
                   <a:solidFill>
                     <a:srgbClr val="000000"/>
                   </a:solidFill>
@@ -1796,7 +1797,7 @@
             </a:ln>
             <a:extLst>
               <a:ext uri="{91240B29-F687-4f45-9708-019B960494DF}">
-                <a14:hiddenLine xmlns:a14="http://schemas.microsoft.com/office/drawing/2010/main" xmlns="" w="9525">
+                <a14:hiddenLine xmlns="" xmlns:a14="http://schemas.microsoft.com/office/drawing/2010/main" w="9525">
                   <a:solidFill>
                     <a:srgbClr val="000000"/>
                   </a:solidFill>
@@ -1886,7 +1887,7 @@
             </a:ln>
             <a:extLst>
               <a:ext uri="{91240B29-F687-4f45-9708-019B960494DF}">
-                <a14:hiddenLine xmlns:a14="http://schemas.microsoft.com/office/drawing/2010/main" xmlns="" w="9525">
+                <a14:hiddenLine xmlns="" xmlns:a14="http://schemas.microsoft.com/office/drawing/2010/main" w="9525">
                   <a:solidFill>
                     <a:srgbClr val="000000"/>
                   </a:solidFill>
@@ -1942,7 +1943,7 @@
             </a:ln>
             <a:extLst>
               <a:ext uri="{91240B29-F687-4f45-9708-019B960494DF}">
-                <a14:hiddenLine xmlns:a14="http://schemas.microsoft.com/office/drawing/2010/main" xmlns="" w="9525">
+                <a14:hiddenLine xmlns="" xmlns:a14="http://schemas.microsoft.com/office/drawing/2010/main" w="9525">
                   <a:solidFill>
                     <a:srgbClr val="000000"/>
                   </a:solidFill>
@@ -2032,7 +2033,7 @@
             </a:ln>
             <a:extLst>
               <a:ext uri="{91240B29-F687-4f45-9708-019B960494DF}">
-                <a14:hiddenLine xmlns:a14="http://schemas.microsoft.com/office/drawing/2010/main" xmlns="" w="9525">
+                <a14:hiddenLine xmlns="" xmlns:a14="http://schemas.microsoft.com/office/drawing/2010/main" w="9525">
                   <a:solidFill>
                     <a:srgbClr val="000000"/>
                   </a:solidFill>
@@ -2100,7 +2101,7 @@
             </a:ln>
             <a:extLst>
               <a:ext uri="{91240B29-F687-4f45-9708-019B960494DF}">
-                <a14:hiddenLine xmlns:a14="http://schemas.microsoft.com/office/drawing/2010/main" xmlns="" w="9525">
+                <a14:hiddenLine xmlns="" xmlns:a14="http://schemas.microsoft.com/office/drawing/2010/main" w="9525">
                   <a:solidFill>
                     <a:srgbClr val="000000"/>
                   </a:solidFill>
@@ -2190,7 +2191,7 @@
             </a:ln>
             <a:extLst>
               <a:ext uri="{91240B29-F687-4f45-9708-019B960494DF}">
-                <a14:hiddenLine xmlns:a14="http://schemas.microsoft.com/office/drawing/2010/main" xmlns="" w="9525">
+                <a14:hiddenLine xmlns="" xmlns:a14="http://schemas.microsoft.com/office/drawing/2010/main" w="9525">
                   <a:solidFill>
                     <a:srgbClr val="000000"/>
                   </a:solidFill>
@@ -2258,7 +2259,7 @@
             </a:ln>
             <a:extLst>
               <a:ext uri="{91240B29-F687-4f45-9708-019B960494DF}">
-                <a14:hiddenLine xmlns:a14="http://schemas.microsoft.com/office/drawing/2010/main" xmlns="" w="9525">
+                <a14:hiddenLine xmlns="" xmlns:a14="http://schemas.microsoft.com/office/drawing/2010/main" w="9525">
                   <a:solidFill>
                     <a:srgbClr val="000000"/>
                   </a:solidFill>
@@ -2348,7 +2349,7 @@
             </a:ln>
             <a:extLst>
               <a:ext uri="{91240B29-F687-4f45-9708-019B960494DF}">
-                <a14:hiddenLine xmlns:a14="http://schemas.microsoft.com/office/drawing/2010/main" xmlns="" w="9525">
+                <a14:hiddenLine xmlns="" xmlns:a14="http://schemas.microsoft.com/office/drawing/2010/main" w="9525">
                   <a:solidFill>
                     <a:srgbClr val="000000"/>
                   </a:solidFill>
@@ -2382,7 +2383,7 @@
             </a:ln>
             <a:extLst>
               <a:ext uri="{91240B29-F687-4f45-9708-019B960494DF}">
-                <a14:hiddenLine xmlns:a14="http://schemas.microsoft.com/office/drawing/2010/main" xmlns="" w="9525">
+                <a14:hiddenLine xmlns="" xmlns:a14="http://schemas.microsoft.com/office/drawing/2010/main" w="9525">
                   <a:solidFill>
                     <a:srgbClr val="000000"/>
                   </a:solidFill>
@@ -2472,7 +2473,7 @@
             </a:ln>
             <a:extLst>
               <a:ext uri="{91240B29-F687-4f45-9708-019B960494DF}">
-                <a14:hiddenLine xmlns:a14="http://schemas.microsoft.com/office/drawing/2010/main" xmlns="" w="9525">
+                <a14:hiddenLine xmlns="" xmlns:a14="http://schemas.microsoft.com/office/drawing/2010/main" w="9525">
                   <a:solidFill>
                     <a:srgbClr val="000000"/>
                   </a:solidFill>
@@ -2534,7 +2535,7 @@
             </a:ln>
             <a:extLst>
               <a:ext uri="{91240B29-F687-4f45-9708-019B960494DF}">
-                <a14:hiddenLine xmlns:a14="http://schemas.microsoft.com/office/drawing/2010/main" xmlns="" w="9525">
+                <a14:hiddenLine xmlns="" xmlns:a14="http://schemas.microsoft.com/office/drawing/2010/main" w="9525">
                   <a:solidFill>
                     <a:srgbClr val="000000"/>
                   </a:solidFill>
@@ -2596,7 +2597,7 @@
             </a:ln>
             <a:extLst>
               <a:ext uri="{91240B29-F687-4f45-9708-019B960494DF}">
-                <a14:hiddenLine xmlns:a14="http://schemas.microsoft.com/office/drawing/2010/main" xmlns="" w="9525">
+                <a14:hiddenLine xmlns="" xmlns:a14="http://schemas.microsoft.com/office/drawing/2010/main" w="9525">
                   <a:solidFill>
                     <a:srgbClr val="000000"/>
                   </a:solidFill>
@@ -2686,7 +2687,7 @@
             </a:ln>
             <a:extLst>
               <a:ext uri="{91240B29-F687-4f45-9708-019B960494DF}">
-                <a14:hiddenLine xmlns:a14="http://schemas.microsoft.com/office/drawing/2010/main" xmlns="" w="9525">
+                <a14:hiddenLine xmlns="" xmlns:a14="http://schemas.microsoft.com/office/drawing/2010/main" w="9525">
                   <a:solidFill>
                     <a:srgbClr val="000000"/>
                   </a:solidFill>
@@ -2754,7 +2755,7 @@
             </a:ln>
             <a:extLst>
               <a:ext uri="{91240B29-F687-4f45-9708-019B960494DF}">
-                <a14:hiddenLine xmlns:a14="http://schemas.microsoft.com/office/drawing/2010/main" xmlns="" w="9525">
+                <a14:hiddenLine xmlns="" xmlns:a14="http://schemas.microsoft.com/office/drawing/2010/main" w="9525">
                   <a:solidFill>
                     <a:srgbClr val="000000"/>
                   </a:solidFill>
@@ -2816,7 +2817,7 @@
             </a:ln>
             <a:extLst>
               <a:ext uri="{91240B29-F687-4f45-9708-019B960494DF}">
-                <a14:hiddenLine xmlns:a14="http://schemas.microsoft.com/office/drawing/2010/main" xmlns="" w="9525">
+                <a14:hiddenLine xmlns="" xmlns:a14="http://schemas.microsoft.com/office/drawing/2010/main" w="9525">
                   <a:solidFill>
                     <a:srgbClr val="000000"/>
                   </a:solidFill>
@@ -2906,7 +2907,7 @@
             </a:ln>
             <a:extLst>
               <a:ext uri="{91240B29-F687-4f45-9708-019B960494DF}">
-                <a14:hiddenLine xmlns:a14="http://schemas.microsoft.com/office/drawing/2010/main" xmlns="" w="9525">
+                <a14:hiddenLine xmlns="" xmlns:a14="http://schemas.microsoft.com/office/drawing/2010/main" w="9525">
                   <a:solidFill>
                     <a:srgbClr val="000000"/>
                   </a:solidFill>
@@ -2968,7 +2969,7 @@
             </a:ln>
             <a:extLst>
               <a:ext uri="{91240B29-F687-4f45-9708-019B960494DF}">
-                <a14:hiddenLine xmlns:a14="http://schemas.microsoft.com/office/drawing/2010/main" xmlns="" w="9525">
+                <a14:hiddenLine xmlns="" xmlns:a14="http://schemas.microsoft.com/office/drawing/2010/main" w="9525">
                   <a:solidFill>
                     <a:srgbClr val="000000"/>
                   </a:solidFill>
@@ -3058,7 +3059,7 @@
             </a:ln>
             <a:extLst>
               <a:ext uri="{91240B29-F687-4f45-9708-019B960494DF}">
-                <a14:hiddenLine xmlns:a14="http://schemas.microsoft.com/office/drawing/2010/main" xmlns="" w="9525">
+                <a14:hiddenLine xmlns="" xmlns:a14="http://schemas.microsoft.com/office/drawing/2010/main" w="9525">
                   <a:solidFill>
                     <a:srgbClr val="000000"/>
                   </a:solidFill>
@@ -3120,7 +3121,7 @@
             </a:ln>
             <a:extLst>
               <a:ext uri="{91240B29-F687-4f45-9708-019B960494DF}">
-                <a14:hiddenLine xmlns:a14="http://schemas.microsoft.com/office/drawing/2010/main" xmlns="" w="9525">
+                <a14:hiddenLine xmlns="" xmlns:a14="http://schemas.microsoft.com/office/drawing/2010/main" w="9525">
                   <a:solidFill>
                     <a:srgbClr val="000000"/>
                   </a:solidFill>
@@ -3210,7 +3211,7 @@
             </a:ln>
             <a:extLst>
               <a:ext uri="{91240B29-F687-4f45-9708-019B960494DF}">
-                <a14:hiddenLine xmlns:a14="http://schemas.microsoft.com/office/drawing/2010/main" xmlns="" w="9525">
+                <a14:hiddenLine xmlns="" xmlns:a14="http://schemas.microsoft.com/office/drawing/2010/main" w="9525">
                   <a:solidFill>
                     <a:srgbClr val="000000"/>
                   </a:solidFill>
@@ -3244,7 +3245,7 @@
             </a:ln>
             <a:extLst>
               <a:ext uri="{91240B29-F687-4f45-9708-019B960494DF}">
-                <a14:hiddenLine xmlns:a14="http://schemas.microsoft.com/office/drawing/2010/main" xmlns="" w="9525">
+                <a14:hiddenLine xmlns="" xmlns:a14="http://schemas.microsoft.com/office/drawing/2010/main" w="9525">
                   <a:solidFill>
                     <a:srgbClr val="000000"/>
                   </a:solidFill>
@@ -3309,7 +3310,7 @@
             </a:ln>
             <a:extLst>
               <a:ext uri="{91240B29-F687-4f45-9708-019B960494DF}">
-                <a14:hiddenLine xmlns:a14="http://schemas.microsoft.com/office/drawing/2010/main" xmlns="" w="9525">
+                <a14:hiddenLine xmlns="" xmlns:a14="http://schemas.microsoft.com/office/drawing/2010/main" w="9525">
                   <a:solidFill>
                     <a:srgbClr val="000000"/>
                   </a:solidFill>
@@ -3399,7 +3400,7 @@
             </a:ln>
             <a:extLst>
               <a:ext uri="{91240B29-F687-4f45-9708-019B960494DF}">
-                <a14:hiddenLine xmlns:a14="http://schemas.microsoft.com/office/drawing/2010/main" xmlns="" w="9525">
+                <a14:hiddenLine xmlns="" xmlns:a14="http://schemas.microsoft.com/office/drawing/2010/main" w="9525">
                   <a:solidFill>
                     <a:srgbClr val="000000"/>
                   </a:solidFill>
@@ -3461,7 +3462,7 @@
             </a:ln>
             <a:extLst>
               <a:ext uri="{91240B29-F687-4f45-9708-019B960494DF}">
-                <a14:hiddenLine xmlns:a14="http://schemas.microsoft.com/office/drawing/2010/main" xmlns="" w="9525">
+                <a14:hiddenLine xmlns="" xmlns:a14="http://schemas.microsoft.com/office/drawing/2010/main" w="9525">
                   <a:solidFill>
                     <a:srgbClr val="000000"/>
                   </a:solidFill>
@@ -3551,7 +3552,7 @@
             </a:ln>
             <a:extLst>
               <a:ext uri="{91240B29-F687-4f45-9708-019B960494DF}">
-                <a14:hiddenLine xmlns:a14="http://schemas.microsoft.com/office/drawing/2010/main" xmlns="" w="9525">
+                <a14:hiddenLine xmlns="" xmlns:a14="http://schemas.microsoft.com/office/drawing/2010/main" w="9525">
                   <a:solidFill>
                     <a:srgbClr val="000000"/>
                   </a:solidFill>
@@ -3641,7 +3642,7 @@
             </a:ln>
             <a:extLst>
               <a:ext uri="{91240B29-F687-4f45-9708-019B960494DF}">
-                <a14:hiddenLine xmlns:a14="http://schemas.microsoft.com/office/drawing/2010/main" xmlns="" w="9525">
+                <a14:hiddenLine xmlns="" xmlns:a14="http://schemas.microsoft.com/office/drawing/2010/main" w="9525">
                   <a:solidFill>
                     <a:srgbClr val="000000"/>
                   </a:solidFill>
@@ -3706,7 +3707,7 @@
             </a:ln>
             <a:extLst>
               <a:ext uri="{91240B29-F687-4f45-9708-019B960494DF}">
-                <a14:hiddenLine xmlns:a14="http://schemas.microsoft.com/office/drawing/2010/main" xmlns="" w="9525">
+                <a14:hiddenLine xmlns="" xmlns:a14="http://schemas.microsoft.com/office/drawing/2010/main" w="9525">
                   <a:solidFill>
                     <a:srgbClr val="000000"/>
                   </a:solidFill>
@@ -3768,7 +3769,7 @@
             </a:ln>
             <a:extLst>
               <a:ext uri="{91240B29-F687-4f45-9708-019B960494DF}">
-                <a14:hiddenLine xmlns:a14="http://schemas.microsoft.com/office/drawing/2010/main" xmlns="" w="9525">
+                <a14:hiddenLine xmlns="" xmlns:a14="http://schemas.microsoft.com/office/drawing/2010/main" w="9525">
                   <a:solidFill>
                     <a:srgbClr val="000000"/>
                   </a:solidFill>
@@ -3858,7 +3859,7 @@
             </a:ln>
             <a:extLst>
               <a:ext uri="{91240B29-F687-4f45-9708-019B960494DF}">
-                <a14:hiddenLine xmlns:a14="http://schemas.microsoft.com/office/drawing/2010/main" xmlns="" w="9525">
+                <a14:hiddenLine xmlns="" xmlns:a14="http://schemas.microsoft.com/office/drawing/2010/main" w="9525">
                   <a:solidFill>
                     <a:srgbClr val="000000"/>
                   </a:solidFill>
@@ -3948,7 +3949,7 @@
             </a:ln>
             <a:extLst>
               <a:ext uri="{91240B29-F687-4f45-9708-019B960494DF}">
-                <a14:hiddenLine xmlns:a14="http://schemas.microsoft.com/office/drawing/2010/main" xmlns="" w="9525">
+                <a14:hiddenLine xmlns="" xmlns:a14="http://schemas.microsoft.com/office/drawing/2010/main" w="9525">
                   <a:solidFill>
                     <a:srgbClr val="000000"/>
                   </a:solidFill>
@@ -4010,7 +4011,7 @@
             </a:ln>
             <a:extLst>
               <a:ext uri="{91240B29-F687-4f45-9708-019B960494DF}">
-                <a14:hiddenLine xmlns:a14="http://schemas.microsoft.com/office/drawing/2010/main" xmlns="" w="9525">
+                <a14:hiddenLine xmlns="" xmlns:a14="http://schemas.microsoft.com/office/drawing/2010/main" w="9525">
                   <a:solidFill>
                     <a:srgbClr val="000000"/>
                   </a:solidFill>
@@ -4130,7 +4131,7 @@
             </a:ln>
             <a:extLst>
               <a:ext uri="{91240B29-F687-4f45-9708-019B960494DF}">
-                <a14:hiddenLine xmlns:a14="http://schemas.microsoft.com/office/drawing/2010/main" xmlns="" w="9525">
+                <a14:hiddenLine xmlns="" xmlns:a14="http://schemas.microsoft.com/office/drawing/2010/main" w="9525">
                   <a:solidFill>
                     <a:srgbClr val="000000"/>
                   </a:solidFill>
@@ -4198,7 +4199,7 @@
             </a:ln>
             <a:extLst>
               <a:ext uri="{91240B29-F687-4f45-9708-019B960494DF}">
-                <a14:hiddenLine xmlns:a14="http://schemas.microsoft.com/office/drawing/2010/main" xmlns="" w="9525">
+                <a14:hiddenLine xmlns="" xmlns:a14="http://schemas.microsoft.com/office/drawing/2010/main" w="9525">
                   <a:solidFill>
                     <a:srgbClr val="000000"/>
                   </a:solidFill>
@@ -4288,7 +4289,7 @@
             </a:ln>
             <a:extLst>
               <a:ext uri="{91240B29-F687-4f45-9708-019B960494DF}">
-                <a14:hiddenLine xmlns:a14="http://schemas.microsoft.com/office/drawing/2010/main" xmlns="" w="9525">
+                <a14:hiddenLine xmlns="" xmlns:a14="http://schemas.microsoft.com/office/drawing/2010/main" w="9525">
                   <a:solidFill>
                     <a:srgbClr val="000000"/>
                   </a:solidFill>
@@ -4491,7 +4492,7 @@
     </p:spTree>
     <p:extLst>
       <p:ext uri="{BB962C8B-B14F-4D97-AF65-F5344CB8AC3E}">
-        <p14:creationId xmlns:p14="http://schemas.microsoft.com/office/powerpoint/2010/main" xmlns="" val="2541265585"/>
+        <p14:creationId xmlns="" xmlns:p14="http://schemas.microsoft.com/office/powerpoint/2010/main" val="2541265585"/>
       </p:ext>
     </p:extLst>
   </p:cSld>
@@ -4750,7 +4751,7 @@
     </p:spTree>
     <p:extLst>
       <p:ext uri="{BB962C8B-B14F-4D97-AF65-F5344CB8AC3E}">
-        <p14:creationId xmlns:p14="http://schemas.microsoft.com/office/powerpoint/2010/main" xmlns="" val="2544190621"/>
+        <p14:creationId xmlns="" xmlns:p14="http://schemas.microsoft.com/office/powerpoint/2010/main" val="2544190621"/>
       </p:ext>
     </p:extLst>
   </p:cSld>
@@ -4948,7 +4949,7 @@
     </p:spTree>
     <p:extLst>
       <p:ext uri="{BB962C8B-B14F-4D97-AF65-F5344CB8AC3E}">
-        <p14:creationId xmlns:p14="http://schemas.microsoft.com/office/powerpoint/2010/main" xmlns="" val="2975966777"/>
+        <p14:creationId xmlns="" xmlns:p14="http://schemas.microsoft.com/office/powerpoint/2010/main" val="2975966777"/>
       </p:ext>
     </p:extLst>
   </p:cSld>
@@ -5451,7 +5452,7 @@
     </p:spTree>
     <p:extLst>
       <p:ext uri="{BB962C8B-B14F-4D97-AF65-F5344CB8AC3E}">
-        <p14:creationId xmlns:p14="http://schemas.microsoft.com/office/powerpoint/2010/main" xmlns="" val="3354276855"/>
+        <p14:creationId xmlns="" xmlns:p14="http://schemas.microsoft.com/office/powerpoint/2010/main" val="3354276855"/>
       </p:ext>
     </p:extLst>
   </p:cSld>
@@ -5649,7 +5650,7 @@
     </p:spTree>
     <p:extLst>
       <p:ext uri="{BB962C8B-B14F-4D97-AF65-F5344CB8AC3E}">
-        <p14:creationId xmlns:p14="http://schemas.microsoft.com/office/powerpoint/2010/main" xmlns="" val="4132265441"/>
+        <p14:creationId xmlns="" xmlns:p14="http://schemas.microsoft.com/office/powerpoint/2010/main" val="4132265441"/>
       </p:ext>
     </p:extLst>
   </p:cSld>
@@ -6197,7 +6198,7 @@
     </p:spTree>
     <p:extLst>
       <p:ext uri="{BB962C8B-B14F-4D97-AF65-F5344CB8AC3E}">
-        <p14:creationId xmlns:p14="http://schemas.microsoft.com/office/powerpoint/2010/main" xmlns="" val="2315095644"/>
+        <p14:creationId xmlns="" xmlns:p14="http://schemas.microsoft.com/office/powerpoint/2010/main" val="2315095644"/>
       </p:ext>
     </p:extLst>
   </p:cSld>
@@ -6919,7 +6920,7 @@
     </p:spTree>
     <p:extLst>
       <p:ext uri="{BB962C8B-B14F-4D97-AF65-F5344CB8AC3E}">
-        <p14:creationId xmlns:p14="http://schemas.microsoft.com/office/powerpoint/2010/main" xmlns="" val="1421624186"/>
+        <p14:creationId xmlns="" xmlns:p14="http://schemas.microsoft.com/office/powerpoint/2010/main" val="1421624186"/>
       </p:ext>
     </p:extLst>
   </p:cSld>
@@ -7091,7 +7092,7 @@
     </p:spTree>
     <p:extLst>
       <p:ext uri="{BB962C8B-B14F-4D97-AF65-F5344CB8AC3E}">
-        <p14:creationId xmlns:p14="http://schemas.microsoft.com/office/powerpoint/2010/main" xmlns="" val="1661556024"/>
+        <p14:creationId xmlns="" xmlns:p14="http://schemas.microsoft.com/office/powerpoint/2010/main" val="1661556024"/>
       </p:ext>
     </p:extLst>
   </p:cSld>
@@ -7273,7 +7274,7 @@
     </p:spTree>
     <p:extLst>
       <p:ext uri="{BB962C8B-B14F-4D97-AF65-F5344CB8AC3E}">
-        <p14:creationId xmlns:p14="http://schemas.microsoft.com/office/powerpoint/2010/main" xmlns="" val="3589033054"/>
+        <p14:creationId xmlns="" xmlns:p14="http://schemas.microsoft.com/office/powerpoint/2010/main" val="3589033054"/>
       </p:ext>
     </p:extLst>
   </p:cSld>
@@ -7445,7 +7446,7 @@
     </p:spTree>
     <p:extLst>
       <p:ext uri="{BB962C8B-B14F-4D97-AF65-F5344CB8AC3E}">
-        <p14:creationId xmlns:p14="http://schemas.microsoft.com/office/powerpoint/2010/main" xmlns="" val="3915662432"/>
+        <p14:creationId xmlns="" xmlns:p14="http://schemas.microsoft.com/office/powerpoint/2010/main" val="3915662432"/>
       </p:ext>
     </p:extLst>
   </p:cSld>
@@ -7697,7 +7698,7 @@
     </p:spTree>
     <p:extLst>
       <p:ext uri="{BB962C8B-B14F-4D97-AF65-F5344CB8AC3E}">
-        <p14:creationId xmlns:p14="http://schemas.microsoft.com/office/powerpoint/2010/main" xmlns="" val="995316123"/>
+        <p14:creationId xmlns="" xmlns:p14="http://schemas.microsoft.com/office/powerpoint/2010/main" val="995316123"/>
       </p:ext>
     </p:extLst>
   </p:cSld>
@@ -7931,7 +7932,7 @@
     </p:spTree>
     <p:extLst>
       <p:ext uri="{BB962C8B-B14F-4D97-AF65-F5344CB8AC3E}">
-        <p14:creationId xmlns:p14="http://schemas.microsoft.com/office/powerpoint/2010/main" xmlns="" val="1100125273"/>
+        <p14:creationId xmlns="" xmlns:p14="http://schemas.microsoft.com/office/powerpoint/2010/main" val="1100125273"/>
       </p:ext>
     </p:extLst>
   </p:cSld>
@@ -8314,7 +8315,7 @@
     </p:spTree>
     <p:extLst>
       <p:ext uri="{BB962C8B-B14F-4D97-AF65-F5344CB8AC3E}">
-        <p14:creationId xmlns:p14="http://schemas.microsoft.com/office/powerpoint/2010/main" xmlns="" val="1129672926"/>
+        <p14:creationId xmlns="" xmlns:p14="http://schemas.microsoft.com/office/powerpoint/2010/main" val="1129672926"/>
       </p:ext>
     </p:extLst>
   </p:cSld>
@@ -8434,7 +8435,7 @@
     </p:spTree>
     <p:extLst>
       <p:ext uri="{BB962C8B-B14F-4D97-AF65-F5344CB8AC3E}">
-        <p14:creationId xmlns:p14="http://schemas.microsoft.com/office/powerpoint/2010/main" xmlns="" val="221260447"/>
+        <p14:creationId xmlns="" xmlns:p14="http://schemas.microsoft.com/office/powerpoint/2010/main" val="221260447"/>
       </p:ext>
     </p:extLst>
   </p:cSld>
@@ -8531,7 +8532,7 @@
     </p:spTree>
     <p:extLst>
       <p:ext uri="{BB962C8B-B14F-4D97-AF65-F5344CB8AC3E}">
-        <p14:creationId xmlns:p14="http://schemas.microsoft.com/office/powerpoint/2010/main" xmlns="" val="4162811991"/>
+        <p14:creationId xmlns="" xmlns:p14="http://schemas.microsoft.com/office/powerpoint/2010/main" val="4162811991"/>
       </p:ext>
     </p:extLst>
   </p:cSld>
@@ -8782,7 +8783,7 @@
     </p:spTree>
     <p:extLst>
       <p:ext uri="{BB962C8B-B14F-4D97-AF65-F5344CB8AC3E}">
-        <p14:creationId xmlns:p14="http://schemas.microsoft.com/office/powerpoint/2010/main" xmlns="" val="3744983550"/>
+        <p14:creationId xmlns="" xmlns:p14="http://schemas.microsoft.com/office/powerpoint/2010/main" val="3744983550"/>
       </p:ext>
     </p:extLst>
   </p:cSld>
@@ -9064,7 +9065,7 @@
     </p:spTree>
     <p:extLst>
       <p:ext uri="{BB962C8B-B14F-4D97-AF65-F5344CB8AC3E}">
-        <p14:creationId xmlns:p14="http://schemas.microsoft.com/office/powerpoint/2010/main" xmlns="" val="386533847"/>
+        <p14:creationId xmlns="" xmlns:p14="http://schemas.microsoft.com/office/powerpoint/2010/main" val="386533847"/>
       </p:ext>
     </p:extLst>
   </p:cSld>
@@ -9109,7 +9110,7 @@
             <a:alphaModFix amt="30000"/>
             <a:extLst>
               <a:ext uri="{28A0092B-C50C-407E-A947-70E740481C1C}">
-                <a14:useLocalDpi xmlns:a14="http://schemas.microsoft.com/office/drawing/2010/main" xmlns="" val="0"/>
+                <a14:useLocalDpi xmlns="" xmlns:a14="http://schemas.microsoft.com/office/drawing/2010/main" val="0"/>
               </a:ext>
             </a:extLst>
           </a:blip>
@@ -9129,7 +9130,7 @@
           <a:noFill/>
           <a:extLst>
             <a:ext uri="{909E8E84-426E-40dd-AFC4-6F175D3DCCD1}">
-              <a14:hiddenFill xmlns:a14="http://schemas.microsoft.com/office/drawing/2010/main" xmlns="">
+              <a14:hiddenFill xmlns="" xmlns:a14="http://schemas.microsoft.com/office/drawing/2010/main">
                 <a:solidFill>
                   <a:srgbClr val="FFFFFF"/>
                 </a:solidFill>
@@ -9203,7 +9204,7 @@
               </a:ln>
               <a:extLst>
                 <a:ext uri="{91240B29-F687-4f45-9708-019B960494DF}">
-                  <a14:hiddenLine xmlns:a14="http://schemas.microsoft.com/office/drawing/2010/main" xmlns="" w="9525">
+                  <a14:hiddenLine xmlns="" xmlns:a14="http://schemas.microsoft.com/office/drawing/2010/main" w="9525">
                     <a:solidFill>
                       <a:srgbClr val="000000"/>
                     </a:solidFill>
@@ -9293,7 +9294,7 @@
               </a:ln>
               <a:extLst>
                 <a:ext uri="{91240B29-F687-4f45-9708-019B960494DF}">
-                  <a14:hiddenLine xmlns:a14="http://schemas.microsoft.com/office/drawing/2010/main" xmlns="" w="9525">
+                  <a14:hiddenLine xmlns="" xmlns:a14="http://schemas.microsoft.com/office/drawing/2010/main" w="9525">
                     <a:solidFill>
                       <a:srgbClr val="000000"/>
                     </a:solidFill>
@@ -9383,7 +9384,7 @@
               </a:ln>
               <a:extLst>
                 <a:ext uri="{91240B29-F687-4f45-9708-019B960494DF}">
-                  <a14:hiddenLine xmlns:a14="http://schemas.microsoft.com/office/drawing/2010/main" xmlns="" w="9525">
+                  <a14:hiddenLine xmlns="" xmlns:a14="http://schemas.microsoft.com/office/drawing/2010/main" w="9525">
                     <a:solidFill>
                       <a:srgbClr val="000000"/>
                     </a:solidFill>
@@ -9445,7 +9446,7 @@
               </a:ln>
               <a:extLst>
                 <a:ext uri="{91240B29-F687-4f45-9708-019B960494DF}">
-                  <a14:hiddenLine xmlns:a14="http://schemas.microsoft.com/office/drawing/2010/main" xmlns="" w="9525">
+                  <a14:hiddenLine xmlns="" xmlns:a14="http://schemas.microsoft.com/office/drawing/2010/main" w="9525">
                     <a:solidFill>
                       <a:srgbClr val="000000"/>
                     </a:solidFill>
@@ -9535,7 +9536,7 @@
               </a:ln>
               <a:extLst>
                 <a:ext uri="{91240B29-F687-4f45-9708-019B960494DF}">
-                  <a14:hiddenLine xmlns:a14="http://schemas.microsoft.com/office/drawing/2010/main" xmlns="" w="9525">
+                  <a14:hiddenLine xmlns="" xmlns:a14="http://schemas.microsoft.com/office/drawing/2010/main" w="9525">
                     <a:solidFill>
                       <a:srgbClr val="000000"/>
                     </a:solidFill>
@@ -9597,7 +9598,7 @@
               </a:ln>
               <a:extLst>
                 <a:ext uri="{91240B29-F687-4f45-9708-019B960494DF}">
-                  <a14:hiddenLine xmlns:a14="http://schemas.microsoft.com/office/drawing/2010/main" xmlns="" w="9525">
+                  <a14:hiddenLine xmlns="" xmlns:a14="http://schemas.microsoft.com/office/drawing/2010/main" w="9525">
                     <a:solidFill>
                       <a:srgbClr val="000000"/>
                     </a:solidFill>
@@ -9659,7 +9660,7 @@
               </a:ln>
               <a:extLst>
                 <a:ext uri="{91240B29-F687-4f45-9708-019B960494DF}">
-                  <a14:hiddenLine xmlns:a14="http://schemas.microsoft.com/office/drawing/2010/main" xmlns="" w="9525">
+                  <a14:hiddenLine xmlns="" xmlns:a14="http://schemas.microsoft.com/office/drawing/2010/main" w="9525">
                     <a:solidFill>
                       <a:srgbClr val="000000"/>
                     </a:solidFill>
@@ -9749,7 +9750,7 @@
               </a:ln>
               <a:extLst>
                 <a:ext uri="{91240B29-F687-4f45-9708-019B960494DF}">
-                  <a14:hiddenLine xmlns:a14="http://schemas.microsoft.com/office/drawing/2010/main" xmlns="" w="9525">
+                  <a14:hiddenLine xmlns="" xmlns:a14="http://schemas.microsoft.com/office/drawing/2010/main" w="9525">
                     <a:solidFill>
                       <a:srgbClr val="000000"/>
                     </a:solidFill>
@@ -9839,7 +9840,7 @@
               </a:ln>
               <a:extLst>
                 <a:ext uri="{91240B29-F687-4f45-9708-019B960494DF}">
-                  <a14:hiddenLine xmlns:a14="http://schemas.microsoft.com/office/drawing/2010/main" xmlns="" w="9525">
+                  <a14:hiddenLine xmlns="" xmlns:a14="http://schemas.microsoft.com/office/drawing/2010/main" w="9525">
                     <a:solidFill>
                       <a:srgbClr val="000000"/>
                     </a:solidFill>
@@ -9901,7 +9902,7 @@
               </a:ln>
               <a:extLst>
                 <a:ext uri="{91240B29-F687-4f45-9708-019B960494DF}">
-                  <a14:hiddenLine xmlns:a14="http://schemas.microsoft.com/office/drawing/2010/main" xmlns="" w="9525">
+                  <a14:hiddenLine xmlns="" xmlns:a14="http://schemas.microsoft.com/office/drawing/2010/main" w="9525">
                     <a:solidFill>
                       <a:srgbClr val="000000"/>
                     </a:solidFill>
@@ -10011,7 +10012,7 @@
               </a:ln>
               <a:extLst>
                 <a:ext uri="{91240B29-F687-4f45-9708-019B960494DF}">
-                  <a14:hiddenLine xmlns:a14="http://schemas.microsoft.com/office/drawing/2010/main" xmlns="" w="9525">
+                  <a14:hiddenLine xmlns="" xmlns:a14="http://schemas.microsoft.com/office/drawing/2010/main" w="9525">
                     <a:solidFill>
                       <a:srgbClr val="000000"/>
                     </a:solidFill>
@@ -10095,7 +10096,7 @@
               </a:ln>
               <a:extLst>
                 <a:ext uri="{91240B29-F687-4f45-9708-019B960494DF}">
-                  <a14:hiddenLine xmlns:a14="http://schemas.microsoft.com/office/drawing/2010/main" xmlns="" w="9525">
+                  <a14:hiddenLine xmlns="" xmlns:a14="http://schemas.microsoft.com/office/drawing/2010/main" w="9525">
                     <a:solidFill>
                       <a:srgbClr val="000000"/>
                     </a:solidFill>
@@ -10157,7 +10158,7 @@
               </a:ln>
               <a:extLst>
                 <a:ext uri="{91240B29-F687-4f45-9708-019B960494DF}">
-                  <a14:hiddenLine xmlns:a14="http://schemas.microsoft.com/office/drawing/2010/main" xmlns="" w="9525">
+                  <a14:hiddenLine xmlns="" xmlns:a14="http://schemas.microsoft.com/office/drawing/2010/main" w="9525">
                     <a:solidFill>
                       <a:srgbClr val="000000"/>
                     </a:solidFill>
@@ -10219,7 +10220,7 @@
               </a:ln>
               <a:extLst>
                 <a:ext uri="{91240B29-F687-4f45-9708-019B960494DF}">
-                  <a14:hiddenLine xmlns:a14="http://schemas.microsoft.com/office/drawing/2010/main" xmlns="" w="9525">
+                  <a14:hiddenLine xmlns="" xmlns:a14="http://schemas.microsoft.com/office/drawing/2010/main" w="9525">
                     <a:solidFill>
                       <a:srgbClr val="000000"/>
                     </a:solidFill>
@@ -10309,7 +10310,7 @@
               </a:ln>
               <a:extLst>
                 <a:ext uri="{91240B29-F687-4f45-9708-019B960494DF}">
-                  <a14:hiddenLine xmlns:a14="http://schemas.microsoft.com/office/drawing/2010/main" xmlns="" w="9525">
+                  <a14:hiddenLine xmlns="" xmlns:a14="http://schemas.microsoft.com/office/drawing/2010/main" w="9525">
                     <a:solidFill>
                       <a:srgbClr val="000000"/>
                     </a:solidFill>
@@ -10343,7 +10344,7 @@
               </a:ln>
               <a:extLst>
                 <a:ext uri="{91240B29-F687-4f45-9708-019B960494DF}">
-                  <a14:hiddenLine xmlns:a14="http://schemas.microsoft.com/office/drawing/2010/main" xmlns="" w="9525">
+                  <a14:hiddenLine xmlns="" xmlns:a14="http://schemas.microsoft.com/office/drawing/2010/main" w="9525">
                     <a:solidFill>
                       <a:srgbClr val="000000"/>
                     </a:solidFill>
@@ -10408,7 +10409,7 @@
               </a:ln>
               <a:extLst>
                 <a:ext uri="{91240B29-F687-4f45-9708-019B960494DF}">
-                  <a14:hiddenLine xmlns:a14="http://schemas.microsoft.com/office/drawing/2010/main" xmlns="" w="9525">
+                  <a14:hiddenLine xmlns="" xmlns:a14="http://schemas.microsoft.com/office/drawing/2010/main" w="9525">
                     <a:solidFill>
                       <a:srgbClr val="000000"/>
                     </a:solidFill>
@@ -10498,7 +10499,7 @@
               </a:ln>
               <a:extLst>
                 <a:ext uri="{91240B29-F687-4f45-9708-019B960494DF}">
-                  <a14:hiddenLine xmlns:a14="http://schemas.microsoft.com/office/drawing/2010/main" xmlns="" w="9525">
+                  <a14:hiddenLine xmlns="" xmlns:a14="http://schemas.microsoft.com/office/drawing/2010/main" w="9525">
                     <a:solidFill>
                       <a:srgbClr val="000000"/>
                     </a:solidFill>
@@ -10560,7 +10561,7 @@
               </a:ln>
               <a:extLst>
                 <a:ext uri="{91240B29-F687-4f45-9708-019B960494DF}">
-                  <a14:hiddenLine xmlns:a14="http://schemas.microsoft.com/office/drawing/2010/main" xmlns="" w="9525">
+                  <a14:hiddenLine xmlns="" xmlns:a14="http://schemas.microsoft.com/office/drawing/2010/main" w="9525">
                     <a:solidFill>
                       <a:srgbClr val="000000"/>
                     </a:solidFill>
@@ -10650,7 +10651,7 @@
               </a:ln>
               <a:extLst>
                 <a:ext uri="{91240B29-F687-4f45-9708-019B960494DF}">
-                  <a14:hiddenLine xmlns:a14="http://schemas.microsoft.com/office/drawing/2010/main" xmlns="" w="9525">
+                  <a14:hiddenLine xmlns="" xmlns:a14="http://schemas.microsoft.com/office/drawing/2010/main" w="9525">
                     <a:solidFill>
                       <a:srgbClr val="000000"/>
                     </a:solidFill>
@@ -10715,7 +10716,7 @@
               </a:ln>
               <a:extLst>
                 <a:ext uri="{91240B29-F687-4f45-9708-019B960494DF}">
-                  <a14:hiddenLine xmlns:a14="http://schemas.microsoft.com/office/drawing/2010/main" xmlns="" w="9525">
+                  <a14:hiddenLine xmlns="" xmlns:a14="http://schemas.microsoft.com/office/drawing/2010/main" w="9525">
                     <a:solidFill>
                       <a:srgbClr val="000000"/>
                     </a:solidFill>
@@ -10777,7 +10778,7 @@
               </a:ln>
               <a:extLst>
                 <a:ext uri="{91240B29-F687-4f45-9708-019B960494DF}">
-                  <a14:hiddenLine xmlns:a14="http://schemas.microsoft.com/office/drawing/2010/main" xmlns="" w="9525">
+                  <a14:hiddenLine xmlns="" xmlns:a14="http://schemas.microsoft.com/office/drawing/2010/main" w="9525">
                     <a:solidFill>
                       <a:srgbClr val="000000"/>
                     </a:solidFill>
@@ -10867,7 +10868,7 @@
               </a:ln>
               <a:extLst>
                 <a:ext uri="{91240B29-F687-4f45-9708-019B960494DF}">
-                  <a14:hiddenLine xmlns:a14="http://schemas.microsoft.com/office/drawing/2010/main" xmlns="" w="9525">
+                  <a14:hiddenLine xmlns="" xmlns:a14="http://schemas.microsoft.com/office/drawing/2010/main" w="9525">
                     <a:solidFill>
                       <a:srgbClr val="000000"/>
                     </a:solidFill>
@@ -10957,7 +10958,7 @@
               </a:ln>
               <a:extLst>
                 <a:ext uri="{91240B29-F687-4f45-9708-019B960494DF}">
-                  <a14:hiddenLine xmlns:a14="http://schemas.microsoft.com/office/drawing/2010/main" xmlns="" w="9525">
+                  <a14:hiddenLine xmlns="" xmlns:a14="http://schemas.microsoft.com/office/drawing/2010/main" w="9525">
                     <a:solidFill>
                       <a:srgbClr val="000000"/>
                     </a:solidFill>
@@ -11022,7 +11023,7 @@
               </a:ln>
               <a:extLst>
                 <a:ext uri="{91240B29-F687-4f45-9708-019B960494DF}">
-                  <a14:hiddenLine xmlns:a14="http://schemas.microsoft.com/office/drawing/2010/main" xmlns="" w="9525">
+                  <a14:hiddenLine xmlns="" xmlns:a14="http://schemas.microsoft.com/office/drawing/2010/main" w="9525">
                     <a:solidFill>
                       <a:srgbClr val="000000"/>
                     </a:solidFill>
@@ -11142,7 +11143,7 @@
               </a:ln>
               <a:extLst>
                 <a:ext uri="{91240B29-F687-4f45-9708-019B960494DF}">
-                  <a14:hiddenLine xmlns:a14="http://schemas.microsoft.com/office/drawing/2010/main" xmlns="" w="9525">
+                  <a14:hiddenLine xmlns="" xmlns:a14="http://schemas.microsoft.com/office/drawing/2010/main" w="9525">
                     <a:solidFill>
                       <a:srgbClr val="000000"/>
                     </a:solidFill>
@@ -11240,7 +11241,7 @@
               </a:ln>
               <a:extLst>
                 <a:ext uri="{91240B29-F687-4f45-9708-019B960494DF}">
-                  <a14:hiddenLine xmlns:a14="http://schemas.microsoft.com/office/drawing/2010/main" xmlns="" w="9525">
+                  <a14:hiddenLine xmlns="" xmlns:a14="http://schemas.microsoft.com/office/drawing/2010/main" w="9525">
                     <a:solidFill>
                       <a:srgbClr val="000000"/>
                     </a:solidFill>
@@ -11355,7 +11356,7 @@
               </a:ln>
               <a:extLst>
                 <a:ext uri="{91240B29-F687-4f45-9708-019B960494DF}">
-                  <a14:hiddenLine xmlns:a14="http://schemas.microsoft.com/office/drawing/2010/main" xmlns="" w="9525">
+                  <a14:hiddenLine xmlns="" xmlns:a14="http://schemas.microsoft.com/office/drawing/2010/main" w="9525">
                     <a:solidFill>
                       <a:srgbClr val="000000"/>
                     </a:solidFill>
@@ -11445,7 +11446,7 @@
               </a:ln>
               <a:extLst>
                 <a:ext uri="{91240B29-F687-4f45-9708-019B960494DF}">
-                  <a14:hiddenLine xmlns:a14="http://schemas.microsoft.com/office/drawing/2010/main" xmlns="" w="9525">
+                  <a14:hiddenLine xmlns="" xmlns:a14="http://schemas.microsoft.com/office/drawing/2010/main" w="9525">
                     <a:solidFill>
                       <a:srgbClr val="000000"/>
                     </a:solidFill>
@@ -11510,7 +11511,7 @@
               </a:ln>
               <a:extLst>
                 <a:ext uri="{91240B29-F687-4f45-9708-019B960494DF}">
-                  <a14:hiddenLine xmlns:a14="http://schemas.microsoft.com/office/drawing/2010/main" xmlns="" w="9525">
+                  <a14:hiddenLine xmlns="" xmlns:a14="http://schemas.microsoft.com/office/drawing/2010/main" w="9525">
                     <a:solidFill>
                       <a:srgbClr val="000000"/>
                     </a:solidFill>
@@ -11600,7 +11601,7 @@
               </a:ln>
               <a:extLst>
                 <a:ext uri="{91240B29-F687-4f45-9708-019B960494DF}">
-                  <a14:hiddenLine xmlns:a14="http://schemas.microsoft.com/office/drawing/2010/main" xmlns="" w="9525">
+                  <a14:hiddenLine xmlns="" xmlns:a14="http://schemas.microsoft.com/office/drawing/2010/main" w="9525">
                     <a:solidFill>
                       <a:srgbClr val="000000"/>
                     </a:solidFill>
@@ -11668,7 +11669,7 @@
               </a:ln>
               <a:extLst>
                 <a:ext uri="{91240B29-F687-4f45-9708-019B960494DF}">
-                  <a14:hiddenLine xmlns:a14="http://schemas.microsoft.com/office/drawing/2010/main" xmlns="" w="9525">
+                  <a14:hiddenLine xmlns="" xmlns:a14="http://schemas.microsoft.com/office/drawing/2010/main" w="9525">
                     <a:solidFill>
                       <a:srgbClr val="000000"/>
                     </a:solidFill>
@@ -11758,7 +11759,7 @@
               </a:ln>
               <a:extLst>
                 <a:ext uri="{91240B29-F687-4f45-9708-019B960494DF}">
-                  <a14:hiddenLine xmlns:a14="http://schemas.microsoft.com/office/drawing/2010/main" xmlns="" w="9525">
+                  <a14:hiddenLine xmlns="" xmlns:a14="http://schemas.microsoft.com/office/drawing/2010/main" w="9525">
                     <a:solidFill>
                       <a:srgbClr val="000000"/>
                     </a:solidFill>
@@ -11826,7 +11827,7 @@
               </a:ln>
               <a:extLst>
                 <a:ext uri="{91240B29-F687-4f45-9708-019B960494DF}">
-                  <a14:hiddenLine xmlns:a14="http://schemas.microsoft.com/office/drawing/2010/main" xmlns="" w="9525">
+                  <a14:hiddenLine xmlns="" xmlns:a14="http://schemas.microsoft.com/office/drawing/2010/main" w="9525">
                     <a:solidFill>
                       <a:srgbClr val="000000"/>
                     </a:solidFill>
@@ -11916,7 +11917,7 @@
               </a:ln>
               <a:extLst>
                 <a:ext uri="{91240B29-F687-4f45-9708-019B960494DF}">
-                  <a14:hiddenLine xmlns:a14="http://schemas.microsoft.com/office/drawing/2010/main" xmlns="" w="9525">
+                  <a14:hiddenLine xmlns="" xmlns:a14="http://schemas.microsoft.com/office/drawing/2010/main" w="9525">
                     <a:solidFill>
                       <a:srgbClr val="000000"/>
                     </a:solidFill>
@@ -11950,7 +11951,7 @@
               </a:ln>
               <a:extLst>
                 <a:ext uri="{91240B29-F687-4f45-9708-019B960494DF}">
-                  <a14:hiddenLine xmlns:a14="http://schemas.microsoft.com/office/drawing/2010/main" xmlns="" w="9525">
+                  <a14:hiddenLine xmlns="" xmlns:a14="http://schemas.microsoft.com/office/drawing/2010/main" w="9525">
                     <a:solidFill>
                       <a:srgbClr val="000000"/>
                     </a:solidFill>
@@ -12179,7 +12180,7 @@
     </p:spTree>
     <p:extLst>
       <p:ext uri="{BB962C8B-B14F-4D97-AF65-F5344CB8AC3E}">
-        <p14:creationId xmlns:p14="http://schemas.microsoft.com/office/powerpoint/2010/main" xmlns="" val="3966273046"/>
+        <p14:creationId xmlns="" xmlns:p14="http://schemas.microsoft.com/office/powerpoint/2010/main" val="3966273046"/>
       </p:ext>
     </p:extLst>
   </p:cSld>
@@ -12521,7 +12522,7 @@
           <p:nvPr>
             <p:extLst>
               <p:ext uri="{386F3935-93C4-4BCD-93E2-E3B085C9AB24}">
-                <p16:designElem xmlns:p16="http://schemas.microsoft.com/office/powerpoint/2015/main" xmlns="" val="1"/>
+                <p16:designElem xmlns="" xmlns:p16="http://schemas.microsoft.com/office/powerpoint/2015/main" val="1"/>
               </p:ext>
             </p:extLst>
           </p:nvPr>
@@ -12541,7 +12542,7 @@
             <p:nvPr>
               <p:extLst>
                 <p:ext uri="{386F3935-93C4-4BCD-93E2-E3B085C9AB24}">
-                  <p16:designElem xmlns:p16="http://schemas.microsoft.com/office/powerpoint/2015/main" xmlns="" val="1"/>
+                  <p16:designElem xmlns="" xmlns:p16="http://schemas.microsoft.com/office/powerpoint/2015/main" val="1"/>
                 </p:ext>
               </p:extLst>
             </p:nvPr>
@@ -12592,7 +12593,7 @@
             <p:nvPr>
               <p:extLst>
                 <p:ext uri="{386F3935-93C4-4BCD-93E2-E3B085C9AB24}">
-                  <p16:designElem xmlns:p16="http://schemas.microsoft.com/office/powerpoint/2015/main" xmlns="" val="1"/>
+                  <p16:designElem xmlns="" xmlns:p16="http://schemas.microsoft.com/office/powerpoint/2015/main" val="1"/>
                 </p:ext>
               </p:extLst>
             </p:nvPr>
@@ -12609,7 +12610,7 @@
               </a:duotone>
               <a:extLst>
                 <a:ext uri="{28A0092B-C50C-407E-A947-70E740481C1C}">
-                  <a14:useLocalDpi xmlns:a14="http://schemas.microsoft.com/office/drawing/2010/main" xmlns="" val="0"/>
+                  <a14:useLocalDpi xmlns="" xmlns:a14="http://schemas.microsoft.com/office/drawing/2010/main" val="0"/>
                 </a:ext>
               </a:extLst>
             </a:blip>
@@ -12629,7 +12630,7 @@
             <a:noFill/>
             <a:extLst>
               <a:ext uri="{909E8E84-426E-40dd-AFC4-6F175D3DCCD1}">
-                <a14:hiddenFill xmlns:a14="http://schemas.microsoft.com/office/drawing/2010/main" xmlns="">
+                <a14:hiddenFill xmlns="" xmlns:a14="http://schemas.microsoft.com/office/drawing/2010/main">
                   <a:solidFill>
                     <a:srgbClr val="FFFFFF"/>
                   </a:solidFill>
@@ -12671,7 +12672,7 @@
           <p:nvPr>
             <p:extLst>
               <p:ext uri="{386F3935-93C4-4BCD-93E2-E3B085C9AB24}">
-                <p16:designElem xmlns:p16="http://schemas.microsoft.com/office/powerpoint/2015/main" xmlns="" val="1"/>
+                <p16:designElem xmlns="" xmlns:p16="http://schemas.microsoft.com/office/powerpoint/2015/main" val="1"/>
               </p:ext>
             </p:extLst>
           </p:nvPr>
@@ -12709,7 +12710,7 @@
             <p:nvPr>
               <p:extLst>
                 <p:ext uri="{386F3935-93C4-4BCD-93E2-E3B085C9AB24}">
-                  <p16:designElem xmlns:p16="http://schemas.microsoft.com/office/powerpoint/2015/main" xmlns="" val="1"/>
+                  <p16:designElem xmlns="" xmlns:p16="http://schemas.microsoft.com/office/powerpoint/2015/main" val="1"/>
                 </p:ext>
               </p:extLst>
             </p:nvPr>
@@ -12761,7 +12762,7 @@
             </a:ln>
             <a:extLst>
               <a:ext uri="{91240B29-F687-4f45-9708-019B960494DF}">
-                <a14:hiddenLine xmlns:a14="http://schemas.microsoft.com/office/drawing/2010/main" xmlns="" w="9525">
+                <a14:hiddenLine xmlns="" xmlns:a14="http://schemas.microsoft.com/office/drawing/2010/main" w="9525">
                   <a:solidFill>
                     <a:srgbClr val="000000"/>
                   </a:solidFill>
@@ -12782,7 +12783,7 @@
             <p:nvPr>
               <p:extLst>
                 <p:ext uri="{386F3935-93C4-4BCD-93E2-E3B085C9AB24}">
-                  <p16:designElem xmlns:p16="http://schemas.microsoft.com/office/powerpoint/2015/main" xmlns="" val="1"/>
+                  <p16:designElem xmlns="" xmlns:p16="http://schemas.microsoft.com/office/powerpoint/2015/main" val="1"/>
                 </p:ext>
               </p:extLst>
             </p:nvPr>
@@ -12882,7 +12883,7 @@
             </a:ln>
             <a:extLst>
               <a:ext uri="{91240B29-F687-4f45-9708-019B960494DF}">
-                <a14:hiddenLine xmlns:a14="http://schemas.microsoft.com/office/drawing/2010/main" xmlns="" w="9525">
+                <a14:hiddenLine xmlns="" xmlns:a14="http://schemas.microsoft.com/office/drawing/2010/main" w="9525">
                   <a:solidFill>
                     <a:srgbClr val="000000"/>
                   </a:solidFill>
@@ -12903,7 +12904,7 @@
             <p:nvPr>
               <p:extLst>
                 <p:ext uri="{386F3935-93C4-4BCD-93E2-E3B085C9AB24}">
-                  <p16:designElem xmlns:p16="http://schemas.microsoft.com/office/powerpoint/2015/main" xmlns="" val="1"/>
+                  <p16:designElem xmlns="" xmlns:p16="http://schemas.microsoft.com/office/powerpoint/2015/main" val="1"/>
                 </p:ext>
               </p:extLst>
             </p:nvPr>
@@ -12978,7 +12979,7 @@
             </a:ln>
             <a:extLst>
               <a:ext uri="{91240B29-F687-4f45-9708-019B960494DF}">
-                <a14:hiddenLine xmlns:a14="http://schemas.microsoft.com/office/drawing/2010/main" xmlns="" w="9525">
+                <a14:hiddenLine xmlns="" xmlns:a14="http://schemas.microsoft.com/office/drawing/2010/main" w="9525">
                   <a:solidFill>
                     <a:srgbClr val="000000"/>
                   </a:solidFill>
@@ -12997,7 +12998,7 @@
             <p:nvPr>
               <p:extLst>
                 <p:ext uri="{386F3935-93C4-4BCD-93E2-E3B085C9AB24}">
-                  <p16:designElem xmlns:p16="http://schemas.microsoft.com/office/powerpoint/2015/main" xmlns="" val="1"/>
+                  <p16:designElem xmlns="" xmlns:p16="http://schemas.microsoft.com/office/powerpoint/2015/main" val="1"/>
                 </p:ext>
               </p:extLst>
             </p:nvPr>
@@ -13049,7 +13050,7 @@
             </a:ln>
             <a:extLst>
               <a:ext uri="{91240B29-F687-4f45-9708-019B960494DF}">
-                <a14:hiddenLine xmlns:a14="http://schemas.microsoft.com/office/drawing/2010/main" xmlns="" w="9525">
+                <a14:hiddenLine xmlns="" xmlns:a14="http://schemas.microsoft.com/office/drawing/2010/main" w="9525">
                   <a:solidFill>
                     <a:srgbClr val="000000"/>
                   </a:solidFill>
@@ -13070,7 +13071,7 @@
             <p:nvPr>
               <p:extLst>
                 <p:ext uri="{386F3935-93C4-4BCD-93E2-E3B085C9AB24}">
-                  <p16:designElem xmlns:p16="http://schemas.microsoft.com/office/powerpoint/2015/main" xmlns="" val="1"/>
+                  <p16:designElem xmlns="" xmlns:p16="http://schemas.microsoft.com/office/powerpoint/2015/main" val="1"/>
                 </p:ext>
               </p:extLst>
             </p:nvPr>
@@ -13145,7 +13146,7 @@
             </a:ln>
             <a:extLst>
               <a:ext uri="{91240B29-F687-4f45-9708-019B960494DF}">
-                <a14:hiddenLine xmlns:a14="http://schemas.microsoft.com/office/drawing/2010/main" xmlns="" w="9525">
+                <a14:hiddenLine xmlns="" xmlns:a14="http://schemas.microsoft.com/office/drawing/2010/main" w="9525">
                   <a:solidFill>
                     <a:srgbClr val="000000"/>
                   </a:solidFill>
@@ -13164,7 +13165,7 @@
             <p:nvPr>
               <p:extLst>
                 <p:ext uri="{386F3935-93C4-4BCD-93E2-E3B085C9AB24}">
-                  <p16:designElem xmlns:p16="http://schemas.microsoft.com/office/powerpoint/2015/main" xmlns="" val="1"/>
+                  <p16:designElem xmlns="" xmlns:p16="http://schemas.microsoft.com/office/powerpoint/2015/main" val="1"/>
                 </p:ext>
               </p:extLst>
             </p:nvPr>
@@ -13219,7 +13220,7 @@
             </a:ln>
             <a:extLst>
               <a:ext uri="{91240B29-F687-4f45-9708-019B960494DF}">
-                <a14:hiddenLine xmlns:a14="http://schemas.microsoft.com/office/drawing/2010/main" xmlns="" w="9525">
+                <a14:hiddenLine xmlns="" xmlns:a14="http://schemas.microsoft.com/office/drawing/2010/main" w="9525">
                   <a:solidFill>
                     <a:srgbClr val="000000"/>
                   </a:solidFill>
@@ -13240,7 +13241,7 @@
             <p:nvPr>
               <p:extLst>
                 <p:ext uri="{386F3935-93C4-4BCD-93E2-E3B085C9AB24}">
-                  <p16:designElem xmlns:p16="http://schemas.microsoft.com/office/powerpoint/2015/main" xmlns="" val="1"/>
+                  <p16:designElem xmlns="" xmlns:p16="http://schemas.microsoft.com/office/powerpoint/2015/main" val="1"/>
                 </p:ext>
               </p:extLst>
             </p:nvPr>
@@ -13315,7 +13316,7 @@
             </a:ln>
             <a:extLst>
               <a:ext uri="{91240B29-F687-4f45-9708-019B960494DF}">
-                <a14:hiddenLine xmlns:a14="http://schemas.microsoft.com/office/drawing/2010/main" xmlns="" w="9525">
+                <a14:hiddenLine xmlns="" xmlns:a14="http://schemas.microsoft.com/office/drawing/2010/main" w="9525">
                   <a:solidFill>
                     <a:srgbClr val="000000"/>
                   </a:solidFill>
@@ -13334,7 +13335,7 @@
             <p:nvPr>
               <p:extLst>
                 <p:ext uri="{386F3935-93C4-4BCD-93E2-E3B085C9AB24}">
-                  <p16:designElem xmlns:p16="http://schemas.microsoft.com/office/powerpoint/2015/main" xmlns="" val="1"/>
+                  <p16:designElem xmlns="" xmlns:p16="http://schemas.microsoft.com/office/powerpoint/2015/main" val="1"/>
                 </p:ext>
               </p:extLst>
             </p:nvPr>
@@ -13389,7 +13390,7 @@
             </a:ln>
             <a:extLst>
               <a:ext uri="{91240B29-F687-4f45-9708-019B960494DF}">
-                <a14:hiddenLine xmlns:a14="http://schemas.microsoft.com/office/drawing/2010/main" xmlns="" w="9525">
+                <a14:hiddenLine xmlns="" xmlns:a14="http://schemas.microsoft.com/office/drawing/2010/main" w="9525">
                   <a:solidFill>
                     <a:srgbClr val="000000"/>
                   </a:solidFill>
@@ -13410,7 +13411,7 @@
             <p:nvPr>
               <p:extLst>
                 <p:ext uri="{386F3935-93C4-4BCD-93E2-E3B085C9AB24}">
-                  <p16:designElem xmlns:p16="http://schemas.microsoft.com/office/powerpoint/2015/main" xmlns="" val="1"/>
+                  <p16:designElem xmlns="" xmlns:p16="http://schemas.microsoft.com/office/powerpoint/2015/main" val="1"/>
                 </p:ext>
               </p:extLst>
             </p:nvPr>
@@ -13485,7 +13486,7 @@
             </a:ln>
             <a:extLst>
               <a:ext uri="{91240B29-F687-4f45-9708-019B960494DF}">
-                <a14:hiddenLine xmlns:a14="http://schemas.microsoft.com/office/drawing/2010/main" xmlns="" w="9525">
+                <a14:hiddenLine xmlns="" xmlns:a14="http://schemas.microsoft.com/office/drawing/2010/main" w="9525">
                   <a:solidFill>
                     <a:srgbClr val="000000"/>
                   </a:solidFill>
@@ -13506,7 +13507,7 @@
             <p:nvPr>
               <p:extLst>
                 <p:ext uri="{386F3935-93C4-4BCD-93E2-E3B085C9AB24}">
-                  <p16:designElem xmlns:p16="http://schemas.microsoft.com/office/powerpoint/2015/main" xmlns="" val="1"/>
+                  <p16:designElem xmlns="" xmlns:p16="http://schemas.microsoft.com/office/powerpoint/2015/main" val="1"/>
                 </p:ext>
               </p:extLst>
             </p:nvPr>
@@ -13525,7 +13526,7 @@
             </a:ln>
             <a:extLst>
               <a:ext uri="{91240B29-F687-4f45-9708-019B960494DF}">
-                <a14:hiddenLine xmlns:a14="http://schemas.microsoft.com/office/drawing/2010/main" xmlns="" w="9525">
+                <a14:hiddenLine xmlns="" xmlns:a14="http://schemas.microsoft.com/office/drawing/2010/main" w="9525">
                   <a:solidFill>
                     <a:srgbClr val="000000"/>
                   </a:solidFill>
@@ -13547,7 +13548,7 @@
           <p:nvPr>
             <p:extLst>
               <p:ext uri="{386F3935-93C4-4BCD-93E2-E3B085C9AB24}">
-                <p16:designElem xmlns:p16="http://schemas.microsoft.com/office/powerpoint/2015/main" xmlns="" val="1"/>
+                <p16:designElem xmlns="" xmlns:p16="http://schemas.microsoft.com/office/powerpoint/2015/main" val="1"/>
               </p:ext>
             </p:extLst>
           </p:nvPr>
@@ -13575,7 +13576,7 @@
             <p:nvPr>
               <p:extLst>
                 <p:ext uri="{386F3935-93C4-4BCD-93E2-E3B085C9AB24}">
-                  <p16:designElem xmlns:p16="http://schemas.microsoft.com/office/powerpoint/2015/main" xmlns="" val="1"/>
+                  <p16:designElem xmlns="" xmlns:p16="http://schemas.microsoft.com/office/powerpoint/2015/main" val="1"/>
                 </p:ext>
               </p:extLst>
             </p:nvPr>
@@ -13594,7 +13595,7 @@
             </a:ln>
             <a:extLst>
               <a:ext uri="{91240B29-F687-4f45-9708-019B960494DF}">
-                <a14:hiddenLine xmlns:a14="http://schemas.microsoft.com/office/drawing/2010/main" xmlns="" w="9525">
+                <a14:hiddenLine xmlns="" xmlns:a14="http://schemas.microsoft.com/office/drawing/2010/main" w="9525">
                   <a:solidFill>
                     <a:srgbClr val="000000"/>
                   </a:solidFill>
@@ -13615,7 +13616,7 @@
             <p:nvPr>
               <p:extLst>
                 <p:ext uri="{386F3935-93C4-4BCD-93E2-E3B085C9AB24}">
-                  <p16:designElem xmlns:p16="http://schemas.microsoft.com/office/powerpoint/2015/main" xmlns="" val="1"/>
+                  <p16:designElem xmlns="" xmlns:p16="http://schemas.microsoft.com/office/powerpoint/2015/main" val="1"/>
                 </p:ext>
               </p:extLst>
             </p:nvPr>
@@ -13690,7 +13691,7 @@
             </a:ln>
             <a:extLst>
               <a:ext uri="{91240B29-F687-4f45-9708-019B960494DF}">
-                <a14:hiddenLine xmlns:a14="http://schemas.microsoft.com/office/drawing/2010/main" xmlns="" w="9525">
+                <a14:hiddenLine xmlns="" xmlns:a14="http://schemas.microsoft.com/office/drawing/2010/main" w="9525">
                   <a:solidFill>
                     <a:srgbClr val="000000"/>
                   </a:solidFill>
@@ -13711,7 +13712,7 @@
             <p:nvPr>
               <p:extLst>
                 <p:ext uri="{386F3935-93C4-4BCD-93E2-E3B085C9AB24}">
-                  <p16:designElem xmlns:p16="http://schemas.microsoft.com/office/powerpoint/2015/main" xmlns="" val="1"/>
+                  <p16:designElem xmlns="" xmlns:p16="http://schemas.microsoft.com/office/powerpoint/2015/main" val="1"/>
                 </p:ext>
               </p:extLst>
             </p:nvPr>
@@ -13786,7 +13787,7 @@
             </a:ln>
             <a:extLst>
               <a:ext uri="{91240B29-F687-4f45-9708-019B960494DF}">
-                <a14:hiddenLine xmlns:a14="http://schemas.microsoft.com/office/drawing/2010/main" xmlns="" w="9525">
+                <a14:hiddenLine xmlns="" xmlns:a14="http://schemas.microsoft.com/office/drawing/2010/main" w="9525">
                   <a:solidFill>
                     <a:srgbClr val="000000"/>
                   </a:solidFill>
@@ -13807,7 +13808,7 @@
             <p:nvPr>
               <p:extLst>
                 <p:ext uri="{386F3935-93C4-4BCD-93E2-E3B085C9AB24}">
-                  <p16:designElem xmlns:p16="http://schemas.microsoft.com/office/powerpoint/2015/main" xmlns="" val="1"/>
+                  <p16:designElem xmlns="" xmlns:p16="http://schemas.microsoft.com/office/powerpoint/2015/main" val="1"/>
                 </p:ext>
               </p:extLst>
             </p:nvPr>
@@ -13826,7 +13827,7 @@
             </a:ln>
             <a:extLst>
               <a:ext uri="{91240B29-F687-4f45-9708-019B960494DF}">
-                <a14:hiddenLine xmlns:a14="http://schemas.microsoft.com/office/drawing/2010/main" xmlns="" w="9525">
+                <a14:hiddenLine xmlns="" xmlns:a14="http://schemas.microsoft.com/office/drawing/2010/main" w="9525">
                   <a:solidFill>
                     <a:srgbClr val="000000"/>
                   </a:solidFill>
@@ -13847,7 +13848,7 @@
             <p:nvPr>
               <p:extLst>
                 <p:ext uri="{386F3935-93C4-4BCD-93E2-E3B085C9AB24}">
-                  <p16:designElem xmlns:p16="http://schemas.microsoft.com/office/powerpoint/2015/main" xmlns="" val="1"/>
+                  <p16:designElem xmlns="" xmlns:p16="http://schemas.microsoft.com/office/powerpoint/2015/main" val="1"/>
                 </p:ext>
               </p:extLst>
             </p:nvPr>
@@ -13922,7 +13923,7 @@
             </a:ln>
             <a:extLst>
               <a:ext uri="{91240B29-F687-4f45-9708-019B960494DF}">
-                <a14:hiddenLine xmlns:a14="http://schemas.microsoft.com/office/drawing/2010/main" xmlns="" w="9525">
+                <a14:hiddenLine xmlns="" xmlns:a14="http://schemas.microsoft.com/office/drawing/2010/main" w="9525">
                   <a:solidFill>
                     <a:srgbClr val="000000"/>
                   </a:solidFill>
@@ -13941,7 +13942,7 @@
             <p:nvPr>
               <p:extLst>
                 <p:ext uri="{386F3935-93C4-4BCD-93E2-E3B085C9AB24}">
-                  <p16:designElem xmlns:p16="http://schemas.microsoft.com/office/powerpoint/2015/main" xmlns="" val="1"/>
+                  <p16:designElem xmlns="" xmlns:p16="http://schemas.microsoft.com/office/powerpoint/2015/main" val="1"/>
                 </p:ext>
               </p:extLst>
             </p:nvPr>
@@ -13990,7 +13991,7 @@
             </a:ln>
             <a:extLst>
               <a:ext uri="{91240B29-F687-4f45-9708-019B960494DF}">
-                <a14:hiddenLine xmlns:a14="http://schemas.microsoft.com/office/drawing/2010/main" xmlns="" w="9525">
+                <a14:hiddenLine xmlns="" xmlns:a14="http://schemas.microsoft.com/office/drawing/2010/main" w="9525">
                   <a:solidFill>
                     <a:srgbClr val="000000"/>
                   </a:solidFill>
@@ -14009,7 +14010,7 @@
             <p:nvPr>
               <p:extLst>
                 <p:ext uri="{386F3935-93C4-4BCD-93E2-E3B085C9AB24}">
-                  <p16:designElem xmlns:p16="http://schemas.microsoft.com/office/powerpoint/2015/main" xmlns="" val="1"/>
+                  <p16:designElem xmlns="" xmlns:p16="http://schemas.microsoft.com/office/powerpoint/2015/main" val="1"/>
                 </p:ext>
               </p:extLst>
             </p:nvPr>
@@ -14058,7 +14059,7 @@
             </a:ln>
             <a:extLst>
               <a:ext uri="{91240B29-F687-4f45-9708-019B960494DF}">
-                <a14:hiddenLine xmlns:a14="http://schemas.microsoft.com/office/drawing/2010/main" xmlns="" w="9525">
+                <a14:hiddenLine xmlns="" xmlns:a14="http://schemas.microsoft.com/office/drawing/2010/main" w="9525">
                   <a:solidFill>
                     <a:srgbClr val="000000"/>
                   </a:solidFill>
@@ -14079,7 +14080,7 @@
             <p:nvPr>
               <p:extLst>
                 <p:ext uri="{386F3935-93C4-4BCD-93E2-E3B085C9AB24}">
-                  <p16:designElem xmlns:p16="http://schemas.microsoft.com/office/powerpoint/2015/main" xmlns="" val="1"/>
+                  <p16:designElem xmlns="" xmlns:p16="http://schemas.microsoft.com/office/powerpoint/2015/main" val="1"/>
                 </p:ext>
               </p:extLst>
             </p:nvPr>
@@ -14154,7 +14155,7 @@
             </a:ln>
             <a:extLst>
               <a:ext uri="{91240B29-F687-4f45-9708-019B960494DF}">
-                <a14:hiddenLine xmlns:a14="http://schemas.microsoft.com/office/drawing/2010/main" xmlns="" w="9525">
+                <a14:hiddenLine xmlns="" xmlns:a14="http://schemas.microsoft.com/office/drawing/2010/main" w="9525">
                   <a:solidFill>
                     <a:srgbClr val="000000"/>
                   </a:solidFill>
@@ -14173,7 +14174,7 @@
             <p:nvPr>
               <p:extLst>
                 <p:ext uri="{386F3935-93C4-4BCD-93E2-E3B085C9AB24}">
-                  <p16:designElem xmlns:p16="http://schemas.microsoft.com/office/powerpoint/2015/main" xmlns="" val="1"/>
+                  <p16:designElem xmlns="" xmlns:p16="http://schemas.microsoft.com/office/powerpoint/2015/main" val="1"/>
                 </p:ext>
               </p:extLst>
             </p:nvPr>
@@ -14222,7 +14223,7 @@
             </a:ln>
             <a:extLst>
               <a:ext uri="{91240B29-F687-4f45-9708-019B960494DF}">
-                <a14:hiddenLine xmlns:a14="http://schemas.microsoft.com/office/drawing/2010/main" xmlns="" w="9525">
+                <a14:hiddenLine xmlns="" xmlns:a14="http://schemas.microsoft.com/office/drawing/2010/main" w="9525">
                   <a:solidFill>
                     <a:srgbClr val="000000"/>
                   </a:solidFill>
@@ -14241,7 +14242,7 @@
             <p:nvPr>
               <p:extLst>
                 <p:ext uri="{386F3935-93C4-4BCD-93E2-E3B085C9AB24}">
-                  <p16:designElem xmlns:p16="http://schemas.microsoft.com/office/powerpoint/2015/main" xmlns="" val="1"/>
+                  <p16:designElem xmlns="" xmlns:p16="http://schemas.microsoft.com/office/powerpoint/2015/main" val="1"/>
                 </p:ext>
               </p:extLst>
             </p:nvPr>
@@ -14290,7 +14291,7 @@
             </a:ln>
             <a:extLst>
               <a:ext uri="{91240B29-F687-4f45-9708-019B960494DF}">
-                <a14:hiddenLine xmlns:a14="http://schemas.microsoft.com/office/drawing/2010/main" xmlns="" w="9525">
+                <a14:hiddenLine xmlns="" xmlns:a14="http://schemas.microsoft.com/office/drawing/2010/main" w="9525">
                   <a:solidFill>
                     <a:srgbClr val="000000"/>
                   </a:solidFill>
@@ -14311,7 +14312,7 @@
             <p:nvPr>
               <p:extLst>
                 <p:ext uri="{386F3935-93C4-4BCD-93E2-E3B085C9AB24}">
-                  <p16:designElem xmlns:p16="http://schemas.microsoft.com/office/powerpoint/2015/main" xmlns="" val="1"/>
+                  <p16:designElem xmlns="" xmlns:p16="http://schemas.microsoft.com/office/powerpoint/2015/main" val="1"/>
                 </p:ext>
               </p:extLst>
             </p:nvPr>
@@ -14386,7 +14387,7 @@
             </a:ln>
             <a:extLst>
               <a:ext uri="{91240B29-F687-4f45-9708-019B960494DF}">
-                <a14:hiddenLine xmlns:a14="http://schemas.microsoft.com/office/drawing/2010/main" xmlns="" w="9525">
+                <a14:hiddenLine xmlns="" xmlns:a14="http://schemas.microsoft.com/office/drawing/2010/main" w="9525">
                   <a:solidFill>
                     <a:srgbClr val="000000"/>
                   </a:solidFill>
@@ -14407,7 +14408,7 @@
             <p:nvPr>
               <p:extLst>
                 <p:ext uri="{386F3935-93C4-4BCD-93E2-E3B085C9AB24}">
-                  <p16:designElem xmlns:p16="http://schemas.microsoft.com/office/powerpoint/2015/main" xmlns="" val="1"/>
+                  <p16:designElem xmlns="" xmlns:p16="http://schemas.microsoft.com/office/powerpoint/2015/main" val="1"/>
                 </p:ext>
               </p:extLst>
             </p:nvPr>
@@ -14482,7 +14483,7 @@
             </a:ln>
             <a:extLst>
               <a:ext uri="{91240B29-F687-4f45-9708-019B960494DF}">
-                <a14:hiddenLine xmlns:a14="http://schemas.microsoft.com/office/drawing/2010/main" xmlns="" w="9525">
+                <a14:hiddenLine xmlns="" xmlns:a14="http://schemas.microsoft.com/office/drawing/2010/main" w="9525">
                   <a:solidFill>
                     <a:srgbClr val="000000"/>
                   </a:solidFill>
@@ -14501,7 +14502,7 @@
             <p:nvPr>
               <p:extLst>
                 <p:ext uri="{386F3935-93C4-4BCD-93E2-E3B085C9AB24}">
-                  <p16:designElem xmlns:p16="http://schemas.microsoft.com/office/powerpoint/2015/main" xmlns="" val="1"/>
+                  <p16:designElem xmlns="" xmlns:p16="http://schemas.microsoft.com/office/powerpoint/2015/main" val="1"/>
                 </p:ext>
               </p:extLst>
             </p:nvPr>
@@ -14550,7 +14551,7 @@
             </a:ln>
             <a:extLst>
               <a:ext uri="{91240B29-F687-4f45-9708-019B960494DF}">
-                <a14:hiddenLine xmlns:a14="http://schemas.microsoft.com/office/drawing/2010/main" xmlns="" w="9525">
+                <a14:hiddenLine xmlns="" xmlns:a14="http://schemas.microsoft.com/office/drawing/2010/main" w="9525">
                   <a:solidFill>
                     <a:srgbClr val="000000"/>
                   </a:solidFill>
@@ -14571,7 +14572,7 @@
             <p:nvPr>
               <p:extLst>
                 <p:ext uri="{386F3935-93C4-4BCD-93E2-E3B085C9AB24}">
-                  <p16:designElem xmlns:p16="http://schemas.microsoft.com/office/powerpoint/2015/main" xmlns="" val="1"/>
+                  <p16:designElem xmlns="" xmlns:p16="http://schemas.microsoft.com/office/powerpoint/2015/main" val="1"/>
                 </p:ext>
               </p:extLst>
             </p:nvPr>
@@ -14666,7 +14667,7 @@
             </a:ln>
             <a:extLst>
               <a:ext uri="{91240B29-F687-4f45-9708-019B960494DF}">
-                <a14:hiddenLine xmlns:a14="http://schemas.microsoft.com/office/drawing/2010/main" xmlns="" w="9525">
+                <a14:hiddenLine xmlns="" xmlns:a14="http://schemas.microsoft.com/office/drawing/2010/main" w="9525">
                   <a:solidFill>
                     <a:srgbClr val="000000"/>
                   </a:solidFill>
@@ -14685,7 +14686,7 @@
             <p:nvPr>
               <p:extLst>
                 <p:ext uri="{386F3935-93C4-4BCD-93E2-E3B085C9AB24}">
-                  <p16:designElem xmlns:p16="http://schemas.microsoft.com/office/powerpoint/2015/main" xmlns="" val="1"/>
+                  <p16:designElem xmlns="" xmlns:p16="http://schemas.microsoft.com/office/powerpoint/2015/main" val="1"/>
                 </p:ext>
               </p:extLst>
             </p:nvPr>
@@ -14734,7 +14735,7 @@
             </a:ln>
             <a:extLst>
               <a:ext uri="{91240B29-F687-4f45-9708-019B960494DF}">
-                <a14:hiddenLine xmlns:a14="http://schemas.microsoft.com/office/drawing/2010/main" xmlns="" w="9525">
+                <a14:hiddenLine xmlns="" xmlns:a14="http://schemas.microsoft.com/office/drawing/2010/main" w="9525">
                   <a:solidFill>
                     <a:srgbClr val="000000"/>
                   </a:solidFill>
@@ -14755,7 +14756,7 @@
             <p:nvPr>
               <p:extLst>
                 <p:ext uri="{386F3935-93C4-4BCD-93E2-E3B085C9AB24}">
-                  <p16:designElem xmlns:p16="http://schemas.microsoft.com/office/powerpoint/2015/main" xmlns="" val="1"/>
+                  <p16:designElem xmlns="" xmlns:p16="http://schemas.microsoft.com/office/powerpoint/2015/main" val="1"/>
                 </p:ext>
               </p:extLst>
             </p:nvPr>
@@ -14830,7 +14831,7 @@
             </a:ln>
             <a:extLst>
               <a:ext uri="{91240B29-F687-4f45-9708-019B960494DF}">
-                <a14:hiddenLine xmlns:a14="http://schemas.microsoft.com/office/drawing/2010/main" xmlns="" w="9525">
+                <a14:hiddenLine xmlns="" xmlns:a14="http://schemas.microsoft.com/office/drawing/2010/main" w="9525">
                   <a:solidFill>
                     <a:srgbClr val="000000"/>
                   </a:solidFill>
@@ -14851,7 +14852,7 @@
             <p:nvPr>
               <p:extLst>
                 <p:ext uri="{386F3935-93C4-4BCD-93E2-E3B085C9AB24}">
-                  <p16:designElem xmlns:p16="http://schemas.microsoft.com/office/powerpoint/2015/main" xmlns="" val="1"/>
+                  <p16:designElem xmlns="" xmlns:p16="http://schemas.microsoft.com/office/powerpoint/2015/main" val="1"/>
                 </p:ext>
               </p:extLst>
             </p:nvPr>
@@ -14926,7 +14927,7 @@
             </a:ln>
             <a:extLst>
               <a:ext uri="{91240B29-F687-4f45-9708-019B960494DF}">
-                <a14:hiddenLine xmlns:a14="http://schemas.microsoft.com/office/drawing/2010/main" xmlns="" w="9525">
+                <a14:hiddenLine xmlns="" xmlns:a14="http://schemas.microsoft.com/office/drawing/2010/main" w="9525">
                   <a:solidFill>
                     <a:srgbClr val="000000"/>
                   </a:solidFill>
@@ -14945,7 +14946,7 @@
             <p:nvPr>
               <p:extLst>
                 <p:ext uri="{386F3935-93C4-4BCD-93E2-E3B085C9AB24}">
-                  <p16:designElem xmlns:p16="http://schemas.microsoft.com/office/powerpoint/2015/main" xmlns="" val="1"/>
+                  <p16:designElem xmlns="" xmlns:p16="http://schemas.microsoft.com/office/powerpoint/2015/main" val="1"/>
                 </p:ext>
               </p:extLst>
             </p:nvPr>
@@ -14994,7 +14995,7 @@
             </a:ln>
             <a:extLst>
               <a:ext uri="{91240B29-F687-4f45-9708-019B960494DF}">
-                <a14:hiddenLine xmlns:a14="http://schemas.microsoft.com/office/drawing/2010/main" xmlns="" w="9525">
+                <a14:hiddenLine xmlns="" xmlns:a14="http://schemas.microsoft.com/office/drawing/2010/main" w="9525">
                   <a:solidFill>
                     <a:srgbClr val="000000"/>
                   </a:solidFill>
@@ -15015,7 +15016,7 @@
             <p:nvPr>
               <p:extLst>
                 <p:ext uri="{386F3935-93C4-4BCD-93E2-E3B085C9AB24}">
-                  <p16:designElem xmlns:p16="http://schemas.microsoft.com/office/powerpoint/2015/main" xmlns="" val="1"/>
+                  <p16:designElem xmlns="" xmlns:p16="http://schemas.microsoft.com/office/powerpoint/2015/main" val="1"/>
                 </p:ext>
               </p:extLst>
             </p:nvPr>
@@ -15090,7 +15091,7 @@
             </a:ln>
             <a:extLst>
               <a:ext uri="{91240B29-F687-4f45-9708-019B960494DF}">
-                <a14:hiddenLine xmlns:a14="http://schemas.microsoft.com/office/drawing/2010/main" xmlns="" w="9525">
+                <a14:hiddenLine xmlns="" xmlns:a14="http://schemas.microsoft.com/office/drawing/2010/main" w="9525">
                   <a:solidFill>
                     <a:srgbClr val="000000"/>
                   </a:solidFill>
@@ -15111,7 +15112,7 @@
             <p:nvPr>
               <p:extLst>
                 <p:ext uri="{386F3935-93C4-4BCD-93E2-E3B085C9AB24}">
-                  <p16:designElem xmlns:p16="http://schemas.microsoft.com/office/powerpoint/2015/main" xmlns="" val="1"/>
+                  <p16:designElem xmlns="" xmlns:p16="http://schemas.microsoft.com/office/powerpoint/2015/main" val="1"/>
                 </p:ext>
               </p:extLst>
             </p:nvPr>
@@ -15186,7 +15187,7 @@
             </a:ln>
             <a:extLst>
               <a:ext uri="{91240B29-F687-4f45-9708-019B960494DF}">
-                <a14:hiddenLine xmlns:a14="http://schemas.microsoft.com/office/drawing/2010/main" xmlns="" w="9525">
+                <a14:hiddenLine xmlns="" xmlns:a14="http://schemas.microsoft.com/office/drawing/2010/main" w="9525">
                   <a:solidFill>
                     <a:srgbClr val="000000"/>
                   </a:solidFill>
@@ -15205,7 +15206,7 @@
             <p:nvPr>
               <p:extLst>
                 <p:ext uri="{386F3935-93C4-4BCD-93E2-E3B085C9AB24}">
-                  <p16:designElem xmlns:p16="http://schemas.microsoft.com/office/powerpoint/2015/main" xmlns="" val="1"/>
+                  <p16:designElem xmlns="" xmlns:p16="http://schemas.microsoft.com/office/powerpoint/2015/main" val="1"/>
                 </p:ext>
               </p:extLst>
             </p:nvPr>
@@ -15248,7 +15249,7 @@
             </a:ln>
             <a:extLst>
               <a:ext uri="{91240B29-F687-4f45-9708-019B960494DF}">
-                <a14:hiddenLine xmlns:a14="http://schemas.microsoft.com/office/drawing/2010/main" xmlns="" w="9525">
+                <a14:hiddenLine xmlns="" xmlns:a14="http://schemas.microsoft.com/office/drawing/2010/main" w="9525">
                   <a:solidFill>
                     <a:srgbClr val="000000"/>
                   </a:solidFill>
@@ -15269,7 +15270,7 @@
             <p:nvPr>
               <p:extLst>
                 <p:ext uri="{386F3935-93C4-4BCD-93E2-E3B085C9AB24}">
-                  <p16:designElem xmlns:p16="http://schemas.microsoft.com/office/powerpoint/2015/main" xmlns="" val="1"/>
+                  <p16:designElem xmlns="" xmlns:p16="http://schemas.microsoft.com/office/powerpoint/2015/main" val="1"/>
                 </p:ext>
               </p:extLst>
             </p:nvPr>
@@ -15344,7 +15345,7 @@
             </a:ln>
             <a:extLst>
               <a:ext uri="{91240B29-F687-4f45-9708-019B960494DF}">
-                <a14:hiddenLine xmlns:a14="http://schemas.microsoft.com/office/drawing/2010/main" xmlns="" w="9525">
+                <a14:hiddenLine xmlns="" xmlns:a14="http://schemas.microsoft.com/office/drawing/2010/main" w="9525">
                   <a:solidFill>
                     <a:srgbClr val="000000"/>
                   </a:solidFill>
@@ -15363,7 +15364,7 @@
             <p:nvPr>
               <p:extLst>
                 <p:ext uri="{386F3935-93C4-4BCD-93E2-E3B085C9AB24}">
-                  <p16:designElem xmlns:p16="http://schemas.microsoft.com/office/powerpoint/2015/main" xmlns="" val="1"/>
+                  <p16:designElem xmlns="" xmlns:p16="http://schemas.microsoft.com/office/powerpoint/2015/main" val="1"/>
                 </p:ext>
               </p:extLst>
             </p:nvPr>
@@ -15406,7 +15407,7 @@
             </a:ln>
             <a:extLst>
               <a:ext uri="{91240B29-F687-4f45-9708-019B960494DF}">
-                <a14:hiddenLine xmlns:a14="http://schemas.microsoft.com/office/drawing/2010/main" xmlns="" w="9525">
+                <a14:hiddenLine xmlns="" xmlns:a14="http://schemas.microsoft.com/office/drawing/2010/main" w="9525">
                   <a:solidFill>
                     <a:srgbClr val="000000"/>
                   </a:solidFill>
@@ -15427,7 +15428,7 @@
             <p:nvPr>
               <p:extLst>
                 <p:ext uri="{386F3935-93C4-4BCD-93E2-E3B085C9AB24}">
-                  <p16:designElem xmlns:p16="http://schemas.microsoft.com/office/powerpoint/2015/main" xmlns="" val="1"/>
+                  <p16:designElem xmlns="" xmlns:p16="http://schemas.microsoft.com/office/powerpoint/2015/main" val="1"/>
                 </p:ext>
               </p:extLst>
             </p:nvPr>
@@ -15502,7 +15503,7 @@
             </a:ln>
             <a:extLst>
               <a:ext uri="{91240B29-F687-4f45-9708-019B960494DF}">
-                <a14:hiddenLine xmlns:a14="http://schemas.microsoft.com/office/drawing/2010/main" xmlns="" w="9525">
+                <a14:hiddenLine xmlns="" xmlns:a14="http://schemas.microsoft.com/office/drawing/2010/main" w="9525">
                   <a:solidFill>
                     <a:srgbClr val="000000"/>
                   </a:solidFill>
@@ -15521,7 +15522,7 @@
             <p:nvPr>
               <p:extLst>
                 <p:ext uri="{386F3935-93C4-4BCD-93E2-E3B085C9AB24}">
-                  <p16:designElem xmlns:p16="http://schemas.microsoft.com/office/powerpoint/2015/main" xmlns="" val="1"/>
+                  <p16:designElem xmlns="" xmlns:p16="http://schemas.microsoft.com/office/powerpoint/2015/main" val="1"/>
                 </p:ext>
               </p:extLst>
             </p:nvPr>
@@ -15576,7 +15577,7 @@
             </a:ln>
             <a:extLst>
               <a:ext uri="{91240B29-F687-4f45-9708-019B960494DF}">
-                <a14:hiddenLine xmlns:a14="http://schemas.microsoft.com/office/drawing/2010/main" xmlns="" w="9525">
+                <a14:hiddenLine xmlns="" xmlns:a14="http://schemas.microsoft.com/office/drawing/2010/main" w="9525">
                   <a:solidFill>
                     <a:srgbClr val="000000"/>
                   </a:solidFill>
@@ -15597,7 +15598,7 @@
             <p:nvPr>
               <p:extLst>
                 <p:ext uri="{386F3935-93C4-4BCD-93E2-E3B085C9AB24}">
-                  <p16:designElem xmlns:p16="http://schemas.microsoft.com/office/powerpoint/2015/main" xmlns="" val="1"/>
+                  <p16:designElem xmlns="" xmlns:p16="http://schemas.microsoft.com/office/powerpoint/2015/main" val="1"/>
                 </p:ext>
               </p:extLst>
             </p:nvPr>
@@ -15672,7 +15673,7 @@
             </a:ln>
             <a:extLst>
               <a:ext uri="{91240B29-F687-4f45-9708-019B960494DF}">
-                <a14:hiddenLine xmlns:a14="http://schemas.microsoft.com/office/drawing/2010/main" xmlns="" w="9525">
+                <a14:hiddenLine xmlns="" xmlns:a14="http://schemas.microsoft.com/office/drawing/2010/main" w="9525">
                   <a:solidFill>
                     <a:srgbClr val="000000"/>
                   </a:solidFill>
@@ -15691,7 +15692,7 @@
             <p:nvPr>
               <p:extLst>
                 <p:ext uri="{386F3935-93C4-4BCD-93E2-E3B085C9AB24}">
-                  <p16:designElem xmlns:p16="http://schemas.microsoft.com/office/powerpoint/2015/main" xmlns="" val="1"/>
+                  <p16:designElem xmlns="" xmlns:p16="http://schemas.microsoft.com/office/powerpoint/2015/main" val="1"/>
                 </p:ext>
               </p:extLst>
             </p:nvPr>
@@ -15746,7 +15747,7 @@
             </a:ln>
             <a:extLst>
               <a:ext uri="{91240B29-F687-4f45-9708-019B960494DF}">
-                <a14:hiddenLine xmlns:a14="http://schemas.microsoft.com/office/drawing/2010/main" xmlns="" w="9525">
+                <a14:hiddenLine xmlns="" xmlns:a14="http://schemas.microsoft.com/office/drawing/2010/main" w="9525">
                   <a:solidFill>
                     <a:srgbClr val="000000"/>
                   </a:solidFill>
@@ -15767,7 +15768,7 @@
             <p:nvPr>
               <p:extLst>
                 <p:ext uri="{386F3935-93C4-4BCD-93E2-E3B085C9AB24}">
-                  <p16:designElem xmlns:p16="http://schemas.microsoft.com/office/powerpoint/2015/main" xmlns="" val="1"/>
+                  <p16:designElem xmlns="" xmlns:p16="http://schemas.microsoft.com/office/powerpoint/2015/main" val="1"/>
                 </p:ext>
               </p:extLst>
             </p:nvPr>
@@ -15842,7 +15843,7 @@
             </a:ln>
             <a:extLst>
               <a:ext uri="{91240B29-F687-4f45-9708-019B960494DF}">
-                <a14:hiddenLine xmlns:a14="http://schemas.microsoft.com/office/drawing/2010/main" xmlns="" w="9525">
+                <a14:hiddenLine xmlns="" xmlns:a14="http://schemas.microsoft.com/office/drawing/2010/main" w="9525">
                   <a:solidFill>
                     <a:srgbClr val="000000"/>
                   </a:solidFill>
@@ -15863,7 +15864,7 @@
             <p:nvPr>
               <p:extLst>
                 <p:ext uri="{386F3935-93C4-4BCD-93E2-E3B085C9AB24}">
-                  <p16:designElem xmlns:p16="http://schemas.microsoft.com/office/powerpoint/2015/main" xmlns="" val="1"/>
+                  <p16:designElem xmlns="" xmlns:p16="http://schemas.microsoft.com/office/powerpoint/2015/main" val="1"/>
                 </p:ext>
               </p:extLst>
             </p:nvPr>
@@ -15882,7 +15883,7 @@
             </a:ln>
             <a:extLst>
               <a:ext uri="{91240B29-F687-4f45-9708-019B960494DF}">
-                <a14:hiddenLine xmlns:a14="http://schemas.microsoft.com/office/drawing/2010/main" xmlns="" w="9525">
+                <a14:hiddenLine xmlns="" xmlns:a14="http://schemas.microsoft.com/office/drawing/2010/main" w="9525">
                   <a:solidFill>
                     <a:srgbClr val="000000"/>
                   </a:solidFill>
@@ -15903,7 +15904,7 @@
             <p:nvPr>
               <p:extLst>
                 <p:ext uri="{386F3935-93C4-4BCD-93E2-E3B085C9AB24}">
-                  <p16:designElem xmlns:p16="http://schemas.microsoft.com/office/powerpoint/2015/main" xmlns="" val="1"/>
+                  <p16:designElem xmlns="" xmlns:p16="http://schemas.microsoft.com/office/powerpoint/2015/main" val="1"/>
                 </p:ext>
               </p:extLst>
             </p:nvPr>
@@ -15978,7 +15979,7 @@
             </a:ln>
             <a:extLst>
               <a:ext uri="{91240B29-F687-4f45-9708-019B960494DF}">
-                <a14:hiddenLine xmlns:a14="http://schemas.microsoft.com/office/drawing/2010/main" xmlns="" w="9525">
+                <a14:hiddenLine xmlns="" xmlns:a14="http://schemas.microsoft.com/office/drawing/2010/main" w="9525">
                   <a:solidFill>
                     <a:srgbClr val="000000"/>
                   </a:solidFill>
@@ -15997,7 +15998,7 @@
             <p:nvPr>
               <p:extLst>
                 <p:ext uri="{386F3935-93C4-4BCD-93E2-E3B085C9AB24}">
-                  <p16:designElem xmlns:p16="http://schemas.microsoft.com/office/powerpoint/2015/main" xmlns="" val="1"/>
+                  <p16:designElem xmlns="" xmlns:p16="http://schemas.microsoft.com/office/powerpoint/2015/main" val="1"/>
                 </p:ext>
               </p:extLst>
             </p:nvPr>
@@ -16046,7 +16047,7 @@
             </a:ln>
             <a:extLst>
               <a:ext uri="{91240B29-F687-4f45-9708-019B960494DF}">
-                <a14:hiddenLine xmlns:a14="http://schemas.microsoft.com/office/drawing/2010/main" xmlns="" w="9525">
+                <a14:hiddenLine xmlns="" xmlns:a14="http://schemas.microsoft.com/office/drawing/2010/main" w="9525">
                   <a:solidFill>
                     <a:srgbClr val="000000"/>
                   </a:solidFill>
@@ -16065,7 +16066,7 @@
             <p:nvPr>
               <p:extLst>
                 <p:ext uri="{386F3935-93C4-4BCD-93E2-E3B085C9AB24}">
-                  <p16:designElem xmlns:p16="http://schemas.microsoft.com/office/powerpoint/2015/main" xmlns="" val="1"/>
+                  <p16:designElem xmlns="" xmlns:p16="http://schemas.microsoft.com/office/powerpoint/2015/main" val="1"/>
                 </p:ext>
               </p:extLst>
             </p:nvPr>
@@ -16114,7 +16115,7 @@
             </a:ln>
             <a:extLst>
               <a:ext uri="{91240B29-F687-4f45-9708-019B960494DF}">
-                <a14:hiddenLine xmlns:a14="http://schemas.microsoft.com/office/drawing/2010/main" xmlns="" w="9525">
+                <a14:hiddenLine xmlns="" xmlns:a14="http://schemas.microsoft.com/office/drawing/2010/main" w="9525">
                   <a:solidFill>
                     <a:srgbClr val="000000"/>
                   </a:solidFill>
@@ -16135,7 +16136,7 @@
             <p:nvPr>
               <p:extLst>
                 <p:ext uri="{386F3935-93C4-4BCD-93E2-E3B085C9AB24}">
-                  <p16:designElem xmlns:p16="http://schemas.microsoft.com/office/powerpoint/2015/main" xmlns="" val="1"/>
+                  <p16:designElem xmlns="" xmlns:p16="http://schemas.microsoft.com/office/powerpoint/2015/main" val="1"/>
                 </p:ext>
               </p:extLst>
             </p:nvPr>
@@ -16210,7 +16211,7 @@
             </a:ln>
             <a:extLst>
               <a:ext uri="{91240B29-F687-4f45-9708-019B960494DF}">
-                <a14:hiddenLine xmlns:a14="http://schemas.microsoft.com/office/drawing/2010/main" xmlns="" w="9525">
+                <a14:hiddenLine xmlns="" xmlns:a14="http://schemas.microsoft.com/office/drawing/2010/main" w="9525">
                   <a:solidFill>
                     <a:srgbClr val="000000"/>
                   </a:solidFill>
@@ -16229,7 +16230,7 @@
             <p:nvPr>
               <p:extLst>
                 <p:ext uri="{386F3935-93C4-4BCD-93E2-E3B085C9AB24}">
-                  <p16:designElem xmlns:p16="http://schemas.microsoft.com/office/powerpoint/2015/main" xmlns="" val="1"/>
+                  <p16:designElem xmlns="" xmlns:p16="http://schemas.microsoft.com/office/powerpoint/2015/main" val="1"/>
                 </p:ext>
               </p:extLst>
             </p:nvPr>
@@ -16284,7 +16285,7 @@
             </a:ln>
             <a:extLst>
               <a:ext uri="{91240B29-F687-4f45-9708-019B960494DF}">
-                <a14:hiddenLine xmlns:a14="http://schemas.microsoft.com/office/drawing/2010/main" xmlns="" w="9525">
+                <a14:hiddenLine xmlns="" xmlns:a14="http://schemas.microsoft.com/office/drawing/2010/main" w="9525">
                   <a:solidFill>
                     <a:srgbClr val="000000"/>
                   </a:solidFill>
@@ -16303,7 +16304,7 @@
             <p:nvPr>
               <p:extLst>
                 <p:ext uri="{386F3935-93C4-4BCD-93E2-E3B085C9AB24}">
-                  <p16:designElem xmlns:p16="http://schemas.microsoft.com/office/powerpoint/2015/main" xmlns="" val="1"/>
+                  <p16:designElem xmlns="" xmlns:p16="http://schemas.microsoft.com/office/powerpoint/2015/main" val="1"/>
                 </p:ext>
               </p:extLst>
             </p:nvPr>
@@ -16352,7 +16353,7 @@
             </a:ln>
             <a:extLst>
               <a:ext uri="{91240B29-F687-4f45-9708-019B960494DF}">
-                <a14:hiddenLine xmlns:a14="http://schemas.microsoft.com/office/drawing/2010/main" xmlns="" w="9525">
+                <a14:hiddenLine xmlns="" xmlns:a14="http://schemas.microsoft.com/office/drawing/2010/main" w="9525">
                   <a:solidFill>
                     <a:srgbClr val="000000"/>
                   </a:solidFill>
@@ -16373,7 +16374,7 @@
             <p:nvPr>
               <p:extLst>
                 <p:ext uri="{386F3935-93C4-4BCD-93E2-E3B085C9AB24}">
-                  <p16:designElem xmlns:p16="http://schemas.microsoft.com/office/powerpoint/2015/main" xmlns="" val="1"/>
+                  <p16:designElem xmlns="" xmlns:p16="http://schemas.microsoft.com/office/powerpoint/2015/main" val="1"/>
                 </p:ext>
               </p:extLst>
             </p:nvPr>
@@ -16448,7 +16449,7 @@
             </a:ln>
             <a:extLst>
               <a:ext uri="{91240B29-F687-4f45-9708-019B960494DF}">
-                <a14:hiddenLine xmlns:a14="http://schemas.microsoft.com/office/drawing/2010/main" xmlns="" w="9525">
+                <a14:hiddenLine xmlns="" xmlns:a14="http://schemas.microsoft.com/office/drawing/2010/main" w="9525">
                   <a:solidFill>
                     <a:srgbClr val="000000"/>
                   </a:solidFill>
@@ -16467,7 +16468,7 @@
             <p:nvPr>
               <p:extLst>
                 <p:ext uri="{386F3935-93C4-4BCD-93E2-E3B085C9AB24}">
-                  <p16:designElem xmlns:p16="http://schemas.microsoft.com/office/powerpoint/2015/main" xmlns="" val="1"/>
+                  <p16:designElem xmlns="" xmlns:p16="http://schemas.microsoft.com/office/powerpoint/2015/main" val="1"/>
                 </p:ext>
               </p:extLst>
             </p:nvPr>
@@ -16516,7 +16517,7 @@
             </a:ln>
             <a:extLst>
               <a:ext uri="{91240B29-F687-4f45-9708-019B960494DF}">
-                <a14:hiddenLine xmlns:a14="http://schemas.microsoft.com/office/drawing/2010/main" xmlns="" w="9525">
+                <a14:hiddenLine xmlns="" xmlns:a14="http://schemas.microsoft.com/office/drawing/2010/main" w="9525">
                   <a:solidFill>
                     <a:srgbClr val="000000"/>
                   </a:solidFill>
@@ -16537,7 +16538,7 @@
             <p:nvPr>
               <p:extLst>
                 <p:ext uri="{386F3935-93C4-4BCD-93E2-E3B085C9AB24}">
-                  <p16:designElem xmlns:p16="http://schemas.microsoft.com/office/powerpoint/2015/main" xmlns="" val="1"/>
+                  <p16:designElem xmlns="" xmlns:p16="http://schemas.microsoft.com/office/powerpoint/2015/main" val="1"/>
                 </p:ext>
               </p:extLst>
             </p:nvPr>
@@ -16612,7 +16613,7 @@
             </a:ln>
             <a:extLst>
               <a:ext uri="{91240B29-F687-4f45-9708-019B960494DF}">
-                <a14:hiddenLine xmlns:a14="http://schemas.microsoft.com/office/drawing/2010/main" xmlns="" w="9525">
+                <a14:hiddenLine xmlns="" xmlns:a14="http://schemas.microsoft.com/office/drawing/2010/main" w="9525">
                   <a:solidFill>
                     <a:srgbClr val="000000"/>
                   </a:solidFill>
@@ -16631,7 +16632,7 @@
             <p:nvPr>
               <p:extLst>
                 <p:ext uri="{386F3935-93C4-4BCD-93E2-E3B085C9AB24}">
-                  <p16:designElem xmlns:p16="http://schemas.microsoft.com/office/powerpoint/2015/main" xmlns="" val="1"/>
+                  <p16:designElem xmlns="" xmlns:p16="http://schemas.microsoft.com/office/powerpoint/2015/main" val="1"/>
                 </p:ext>
               </p:extLst>
             </p:nvPr>
@@ -16680,7 +16681,7 @@
             </a:ln>
             <a:extLst>
               <a:ext uri="{91240B29-F687-4f45-9708-019B960494DF}">
-                <a14:hiddenLine xmlns:a14="http://schemas.microsoft.com/office/drawing/2010/main" xmlns="" w="9525">
+                <a14:hiddenLine xmlns="" xmlns:a14="http://schemas.microsoft.com/office/drawing/2010/main" w="9525">
                   <a:solidFill>
                     <a:srgbClr val="000000"/>
                   </a:solidFill>
@@ -16701,7 +16702,7 @@
             <p:nvPr>
               <p:extLst>
                 <p:ext uri="{386F3935-93C4-4BCD-93E2-E3B085C9AB24}">
-                  <p16:designElem xmlns:p16="http://schemas.microsoft.com/office/powerpoint/2015/main" xmlns="" val="1"/>
+                  <p16:designElem xmlns="" xmlns:p16="http://schemas.microsoft.com/office/powerpoint/2015/main" val="1"/>
                 </p:ext>
               </p:extLst>
             </p:nvPr>
@@ -16776,7 +16777,7 @@
             </a:ln>
             <a:extLst>
               <a:ext uri="{91240B29-F687-4f45-9708-019B960494DF}">
-                <a14:hiddenLine xmlns:a14="http://schemas.microsoft.com/office/drawing/2010/main" xmlns="" w="9525">
+                <a14:hiddenLine xmlns="" xmlns:a14="http://schemas.microsoft.com/office/drawing/2010/main" w="9525">
                   <a:solidFill>
                     <a:srgbClr val="000000"/>
                   </a:solidFill>
@@ -16797,7 +16798,7 @@
             <p:nvPr>
               <p:extLst>
                 <p:ext uri="{386F3935-93C4-4BCD-93E2-E3B085C9AB24}">
-                  <p16:designElem xmlns:p16="http://schemas.microsoft.com/office/powerpoint/2015/main" xmlns="" val="1"/>
+                  <p16:designElem xmlns="" xmlns:p16="http://schemas.microsoft.com/office/powerpoint/2015/main" val="1"/>
                 </p:ext>
               </p:extLst>
             </p:nvPr>
@@ -16816,7 +16817,7 @@
             </a:ln>
             <a:extLst>
               <a:ext uri="{91240B29-F687-4f45-9708-019B960494DF}">
-                <a14:hiddenLine xmlns:a14="http://schemas.microsoft.com/office/drawing/2010/main" xmlns="" w="9525">
+                <a14:hiddenLine xmlns="" xmlns:a14="http://schemas.microsoft.com/office/drawing/2010/main" w="9525">
                   <a:solidFill>
                     <a:srgbClr val="000000"/>
                   </a:solidFill>
@@ -16835,7 +16836,7 @@
             <p:nvPr>
               <p:extLst>
                 <p:ext uri="{386F3935-93C4-4BCD-93E2-E3B085C9AB24}">
-                  <p16:designElem xmlns:p16="http://schemas.microsoft.com/office/powerpoint/2015/main" xmlns="" val="1"/>
+                  <p16:designElem xmlns="" xmlns:p16="http://schemas.microsoft.com/office/powerpoint/2015/main" val="1"/>
                 </p:ext>
               </p:extLst>
             </p:nvPr>
@@ -16887,7 +16888,7 @@
             </a:ln>
             <a:extLst>
               <a:ext uri="{91240B29-F687-4f45-9708-019B960494DF}">
-                <a14:hiddenLine xmlns:a14="http://schemas.microsoft.com/office/drawing/2010/main" xmlns="" w="9525">
+                <a14:hiddenLine xmlns="" xmlns:a14="http://schemas.microsoft.com/office/drawing/2010/main" w="9525">
                   <a:solidFill>
                     <a:srgbClr val="000000"/>
                   </a:solidFill>
@@ -16908,7 +16909,7 @@
             <p:nvPr>
               <p:extLst>
                 <p:ext uri="{386F3935-93C4-4BCD-93E2-E3B085C9AB24}">
-                  <p16:designElem xmlns:p16="http://schemas.microsoft.com/office/powerpoint/2015/main" xmlns="" val="1"/>
+                  <p16:designElem xmlns="" xmlns:p16="http://schemas.microsoft.com/office/powerpoint/2015/main" val="1"/>
                 </p:ext>
               </p:extLst>
             </p:nvPr>
@@ -16983,7 +16984,7 @@
             </a:ln>
             <a:extLst>
               <a:ext uri="{91240B29-F687-4f45-9708-019B960494DF}">
-                <a14:hiddenLine xmlns:a14="http://schemas.microsoft.com/office/drawing/2010/main" xmlns="" w="9525">
+                <a14:hiddenLine xmlns="" xmlns:a14="http://schemas.microsoft.com/office/drawing/2010/main" w="9525">
                   <a:solidFill>
                     <a:srgbClr val="000000"/>
                   </a:solidFill>
@@ -17002,7 +17003,7 @@
             <p:nvPr>
               <p:extLst>
                 <p:ext uri="{386F3935-93C4-4BCD-93E2-E3B085C9AB24}">
-                  <p16:designElem xmlns:p16="http://schemas.microsoft.com/office/powerpoint/2015/main" xmlns="" val="1"/>
+                  <p16:designElem xmlns="" xmlns:p16="http://schemas.microsoft.com/office/powerpoint/2015/main" val="1"/>
                 </p:ext>
               </p:extLst>
             </p:nvPr>
@@ -17051,7 +17052,7 @@
             </a:ln>
             <a:extLst>
               <a:ext uri="{91240B29-F687-4f45-9708-019B960494DF}">
-                <a14:hiddenLine xmlns:a14="http://schemas.microsoft.com/office/drawing/2010/main" xmlns="" w="9525">
+                <a14:hiddenLine xmlns="" xmlns:a14="http://schemas.microsoft.com/office/drawing/2010/main" w="9525">
                   <a:solidFill>
                     <a:srgbClr val="000000"/>
                   </a:solidFill>
@@ -17072,7 +17073,7 @@
             <p:nvPr>
               <p:extLst>
                 <p:ext uri="{386F3935-93C4-4BCD-93E2-E3B085C9AB24}">
-                  <p16:designElem xmlns:p16="http://schemas.microsoft.com/office/powerpoint/2015/main" xmlns="" val="1"/>
+                  <p16:designElem xmlns="" xmlns:p16="http://schemas.microsoft.com/office/powerpoint/2015/main" val="1"/>
                 </p:ext>
               </p:extLst>
             </p:nvPr>
@@ -17147,7 +17148,7 @@
             </a:ln>
             <a:extLst>
               <a:ext uri="{91240B29-F687-4f45-9708-019B960494DF}">
-                <a14:hiddenLine xmlns:a14="http://schemas.microsoft.com/office/drawing/2010/main" xmlns="" w="9525">
+                <a14:hiddenLine xmlns="" xmlns:a14="http://schemas.microsoft.com/office/drawing/2010/main" w="9525">
                   <a:solidFill>
                     <a:srgbClr val="000000"/>
                   </a:solidFill>
@@ -17168,7 +17169,7 @@
             <p:nvPr>
               <p:extLst>
                 <p:ext uri="{386F3935-93C4-4BCD-93E2-E3B085C9AB24}">
-                  <p16:designElem xmlns:p16="http://schemas.microsoft.com/office/powerpoint/2015/main" xmlns="" val="1"/>
+                  <p16:designElem xmlns="" xmlns:p16="http://schemas.microsoft.com/office/powerpoint/2015/main" val="1"/>
                 </p:ext>
               </p:extLst>
             </p:nvPr>
@@ -17243,7 +17244,7 @@
             </a:ln>
             <a:extLst>
               <a:ext uri="{91240B29-F687-4f45-9708-019B960494DF}">
-                <a14:hiddenLine xmlns:a14="http://schemas.microsoft.com/office/drawing/2010/main" xmlns="" w="9525">
+                <a14:hiddenLine xmlns="" xmlns:a14="http://schemas.microsoft.com/office/drawing/2010/main" w="9525">
                   <a:solidFill>
                     <a:srgbClr val="000000"/>
                   </a:solidFill>
@@ -17262,7 +17263,7 @@
             <p:nvPr>
               <p:extLst>
                 <p:ext uri="{386F3935-93C4-4BCD-93E2-E3B085C9AB24}">
-                  <p16:designElem xmlns:p16="http://schemas.microsoft.com/office/powerpoint/2015/main" xmlns="" val="1"/>
+                  <p16:designElem xmlns="" xmlns:p16="http://schemas.microsoft.com/office/powerpoint/2015/main" val="1"/>
                 </p:ext>
               </p:extLst>
             </p:nvPr>
@@ -17314,7 +17315,7 @@
             </a:ln>
             <a:extLst>
               <a:ext uri="{91240B29-F687-4f45-9708-019B960494DF}">
-                <a14:hiddenLine xmlns:a14="http://schemas.microsoft.com/office/drawing/2010/main" xmlns="" w="9525">
+                <a14:hiddenLine xmlns="" xmlns:a14="http://schemas.microsoft.com/office/drawing/2010/main" w="9525">
                   <a:solidFill>
                     <a:srgbClr val="000000"/>
                   </a:solidFill>
@@ -17333,7 +17334,7 @@
             <p:nvPr>
               <p:extLst>
                 <p:ext uri="{386F3935-93C4-4BCD-93E2-E3B085C9AB24}">
-                  <p16:designElem xmlns:p16="http://schemas.microsoft.com/office/powerpoint/2015/main" xmlns="" val="1"/>
+                  <p16:designElem xmlns="" xmlns:p16="http://schemas.microsoft.com/office/powerpoint/2015/main" val="1"/>
                 </p:ext>
               </p:extLst>
             </p:nvPr>
@@ -17382,7 +17383,7 @@
             </a:ln>
             <a:extLst>
               <a:ext uri="{91240B29-F687-4f45-9708-019B960494DF}">
-                <a14:hiddenLine xmlns:a14="http://schemas.microsoft.com/office/drawing/2010/main" xmlns="" w="9525">
+                <a14:hiddenLine xmlns="" xmlns:a14="http://schemas.microsoft.com/office/drawing/2010/main" w="9525">
                   <a:solidFill>
                     <a:srgbClr val="000000"/>
                   </a:solidFill>
@@ -17403,7 +17404,7 @@
             <p:nvPr>
               <p:extLst>
                 <p:ext uri="{386F3935-93C4-4BCD-93E2-E3B085C9AB24}">
-                  <p16:designElem xmlns:p16="http://schemas.microsoft.com/office/powerpoint/2015/main" xmlns="" val="1"/>
+                  <p16:designElem xmlns="" xmlns:p16="http://schemas.microsoft.com/office/powerpoint/2015/main" val="1"/>
                 </p:ext>
               </p:extLst>
             </p:nvPr>
@@ -17478,7 +17479,7 @@
             </a:ln>
             <a:extLst>
               <a:ext uri="{91240B29-F687-4f45-9708-019B960494DF}">
-                <a14:hiddenLine xmlns:a14="http://schemas.microsoft.com/office/drawing/2010/main" xmlns="" w="9525">
+                <a14:hiddenLine xmlns="" xmlns:a14="http://schemas.microsoft.com/office/drawing/2010/main" w="9525">
                   <a:solidFill>
                     <a:srgbClr val="000000"/>
                   </a:solidFill>
@@ -17499,7 +17500,7 @@
             <p:nvPr>
               <p:extLst>
                 <p:ext uri="{386F3935-93C4-4BCD-93E2-E3B085C9AB24}">
-                  <p16:designElem xmlns:p16="http://schemas.microsoft.com/office/powerpoint/2015/main" xmlns="" val="1"/>
+                  <p16:designElem xmlns="" xmlns:p16="http://schemas.microsoft.com/office/powerpoint/2015/main" val="1"/>
                 </p:ext>
               </p:extLst>
             </p:nvPr>
@@ -17574,7 +17575,7 @@
             </a:ln>
             <a:extLst>
               <a:ext uri="{91240B29-F687-4f45-9708-019B960494DF}">
-                <a14:hiddenLine xmlns:a14="http://schemas.microsoft.com/office/drawing/2010/main" xmlns="" w="9525">
+                <a14:hiddenLine xmlns="" xmlns:a14="http://schemas.microsoft.com/office/drawing/2010/main" w="9525">
                   <a:solidFill>
                     <a:srgbClr val="000000"/>
                   </a:solidFill>
@@ -17593,7 +17594,7 @@
             <p:nvPr>
               <p:extLst>
                 <p:ext uri="{386F3935-93C4-4BCD-93E2-E3B085C9AB24}">
-                  <p16:designElem xmlns:p16="http://schemas.microsoft.com/office/powerpoint/2015/main" xmlns="" val="1"/>
+                  <p16:designElem xmlns="" xmlns:p16="http://schemas.microsoft.com/office/powerpoint/2015/main" val="1"/>
                 </p:ext>
               </p:extLst>
             </p:nvPr>
@@ -17642,7 +17643,7 @@
             </a:ln>
             <a:extLst>
               <a:ext uri="{91240B29-F687-4f45-9708-019B960494DF}">
-                <a14:hiddenLine xmlns:a14="http://schemas.microsoft.com/office/drawing/2010/main" xmlns="" w="9525">
+                <a14:hiddenLine xmlns="" xmlns:a14="http://schemas.microsoft.com/office/drawing/2010/main" w="9525">
                   <a:solidFill>
                     <a:srgbClr val="000000"/>
                   </a:solidFill>
@@ -17663,7 +17664,7 @@
             <p:nvPr>
               <p:extLst>
                 <p:ext uri="{386F3935-93C4-4BCD-93E2-E3B085C9AB24}">
-                  <p16:designElem xmlns:p16="http://schemas.microsoft.com/office/powerpoint/2015/main" xmlns="" val="1"/>
+                  <p16:designElem xmlns="" xmlns:p16="http://schemas.microsoft.com/office/powerpoint/2015/main" val="1"/>
                 </p:ext>
               </p:extLst>
             </p:nvPr>
@@ -17768,7 +17769,7 @@
             </a:ln>
             <a:extLst>
               <a:ext uri="{91240B29-F687-4f45-9708-019B960494DF}">
-                <a14:hiddenLine xmlns:a14="http://schemas.microsoft.com/office/drawing/2010/main" xmlns="" w="9525">
+                <a14:hiddenLine xmlns="" xmlns:a14="http://schemas.microsoft.com/office/drawing/2010/main" w="9525">
                   <a:solidFill>
                     <a:srgbClr val="000000"/>
                   </a:solidFill>
@@ -17787,7 +17788,7 @@
             <p:nvPr>
               <p:extLst>
                 <p:ext uri="{386F3935-93C4-4BCD-93E2-E3B085C9AB24}">
-                  <p16:designElem xmlns:p16="http://schemas.microsoft.com/office/powerpoint/2015/main" xmlns="" val="1"/>
+                  <p16:designElem xmlns="" xmlns:p16="http://schemas.microsoft.com/office/powerpoint/2015/main" val="1"/>
                 </p:ext>
               </p:extLst>
             </p:nvPr>
@@ -17842,7 +17843,7 @@
             </a:ln>
             <a:extLst>
               <a:ext uri="{91240B29-F687-4f45-9708-019B960494DF}">
-                <a14:hiddenLine xmlns:a14="http://schemas.microsoft.com/office/drawing/2010/main" xmlns="" w="9525">
+                <a14:hiddenLine xmlns="" xmlns:a14="http://schemas.microsoft.com/office/drawing/2010/main" w="9525">
                   <a:solidFill>
                     <a:srgbClr val="000000"/>
                   </a:solidFill>
@@ -17863,7 +17864,7 @@
             <p:nvPr>
               <p:extLst>
                 <p:ext uri="{386F3935-93C4-4BCD-93E2-E3B085C9AB24}">
-                  <p16:designElem xmlns:p16="http://schemas.microsoft.com/office/powerpoint/2015/main" xmlns="" val="1"/>
+                  <p16:designElem xmlns="" xmlns:p16="http://schemas.microsoft.com/office/powerpoint/2015/main" val="1"/>
                 </p:ext>
               </p:extLst>
             </p:nvPr>
@@ -17938,7 +17939,7 @@
             </a:ln>
             <a:extLst>
               <a:ext uri="{91240B29-F687-4f45-9708-019B960494DF}">
-                <a14:hiddenLine xmlns:a14="http://schemas.microsoft.com/office/drawing/2010/main" xmlns="" w="9525">
+                <a14:hiddenLine xmlns="" xmlns:a14="http://schemas.microsoft.com/office/drawing/2010/main" w="9525">
                   <a:solidFill>
                     <a:srgbClr val="000000"/>
                   </a:solidFill>
@@ -18018,7 +18019,7 @@
     </p:spTree>
     <p:extLst>
       <p:ext uri="{BB962C8B-B14F-4D97-AF65-F5344CB8AC3E}">
-        <p14:creationId xmlns:p14="http://schemas.microsoft.com/office/powerpoint/2010/main" xmlns="" val="2710052690"/>
+        <p14:creationId xmlns="" xmlns:p14="http://schemas.microsoft.com/office/powerpoint/2010/main" val="2710052690"/>
       </p:ext>
     </p:extLst>
   </p:cSld>
@@ -18029,6 +18030,207 @@
 </file>
 
 <file path=ppt/slides/slide10.xml><?xml version="1.0" encoding="utf-8"?>
+<p:sld xmlns:a="http://schemas.openxmlformats.org/drawingml/2006/main" xmlns:r="http://schemas.openxmlformats.org/officeDocument/2006/relationships" xmlns:p="http://schemas.openxmlformats.org/presentationml/2006/main">
+  <p:cSld>
+    <p:spTree>
+      <p:nvGrpSpPr>
+        <p:cNvPr id="1" name=""/>
+        <p:cNvGrpSpPr/>
+        <p:nvPr/>
+      </p:nvGrpSpPr>
+      <p:grpSpPr>
+        <a:xfrm>
+          <a:off x="0" y="0"/>
+          <a:ext cx="0" cy="0"/>
+          <a:chOff x="0" y="0"/>
+          <a:chExt cx="0" cy="0"/>
+        </a:xfrm>
+      </p:grpSpPr>
+      <p:sp>
+        <p:nvSpPr>
+          <p:cNvPr id="2" name="Title 1"/>
+          <p:cNvSpPr>
+            <a:spLocks noGrp="1"/>
+          </p:cNvSpPr>
+          <p:nvPr>
+            <p:ph type="title"/>
+          </p:nvPr>
+        </p:nvSpPr>
+        <p:spPr/>
+        <p:txBody>
+          <a:bodyPr/>
+          <a:lstStyle/>
+          <a:p>
+            <a:r>
+              <a:rPr lang="en-US" dirty="0"/>
+              <a:t>Engineered </a:t>
+            </a:r>
+            <a:r>
+              <a:rPr lang="en-US" i="1" dirty="0"/>
+              <a:t>E. Coli </a:t>
+            </a:r>
+            <a:r>
+              <a:rPr lang="en-US" dirty="0" err="1"/>
+              <a:t>Hydracodone</a:t>
+            </a:r>
+            <a:r>
+              <a:rPr lang="en-US" dirty="0"/>
+              <a:t> production pathway:</a:t>
+            </a:r>
+          </a:p>
+        </p:txBody>
+      </p:sp>
+      <p:sp>
+        <p:nvSpPr>
+          <p:cNvPr id="3" name="Content Placeholder 2"/>
+          <p:cNvSpPr>
+            <a:spLocks noGrp="1"/>
+          </p:cNvSpPr>
+          <p:nvPr>
+            <p:ph idx="1"/>
+          </p:nvPr>
+        </p:nvSpPr>
+        <p:spPr>
+          <a:xfrm>
+            <a:off x="1042882" y="1899309"/>
+            <a:ext cx="9905999" cy="3541714"/>
+          </a:xfrm>
+        </p:spPr>
+        <p:txBody>
+          <a:bodyPr>
+            <a:normAutofit/>
+          </a:bodyPr>
+          <a:lstStyle/>
+          <a:p>
+            <a:r>
+              <a:rPr lang="en-US" dirty="0"/>
+              <a:t>Nodes:  14 Intermediates present in the pathway</a:t>
+            </a:r>
+          </a:p>
+          <a:p>
+            <a:r>
+              <a:rPr lang="en-US" dirty="0"/>
+              <a:t>Edges:  + edges only, as it is assumed that the intermediates will all proceed down the pathway.  Edges connect one node to the next in the reaction pathway.</a:t>
+            </a:r>
+          </a:p>
+          <a:p>
+            <a:endParaRPr lang="en-US" dirty="0"/>
+          </a:p>
+          <a:p>
+            <a:pPr marL="0" indent="0">
+              <a:buNone/>
+            </a:pPr>
+            <a:r>
+              <a:rPr lang="en-US" dirty="0"/>
+              <a:t> </a:t>
+            </a:r>
+          </a:p>
+        </p:txBody>
+      </p:sp>
+      <p:sp>
+        <p:nvSpPr>
+          <p:cNvPr id="5" name="TextBox 4"/>
+          <p:cNvSpPr txBox="1"/>
+          <p:nvPr/>
+        </p:nvSpPr>
+        <p:spPr>
+          <a:xfrm>
+            <a:off x="944352" y="3168891"/>
+            <a:ext cx="9708940" cy="1200329"/>
+          </a:xfrm>
+          <a:prstGeom prst="rect">
+            <a:avLst/>
+          </a:prstGeom>
+          <a:noFill/>
+        </p:spPr>
+        <p:txBody>
+          <a:bodyPr wrap="square" rtlCol="0">
+            <a:spAutoFit/>
+          </a:bodyPr>
+          <a:lstStyle/>
+          <a:p>
+            <a:endParaRPr lang="en-US" sz="2400" dirty="0"/>
+          </a:p>
+          <a:p>
+            <a:endParaRPr lang="en-US" sz="2400" dirty="0"/>
+          </a:p>
+          <a:p>
+            <a:r>
+              <a:rPr lang="en-US" sz="2400" dirty="0"/>
+              <a:t>           L-tyrosine ----------------------------------</a:t>
+            </a:r>
+            <a:r>
+              <a:rPr lang="en-US" sz="2400" dirty="0">
+                <a:sym typeface="Wingdings" panose="05000000000000000000" pitchFamily="2" charset="2"/>
+              </a:rPr>
+              <a:t> 4-hydroxyphenyl-pyuruvate  </a:t>
+            </a:r>
+            <a:endParaRPr lang="en-US" sz="2400" dirty="0"/>
+          </a:p>
+        </p:txBody>
+      </p:sp>
+      <p:pic>
+        <p:nvPicPr>
+          <p:cNvPr id="6" name="Picture 5"/>
+          <p:cNvPicPr>
+            <a:picLocks noChangeAspect="1"/>
+          </p:cNvPicPr>
+          <p:nvPr/>
+        </p:nvPicPr>
+        <p:blipFill>
+          <a:blip r:embed="rId2" cstate="print"/>
+          <a:stretch>
+            <a:fillRect/>
+          </a:stretch>
+        </p:blipFill>
+        <p:spPr>
+          <a:xfrm>
+            <a:off x="1419709" y="4619537"/>
+            <a:ext cx="3311317" cy="1686703"/>
+          </a:xfrm>
+          <a:prstGeom prst="rect">
+            <a:avLst/>
+          </a:prstGeom>
+        </p:spPr>
+      </p:pic>
+      <p:pic>
+        <p:nvPicPr>
+          <p:cNvPr id="7" name="Picture 6"/>
+          <p:cNvPicPr>
+            <a:picLocks noChangeAspect="1"/>
+          </p:cNvPicPr>
+          <p:nvPr/>
+        </p:nvPicPr>
+        <p:blipFill>
+          <a:blip r:embed="rId3" cstate="print"/>
+          <a:stretch>
+            <a:fillRect/>
+          </a:stretch>
+        </p:blipFill>
+        <p:spPr>
+          <a:xfrm>
+            <a:off x="7487478" y="4378424"/>
+            <a:ext cx="2221547" cy="2221547"/>
+          </a:xfrm>
+          <a:prstGeom prst="rect">
+            <a:avLst/>
+          </a:prstGeom>
+        </p:spPr>
+      </p:pic>
+    </p:spTree>
+    <p:extLst>
+      <p:ext uri="{BB962C8B-B14F-4D97-AF65-F5344CB8AC3E}">
+        <p14:creationId xmlns="" xmlns:p14="http://schemas.microsoft.com/office/powerpoint/2010/main" val="3295495922"/>
+      </p:ext>
+    </p:extLst>
+  </p:cSld>
+  <p:clrMapOvr>
+    <a:masterClrMapping/>
+  </p:clrMapOvr>
+</p:sld>
+</file>
+
+<file path=ppt/slides/slide11.xml><?xml version="1.0" encoding="utf-8"?>
 <p:sld xmlns:a="http://schemas.openxmlformats.org/drawingml/2006/main" xmlns:r="http://schemas.openxmlformats.org/officeDocument/2006/relationships" xmlns:p="http://schemas.openxmlformats.org/presentationml/2006/main">
   <p:cSld>
     <p:spTree>
@@ -18120,7 +18322,7 @@
     </p:spTree>
     <p:extLst>
       <p:ext uri="{BB962C8B-B14F-4D97-AF65-F5344CB8AC3E}">
-        <p14:creationId xmlns:p14="http://schemas.microsoft.com/office/powerpoint/2010/main" xmlns="" val="3502279941"/>
+        <p14:creationId xmlns="" xmlns:p14="http://schemas.microsoft.com/office/powerpoint/2010/main" val="3502279941"/>
       </p:ext>
     </p:extLst>
   </p:cSld>
@@ -18130,7 +18332,7 @@
 </p:sld>
 </file>
 
-<file path=ppt/slides/slide11.xml><?xml version="1.0" encoding="utf-8"?>
+<file path=ppt/slides/slide12.xml><?xml version="1.0" encoding="utf-8"?>
 <p:sld xmlns:a="http://schemas.openxmlformats.org/drawingml/2006/main" xmlns:r="http://schemas.openxmlformats.org/officeDocument/2006/relationships" xmlns:p="http://schemas.openxmlformats.org/presentationml/2006/main">
   <p:cSld>
     <p:spTree>
@@ -18279,7 +18481,7 @@
 </p:sld>
 </file>
 
-<file path=ppt/slides/slide12.xml><?xml version="1.0" encoding="utf-8"?>
+<file path=ppt/slides/slide13.xml><?xml version="1.0" encoding="utf-8"?>
 <p:sld xmlns:a="http://schemas.openxmlformats.org/drawingml/2006/main" xmlns:r="http://schemas.openxmlformats.org/officeDocument/2006/relationships" xmlns:p="http://schemas.openxmlformats.org/presentationml/2006/main">
   <p:cSld>
     <p:spTree>
@@ -18305,7 +18507,7 @@
           <p:nvPr>
             <p:extLst>
               <p:ext uri="{386F3935-93C4-4BCD-93E2-E3B085C9AB24}">
-                <p16:designElem xmlns:p16="http://schemas.microsoft.com/office/powerpoint/2015/main" xmlns="" val="1"/>
+                <p16:designElem xmlns="" xmlns:p16="http://schemas.microsoft.com/office/powerpoint/2015/main" val="1"/>
               </p:ext>
             </p:extLst>
           </p:nvPr>
@@ -18352,7 +18554,7 @@
           <p:nvPr>
             <p:extLst>
               <p:ext uri="{386F3935-93C4-4BCD-93E2-E3B085C9AB24}">
-                <p16:designElem xmlns:p16="http://schemas.microsoft.com/office/powerpoint/2015/main" xmlns="" val="1"/>
+                <p16:designElem xmlns="" xmlns:p16="http://schemas.microsoft.com/office/powerpoint/2015/main" val="1"/>
               </p:ext>
             </p:extLst>
           </p:nvPr>
@@ -18362,7 +18564,7 @@
             <a:alphaModFix amt="30000"/>
             <a:extLst>
               <a:ext uri="{28A0092B-C50C-407E-A947-70E740481C1C}">
-                <a14:useLocalDpi xmlns:a14="http://schemas.microsoft.com/office/drawing/2010/main" xmlns="" val="0"/>
+                <a14:useLocalDpi xmlns="" xmlns:a14="http://schemas.microsoft.com/office/drawing/2010/main" val="0"/>
               </a:ext>
             </a:extLst>
           </a:blip>
@@ -18382,7 +18584,7 @@
           <a:noFill/>
           <a:extLst>
             <a:ext uri="{909E8E84-426E-40dd-AFC4-6F175D3DCCD1}">
-              <a14:hiddenFill xmlns:a14="http://schemas.microsoft.com/office/drawing/2010/main" xmlns="">
+              <a14:hiddenFill xmlns="" xmlns:a14="http://schemas.microsoft.com/office/drawing/2010/main">
                 <a:solidFill>
                   <a:srgbClr val="FFFFFF"/>
                 </a:solidFill>
@@ -18400,7 +18602,7 @@
           <p:nvPr>
             <p:extLst>
               <p:ext uri="{386F3935-93C4-4BCD-93E2-E3B085C9AB24}">
-                <p16:designElem xmlns:p16="http://schemas.microsoft.com/office/powerpoint/2015/main" xmlns="" val="1"/>
+                <p16:designElem xmlns="" xmlns:p16="http://schemas.microsoft.com/office/powerpoint/2015/main" val="1"/>
               </p:ext>
             </p:extLst>
           </p:nvPr>
@@ -18437,7 +18639,7 @@
             <p:nvPr>
               <p:extLst>
                 <p:ext uri="{386F3935-93C4-4BCD-93E2-E3B085C9AB24}">
-                  <p16:designElem xmlns:p16="http://schemas.microsoft.com/office/powerpoint/2015/main" xmlns="" val="1"/>
+                  <p16:designElem xmlns="" xmlns:p16="http://schemas.microsoft.com/office/powerpoint/2015/main" val="1"/>
                 </p:ext>
               </p:extLst>
             </p:nvPr>
@@ -18456,7 +18658,7 @@
             </a:ln>
             <a:extLst>
               <a:ext uri="{91240B29-F687-4f45-9708-019B960494DF}">
-                <a14:hiddenLine xmlns:a14="http://schemas.microsoft.com/office/drawing/2010/main" xmlns="" w="9525">
+                <a14:hiddenLine xmlns="" xmlns:a14="http://schemas.microsoft.com/office/drawing/2010/main" w="9525">
                   <a:solidFill>
                     <a:srgbClr val="000000"/>
                   </a:solidFill>
@@ -18477,7 +18679,7 @@
             <p:nvPr>
               <p:extLst>
                 <p:ext uri="{386F3935-93C4-4BCD-93E2-E3B085C9AB24}">
-                  <p16:designElem xmlns:p16="http://schemas.microsoft.com/office/powerpoint/2015/main" xmlns="" val="1"/>
+                  <p16:designElem xmlns="" xmlns:p16="http://schemas.microsoft.com/office/powerpoint/2015/main" val="1"/>
                 </p:ext>
               </p:extLst>
             </p:nvPr>
@@ -18552,7 +18754,7 @@
             </a:ln>
             <a:extLst>
               <a:ext uri="{91240B29-F687-4f45-9708-019B960494DF}">
-                <a14:hiddenLine xmlns:a14="http://schemas.microsoft.com/office/drawing/2010/main" xmlns="" w="9525">
+                <a14:hiddenLine xmlns="" xmlns:a14="http://schemas.microsoft.com/office/drawing/2010/main" w="9525">
                   <a:solidFill>
                     <a:srgbClr val="000000"/>
                   </a:solidFill>
@@ -18573,7 +18775,7 @@
             <p:nvPr>
               <p:extLst>
                 <p:ext uri="{386F3935-93C4-4BCD-93E2-E3B085C9AB24}">
-                  <p16:designElem xmlns:p16="http://schemas.microsoft.com/office/powerpoint/2015/main" xmlns="" val="1"/>
+                  <p16:designElem xmlns="" xmlns:p16="http://schemas.microsoft.com/office/powerpoint/2015/main" val="1"/>
                 </p:ext>
               </p:extLst>
             </p:nvPr>
@@ -18648,7 +18850,7 @@
             </a:ln>
             <a:extLst>
               <a:ext uri="{91240B29-F687-4f45-9708-019B960494DF}">
-                <a14:hiddenLine xmlns:a14="http://schemas.microsoft.com/office/drawing/2010/main" xmlns="" w="9525">
+                <a14:hiddenLine xmlns="" xmlns:a14="http://schemas.microsoft.com/office/drawing/2010/main" w="9525">
                   <a:solidFill>
                     <a:srgbClr val="000000"/>
                   </a:solidFill>
@@ -18669,7 +18871,7 @@
             <p:nvPr>
               <p:extLst>
                 <p:ext uri="{386F3935-93C4-4BCD-93E2-E3B085C9AB24}">
-                  <p16:designElem xmlns:p16="http://schemas.microsoft.com/office/powerpoint/2015/main" xmlns="" val="1"/>
+                  <p16:designElem xmlns="" xmlns:p16="http://schemas.microsoft.com/office/powerpoint/2015/main" val="1"/>
                 </p:ext>
               </p:extLst>
             </p:nvPr>
@@ -18688,7 +18890,7 @@
             </a:ln>
             <a:extLst>
               <a:ext uri="{91240B29-F687-4f45-9708-019B960494DF}">
-                <a14:hiddenLine xmlns:a14="http://schemas.microsoft.com/office/drawing/2010/main" xmlns="" w="9525">
+                <a14:hiddenLine xmlns="" xmlns:a14="http://schemas.microsoft.com/office/drawing/2010/main" w="9525">
                   <a:solidFill>
                     <a:srgbClr val="000000"/>
                   </a:solidFill>
@@ -18709,7 +18911,7 @@
             <p:nvPr>
               <p:extLst>
                 <p:ext uri="{386F3935-93C4-4BCD-93E2-E3B085C9AB24}">
-                  <p16:designElem xmlns:p16="http://schemas.microsoft.com/office/powerpoint/2015/main" xmlns="" val="1"/>
+                  <p16:designElem xmlns="" xmlns:p16="http://schemas.microsoft.com/office/powerpoint/2015/main" val="1"/>
                 </p:ext>
               </p:extLst>
             </p:nvPr>
@@ -18784,7 +18986,7 @@
             </a:ln>
             <a:extLst>
               <a:ext uri="{91240B29-F687-4f45-9708-019B960494DF}">
-                <a14:hiddenLine xmlns:a14="http://schemas.microsoft.com/office/drawing/2010/main" xmlns="" w="9525">
+                <a14:hiddenLine xmlns="" xmlns:a14="http://schemas.microsoft.com/office/drawing/2010/main" w="9525">
                   <a:solidFill>
                     <a:srgbClr val="000000"/>
                   </a:solidFill>
@@ -18803,7 +19005,7 @@
             <p:nvPr>
               <p:extLst>
                 <p:ext uri="{386F3935-93C4-4BCD-93E2-E3B085C9AB24}">
-                  <p16:designElem xmlns:p16="http://schemas.microsoft.com/office/powerpoint/2015/main" xmlns="" val="1"/>
+                  <p16:designElem xmlns="" xmlns:p16="http://schemas.microsoft.com/office/powerpoint/2015/main" val="1"/>
                 </p:ext>
               </p:extLst>
             </p:nvPr>
@@ -18852,7 +19054,7 @@
             </a:ln>
             <a:extLst>
               <a:ext uri="{91240B29-F687-4f45-9708-019B960494DF}">
-                <a14:hiddenLine xmlns:a14="http://schemas.microsoft.com/office/drawing/2010/main" xmlns="" w="9525">
+                <a14:hiddenLine xmlns="" xmlns:a14="http://schemas.microsoft.com/office/drawing/2010/main" w="9525">
                   <a:solidFill>
                     <a:srgbClr val="000000"/>
                   </a:solidFill>
@@ -18871,7 +19073,7 @@
             <p:nvPr>
               <p:extLst>
                 <p:ext uri="{386F3935-93C4-4BCD-93E2-E3B085C9AB24}">
-                  <p16:designElem xmlns:p16="http://schemas.microsoft.com/office/powerpoint/2015/main" xmlns="" val="1"/>
+                  <p16:designElem xmlns="" xmlns:p16="http://schemas.microsoft.com/office/powerpoint/2015/main" val="1"/>
                 </p:ext>
               </p:extLst>
             </p:nvPr>
@@ -18920,7 +19122,7 @@
             </a:ln>
             <a:extLst>
               <a:ext uri="{91240B29-F687-4f45-9708-019B960494DF}">
-                <a14:hiddenLine xmlns:a14="http://schemas.microsoft.com/office/drawing/2010/main" xmlns="" w="9525">
+                <a14:hiddenLine xmlns="" xmlns:a14="http://schemas.microsoft.com/office/drawing/2010/main" w="9525">
                   <a:solidFill>
                     <a:srgbClr val="000000"/>
                   </a:solidFill>
@@ -18941,7 +19143,7 @@
             <p:nvPr>
               <p:extLst>
                 <p:ext uri="{386F3935-93C4-4BCD-93E2-E3B085C9AB24}">
-                  <p16:designElem xmlns:p16="http://schemas.microsoft.com/office/powerpoint/2015/main" xmlns="" val="1"/>
+                  <p16:designElem xmlns="" xmlns:p16="http://schemas.microsoft.com/office/powerpoint/2015/main" val="1"/>
                 </p:ext>
               </p:extLst>
             </p:nvPr>
@@ -19016,7 +19218,7 @@
             </a:ln>
             <a:extLst>
               <a:ext uri="{91240B29-F687-4f45-9708-019B960494DF}">
-                <a14:hiddenLine xmlns:a14="http://schemas.microsoft.com/office/drawing/2010/main" xmlns="" w="9525">
+                <a14:hiddenLine xmlns="" xmlns:a14="http://schemas.microsoft.com/office/drawing/2010/main" w="9525">
                   <a:solidFill>
                     <a:srgbClr val="000000"/>
                   </a:solidFill>
@@ -19035,7 +19237,7 @@
             <p:nvPr>
               <p:extLst>
                 <p:ext uri="{386F3935-93C4-4BCD-93E2-E3B085C9AB24}">
-                  <p16:designElem xmlns:p16="http://schemas.microsoft.com/office/powerpoint/2015/main" xmlns="" val="1"/>
+                  <p16:designElem xmlns="" xmlns:p16="http://schemas.microsoft.com/office/powerpoint/2015/main" val="1"/>
                 </p:ext>
               </p:extLst>
             </p:nvPr>
@@ -19084,7 +19286,7 @@
             </a:ln>
             <a:extLst>
               <a:ext uri="{91240B29-F687-4f45-9708-019B960494DF}">
-                <a14:hiddenLine xmlns:a14="http://schemas.microsoft.com/office/drawing/2010/main" xmlns="" w="9525">
+                <a14:hiddenLine xmlns="" xmlns:a14="http://schemas.microsoft.com/office/drawing/2010/main" w="9525">
                   <a:solidFill>
                     <a:srgbClr val="000000"/>
                   </a:solidFill>
@@ -19103,7 +19305,7 @@
             <p:nvPr>
               <p:extLst>
                 <p:ext uri="{386F3935-93C4-4BCD-93E2-E3B085C9AB24}">
-                  <p16:designElem xmlns:p16="http://schemas.microsoft.com/office/powerpoint/2015/main" xmlns="" val="1"/>
+                  <p16:designElem xmlns="" xmlns:p16="http://schemas.microsoft.com/office/powerpoint/2015/main" val="1"/>
                 </p:ext>
               </p:extLst>
             </p:nvPr>
@@ -19152,7 +19354,7 @@
             </a:ln>
             <a:extLst>
               <a:ext uri="{91240B29-F687-4f45-9708-019B960494DF}">
-                <a14:hiddenLine xmlns:a14="http://schemas.microsoft.com/office/drawing/2010/main" xmlns="" w="9525">
+                <a14:hiddenLine xmlns="" xmlns:a14="http://schemas.microsoft.com/office/drawing/2010/main" w="9525">
                   <a:solidFill>
                     <a:srgbClr val="000000"/>
                   </a:solidFill>
@@ -19173,7 +19375,7 @@
             <p:nvPr>
               <p:extLst>
                 <p:ext uri="{386F3935-93C4-4BCD-93E2-E3B085C9AB24}">
-                  <p16:designElem xmlns:p16="http://schemas.microsoft.com/office/powerpoint/2015/main" xmlns="" val="1"/>
+                  <p16:designElem xmlns="" xmlns:p16="http://schemas.microsoft.com/office/powerpoint/2015/main" val="1"/>
                 </p:ext>
               </p:extLst>
             </p:nvPr>
@@ -19248,7 +19450,7 @@
             </a:ln>
             <a:extLst>
               <a:ext uri="{91240B29-F687-4f45-9708-019B960494DF}">
-                <a14:hiddenLine xmlns:a14="http://schemas.microsoft.com/office/drawing/2010/main" xmlns="" w="9525">
+                <a14:hiddenLine xmlns="" xmlns:a14="http://schemas.microsoft.com/office/drawing/2010/main" w="9525">
                   <a:solidFill>
                     <a:srgbClr val="000000"/>
                   </a:solidFill>
@@ -19269,7 +19471,7 @@
             <p:nvPr>
               <p:extLst>
                 <p:ext uri="{386F3935-93C4-4BCD-93E2-E3B085C9AB24}">
-                  <p16:designElem xmlns:p16="http://schemas.microsoft.com/office/powerpoint/2015/main" xmlns="" val="1"/>
+                  <p16:designElem xmlns="" xmlns:p16="http://schemas.microsoft.com/office/powerpoint/2015/main" val="1"/>
                 </p:ext>
               </p:extLst>
             </p:nvPr>
@@ -19344,7 +19546,7 @@
             </a:ln>
             <a:extLst>
               <a:ext uri="{91240B29-F687-4f45-9708-019B960494DF}">
-                <a14:hiddenLine xmlns:a14="http://schemas.microsoft.com/office/drawing/2010/main" xmlns="" w="9525">
+                <a14:hiddenLine xmlns="" xmlns:a14="http://schemas.microsoft.com/office/drawing/2010/main" w="9525">
                   <a:solidFill>
                     <a:srgbClr val="000000"/>
                   </a:solidFill>
@@ -19363,7 +19565,7 @@
             <p:nvPr>
               <p:extLst>
                 <p:ext uri="{386F3935-93C4-4BCD-93E2-E3B085C9AB24}">
-                  <p16:designElem xmlns:p16="http://schemas.microsoft.com/office/powerpoint/2015/main" xmlns="" val="1"/>
+                  <p16:designElem xmlns="" xmlns:p16="http://schemas.microsoft.com/office/powerpoint/2015/main" val="1"/>
                 </p:ext>
               </p:extLst>
             </p:nvPr>
@@ -19412,7 +19614,7 @@
             </a:ln>
             <a:extLst>
               <a:ext uri="{91240B29-F687-4f45-9708-019B960494DF}">
-                <a14:hiddenLine xmlns:a14="http://schemas.microsoft.com/office/drawing/2010/main" xmlns="" w="9525">
+                <a14:hiddenLine xmlns="" xmlns:a14="http://schemas.microsoft.com/office/drawing/2010/main" w="9525">
                   <a:solidFill>
                     <a:srgbClr val="000000"/>
                   </a:solidFill>
@@ -19433,7 +19635,7 @@
             <p:nvPr>
               <p:extLst>
                 <p:ext uri="{386F3935-93C4-4BCD-93E2-E3B085C9AB24}">
-                  <p16:designElem xmlns:p16="http://schemas.microsoft.com/office/powerpoint/2015/main" xmlns="" val="1"/>
+                  <p16:designElem xmlns="" xmlns:p16="http://schemas.microsoft.com/office/powerpoint/2015/main" val="1"/>
                 </p:ext>
               </p:extLst>
             </p:nvPr>
@@ -19528,7 +19730,7 @@
             </a:ln>
             <a:extLst>
               <a:ext uri="{91240B29-F687-4f45-9708-019B960494DF}">
-                <a14:hiddenLine xmlns:a14="http://schemas.microsoft.com/office/drawing/2010/main" xmlns="" w="9525">
+                <a14:hiddenLine xmlns="" xmlns:a14="http://schemas.microsoft.com/office/drawing/2010/main" w="9525">
                   <a:solidFill>
                     <a:srgbClr val="000000"/>
                   </a:solidFill>
@@ -19547,7 +19749,7 @@
             <p:nvPr>
               <p:extLst>
                 <p:ext uri="{386F3935-93C4-4BCD-93E2-E3B085C9AB24}">
-                  <p16:designElem xmlns:p16="http://schemas.microsoft.com/office/powerpoint/2015/main" xmlns="" val="1"/>
+                  <p16:designElem xmlns="" xmlns:p16="http://schemas.microsoft.com/office/powerpoint/2015/main" val="1"/>
                 </p:ext>
               </p:extLst>
             </p:nvPr>
@@ -19596,7 +19798,7 @@
             </a:ln>
             <a:extLst>
               <a:ext uri="{91240B29-F687-4f45-9708-019B960494DF}">
-                <a14:hiddenLine xmlns:a14="http://schemas.microsoft.com/office/drawing/2010/main" xmlns="" w="9525">
+                <a14:hiddenLine xmlns="" xmlns:a14="http://schemas.microsoft.com/office/drawing/2010/main" w="9525">
                   <a:solidFill>
                     <a:srgbClr val="000000"/>
                   </a:solidFill>
@@ -19617,7 +19819,7 @@
             <p:nvPr>
               <p:extLst>
                 <p:ext uri="{386F3935-93C4-4BCD-93E2-E3B085C9AB24}">
-                  <p16:designElem xmlns:p16="http://schemas.microsoft.com/office/powerpoint/2015/main" xmlns="" val="1"/>
+                  <p16:designElem xmlns="" xmlns:p16="http://schemas.microsoft.com/office/powerpoint/2015/main" val="1"/>
                 </p:ext>
               </p:extLst>
             </p:nvPr>
@@ -19692,7 +19894,7 @@
             </a:ln>
             <a:extLst>
               <a:ext uri="{91240B29-F687-4f45-9708-019B960494DF}">
-                <a14:hiddenLine xmlns:a14="http://schemas.microsoft.com/office/drawing/2010/main" xmlns="" w="9525">
+                <a14:hiddenLine xmlns="" xmlns:a14="http://schemas.microsoft.com/office/drawing/2010/main" w="9525">
                   <a:solidFill>
                     <a:srgbClr val="000000"/>
                   </a:solidFill>
@@ -19713,7 +19915,7 @@
             <p:nvPr>
               <p:extLst>
                 <p:ext uri="{386F3935-93C4-4BCD-93E2-E3B085C9AB24}">
-                  <p16:designElem xmlns:p16="http://schemas.microsoft.com/office/powerpoint/2015/main" xmlns="" val="1"/>
+                  <p16:designElem xmlns="" xmlns:p16="http://schemas.microsoft.com/office/powerpoint/2015/main" val="1"/>
                 </p:ext>
               </p:extLst>
             </p:nvPr>
@@ -19788,7 +19990,7 @@
             </a:ln>
             <a:extLst>
               <a:ext uri="{91240B29-F687-4f45-9708-019B960494DF}">
-                <a14:hiddenLine xmlns:a14="http://schemas.microsoft.com/office/drawing/2010/main" xmlns="" w="9525">
+                <a14:hiddenLine xmlns="" xmlns:a14="http://schemas.microsoft.com/office/drawing/2010/main" w="9525">
                   <a:solidFill>
                     <a:srgbClr val="000000"/>
                   </a:solidFill>
@@ -19807,7 +20009,7 @@
             <p:nvPr>
               <p:extLst>
                 <p:ext uri="{386F3935-93C4-4BCD-93E2-E3B085C9AB24}">
-                  <p16:designElem xmlns:p16="http://schemas.microsoft.com/office/powerpoint/2015/main" xmlns="" val="1"/>
+                  <p16:designElem xmlns="" xmlns:p16="http://schemas.microsoft.com/office/powerpoint/2015/main" val="1"/>
                 </p:ext>
               </p:extLst>
             </p:nvPr>
@@ -19856,7 +20058,7 @@
             </a:ln>
             <a:extLst>
               <a:ext uri="{91240B29-F687-4f45-9708-019B960494DF}">
-                <a14:hiddenLine xmlns:a14="http://schemas.microsoft.com/office/drawing/2010/main" xmlns="" w="9525">
+                <a14:hiddenLine xmlns="" xmlns:a14="http://schemas.microsoft.com/office/drawing/2010/main" w="9525">
                   <a:solidFill>
                     <a:srgbClr val="000000"/>
                   </a:solidFill>
@@ -19877,7 +20079,7 @@
             <p:nvPr>
               <p:extLst>
                 <p:ext uri="{386F3935-93C4-4BCD-93E2-E3B085C9AB24}">
-                  <p16:designElem xmlns:p16="http://schemas.microsoft.com/office/powerpoint/2015/main" xmlns="" val="1"/>
+                  <p16:designElem xmlns="" xmlns:p16="http://schemas.microsoft.com/office/powerpoint/2015/main" val="1"/>
                 </p:ext>
               </p:extLst>
             </p:nvPr>
@@ -19952,7 +20154,7 @@
             </a:ln>
             <a:extLst>
               <a:ext uri="{91240B29-F687-4f45-9708-019B960494DF}">
-                <a14:hiddenLine xmlns:a14="http://schemas.microsoft.com/office/drawing/2010/main" xmlns="" w="9525">
+                <a14:hiddenLine xmlns="" xmlns:a14="http://schemas.microsoft.com/office/drawing/2010/main" w="9525">
                   <a:solidFill>
                     <a:srgbClr val="000000"/>
                   </a:solidFill>
@@ -19973,7 +20175,7 @@
             <p:nvPr>
               <p:extLst>
                 <p:ext uri="{386F3935-93C4-4BCD-93E2-E3B085C9AB24}">
-                  <p16:designElem xmlns:p16="http://schemas.microsoft.com/office/powerpoint/2015/main" xmlns="" val="1"/>
+                  <p16:designElem xmlns="" xmlns:p16="http://schemas.microsoft.com/office/powerpoint/2015/main" val="1"/>
                 </p:ext>
               </p:extLst>
             </p:nvPr>
@@ -20048,7 +20250,7 @@
             </a:ln>
             <a:extLst>
               <a:ext uri="{91240B29-F687-4f45-9708-019B960494DF}">
-                <a14:hiddenLine xmlns:a14="http://schemas.microsoft.com/office/drawing/2010/main" xmlns="" w="9525">
+                <a14:hiddenLine xmlns="" xmlns:a14="http://schemas.microsoft.com/office/drawing/2010/main" w="9525">
                   <a:solidFill>
                     <a:srgbClr val="000000"/>
                   </a:solidFill>
@@ -20067,7 +20269,7 @@
             <p:nvPr>
               <p:extLst>
                 <p:ext uri="{386F3935-93C4-4BCD-93E2-E3B085C9AB24}">
-                  <p16:designElem xmlns:p16="http://schemas.microsoft.com/office/powerpoint/2015/main" xmlns="" val="1"/>
+                  <p16:designElem xmlns="" xmlns:p16="http://schemas.microsoft.com/office/powerpoint/2015/main" val="1"/>
                 </p:ext>
               </p:extLst>
             </p:nvPr>
@@ -20110,7 +20312,7 @@
             </a:ln>
             <a:extLst>
               <a:ext uri="{91240B29-F687-4f45-9708-019B960494DF}">
-                <a14:hiddenLine xmlns:a14="http://schemas.microsoft.com/office/drawing/2010/main" xmlns="" w="9525">
+                <a14:hiddenLine xmlns="" xmlns:a14="http://schemas.microsoft.com/office/drawing/2010/main" w="9525">
                   <a:solidFill>
                     <a:srgbClr val="000000"/>
                   </a:solidFill>
@@ -20131,7 +20333,7 @@
             <p:nvPr>
               <p:extLst>
                 <p:ext uri="{386F3935-93C4-4BCD-93E2-E3B085C9AB24}">
-                  <p16:designElem xmlns:p16="http://schemas.microsoft.com/office/powerpoint/2015/main" xmlns="" val="1"/>
+                  <p16:designElem xmlns="" xmlns:p16="http://schemas.microsoft.com/office/powerpoint/2015/main" val="1"/>
                 </p:ext>
               </p:extLst>
             </p:nvPr>
@@ -20206,7 +20408,7 @@
             </a:ln>
             <a:extLst>
               <a:ext uri="{91240B29-F687-4f45-9708-019B960494DF}">
-                <a14:hiddenLine xmlns:a14="http://schemas.microsoft.com/office/drawing/2010/main" xmlns="" w="9525">
+                <a14:hiddenLine xmlns="" xmlns:a14="http://schemas.microsoft.com/office/drawing/2010/main" w="9525">
                   <a:solidFill>
                     <a:srgbClr val="000000"/>
                   </a:solidFill>
@@ -20225,7 +20427,7 @@
             <p:nvPr>
               <p:extLst>
                 <p:ext uri="{386F3935-93C4-4BCD-93E2-E3B085C9AB24}">
-                  <p16:designElem xmlns:p16="http://schemas.microsoft.com/office/powerpoint/2015/main" xmlns="" val="1"/>
+                  <p16:designElem xmlns="" xmlns:p16="http://schemas.microsoft.com/office/powerpoint/2015/main" val="1"/>
                 </p:ext>
               </p:extLst>
             </p:nvPr>
@@ -20268,7 +20470,7 @@
             </a:ln>
             <a:extLst>
               <a:ext uri="{91240B29-F687-4f45-9708-019B960494DF}">
-                <a14:hiddenLine xmlns:a14="http://schemas.microsoft.com/office/drawing/2010/main" xmlns="" w="9525">
+                <a14:hiddenLine xmlns="" xmlns:a14="http://schemas.microsoft.com/office/drawing/2010/main" w="9525">
                   <a:solidFill>
                     <a:srgbClr val="000000"/>
                   </a:solidFill>
@@ -20289,7 +20491,7 @@
             <p:nvPr>
               <p:extLst>
                 <p:ext uri="{386F3935-93C4-4BCD-93E2-E3B085C9AB24}">
-                  <p16:designElem xmlns:p16="http://schemas.microsoft.com/office/powerpoint/2015/main" xmlns="" val="1"/>
+                  <p16:designElem xmlns="" xmlns:p16="http://schemas.microsoft.com/office/powerpoint/2015/main" val="1"/>
                 </p:ext>
               </p:extLst>
             </p:nvPr>
@@ -20364,7 +20566,7 @@
             </a:ln>
             <a:extLst>
               <a:ext uri="{91240B29-F687-4f45-9708-019B960494DF}">
-                <a14:hiddenLine xmlns:a14="http://schemas.microsoft.com/office/drawing/2010/main" xmlns="" w="9525">
+                <a14:hiddenLine xmlns="" xmlns:a14="http://schemas.microsoft.com/office/drawing/2010/main" w="9525">
                   <a:solidFill>
                     <a:srgbClr val="000000"/>
                   </a:solidFill>
@@ -20383,7 +20585,7 @@
             <p:nvPr>
               <p:extLst>
                 <p:ext uri="{386F3935-93C4-4BCD-93E2-E3B085C9AB24}">
-                  <p16:designElem xmlns:p16="http://schemas.microsoft.com/office/powerpoint/2015/main" xmlns="" val="1"/>
+                  <p16:designElem xmlns="" xmlns:p16="http://schemas.microsoft.com/office/powerpoint/2015/main" val="1"/>
                 </p:ext>
               </p:extLst>
             </p:nvPr>
@@ -20438,7 +20640,7 @@
             </a:ln>
             <a:extLst>
               <a:ext uri="{91240B29-F687-4f45-9708-019B960494DF}">
-                <a14:hiddenLine xmlns:a14="http://schemas.microsoft.com/office/drawing/2010/main" xmlns="" w="9525">
+                <a14:hiddenLine xmlns="" xmlns:a14="http://schemas.microsoft.com/office/drawing/2010/main" w="9525">
                   <a:solidFill>
                     <a:srgbClr val="000000"/>
                   </a:solidFill>
@@ -20459,7 +20661,7 @@
             <p:nvPr>
               <p:extLst>
                 <p:ext uri="{386F3935-93C4-4BCD-93E2-E3B085C9AB24}">
-                  <p16:designElem xmlns:p16="http://schemas.microsoft.com/office/powerpoint/2015/main" xmlns="" val="1"/>
+                  <p16:designElem xmlns="" xmlns:p16="http://schemas.microsoft.com/office/powerpoint/2015/main" val="1"/>
                 </p:ext>
               </p:extLst>
             </p:nvPr>
@@ -20534,7 +20736,7 @@
             </a:ln>
             <a:extLst>
               <a:ext uri="{91240B29-F687-4f45-9708-019B960494DF}">
-                <a14:hiddenLine xmlns:a14="http://schemas.microsoft.com/office/drawing/2010/main" xmlns="" w="9525">
+                <a14:hiddenLine xmlns="" xmlns:a14="http://schemas.microsoft.com/office/drawing/2010/main" w="9525">
                   <a:solidFill>
                     <a:srgbClr val="000000"/>
                   </a:solidFill>
@@ -20553,7 +20755,7 @@
             <p:nvPr>
               <p:extLst>
                 <p:ext uri="{386F3935-93C4-4BCD-93E2-E3B085C9AB24}">
-                  <p16:designElem xmlns:p16="http://schemas.microsoft.com/office/powerpoint/2015/main" xmlns="" val="1"/>
+                  <p16:designElem xmlns="" xmlns:p16="http://schemas.microsoft.com/office/powerpoint/2015/main" val="1"/>
                 </p:ext>
               </p:extLst>
             </p:nvPr>
@@ -20608,7 +20810,7 @@
             </a:ln>
             <a:extLst>
               <a:ext uri="{91240B29-F687-4f45-9708-019B960494DF}">
-                <a14:hiddenLine xmlns:a14="http://schemas.microsoft.com/office/drawing/2010/main" xmlns="" w="9525">
+                <a14:hiddenLine xmlns="" xmlns:a14="http://schemas.microsoft.com/office/drawing/2010/main" w="9525">
                   <a:solidFill>
                     <a:srgbClr val="000000"/>
                   </a:solidFill>
@@ -20629,7 +20831,7 @@
             <p:nvPr>
               <p:extLst>
                 <p:ext uri="{386F3935-93C4-4BCD-93E2-E3B085C9AB24}">
-                  <p16:designElem xmlns:p16="http://schemas.microsoft.com/office/powerpoint/2015/main" xmlns="" val="1"/>
+                  <p16:designElem xmlns="" xmlns:p16="http://schemas.microsoft.com/office/powerpoint/2015/main" val="1"/>
                 </p:ext>
               </p:extLst>
             </p:nvPr>
@@ -20704,7 +20906,7 @@
             </a:ln>
             <a:extLst>
               <a:ext uri="{91240B29-F687-4f45-9708-019B960494DF}">
-                <a14:hiddenLine xmlns:a14="http://schemas.microsoft.com/office/drawing/2010/main" xmlns="" w="9525">
+                <a14:hiddenLine xmlns="" xmlns:a14="http://schemas.microsoft.com/office/drawing/2010/main" w="9525">
                   <a:solidFill>
                     <a:srgbClr val="000000"/>
                   </a:solidFill>
@@ -20725,7 +20927,7 @@
             <p:nvPr>
               <p:extLst>
                 <p:ext uri="{386F3935-93C4-4BCD-93E2-E3B085C9AB24}">
-                  <p16:designElem xmlns:p16="http://schemas.microsoft.com/office/powerpoint/2015/main" xmlns="" val="1"/>
+                  <p16:designElem xmlns="" xmlns:p16="http://schemas.microsoft.com/office/powerpoint/2015/main" val="1"/>
                 </p:ext>
               </p:extLst>
             </p:nvPr>
@@ -20744,7 +20946,7 @@
             </a:ln>
             <a:extLst>
               <a:ext uri="{91240B29-F687-4f45-9708-019B960494DF}">
-                <a14:hiddenLine xmlns:a14="http://schemas.microsoft.com/office/drawing/2010/main" xmlns="" w="9525">
+                <a14:hiddenLine xmlns="" xmlns:a14="http://schemas.microsoft.com/office/drawing/2010/main" w="9525">
                   <a:solidFill>
                     <a:srgbClr val="000000"/>
                   </a:solidFill>
@@ -20765,7 +20967,7 @@
             <p:nvPr>
               <p:extLst>
                 <p:ext uri="{386F3935-93C4-4BCD-93E2-E3B085C9AB24}">
-                  <p16:designElem xmlns:p16="http://schemas.microsoft.com/office/powerpoint/2015/main" xmlns="" val="1"/>
+                  <p16:designElem xmlns="" xmlns:p16="http://schemas.microsoft.com/office/powerpoint/2015/main" val="1"/>
                 </p:ext>
               </p:extLst>
             </p:nvPr>
@@ -20840,7 +21042,7 @@
             </a:ln>
             <a:extLst>
               <a:ext uri="{91240B29-F687-4f45-9708-019B960494DF}">
-                <a14:hiddenLine xmlns:a14="http://schemas.microsoft.com/office/drawing/2010/main" xmlns="" w="9525">
+                <a14:hiddenLine xmlns="" xmlns:a14="http://schemas.microsoft.com/office/drawing/2010/main" w="9525">
                   <a:solidFill>
                     <a:srgbClr val="000000"/>
                   </a:solidFill>
@@ -20859,7 +21061,7 @@
             <p:nvPr>
               <p:extLst>
                 <p:ext uri="{386F3935-93C4-4BCD-93E2-E3B085C9AB24}">
-                  <p16:designElem xmlns:p16="http://schemas.microsoft.com/office/powerpoint/2015/main" xmlns="" val="1"/>
+                  <p16:designElem xmlns="" xmlns:p16="http://schemas.microsoft.com/office/powerpoint/2015/main" val="1"/>
                 </p:ext>
               </p:extLst>
             </p:nvPr>
@@ -20908,7 +21110,7 @@
             </a:ln>
             <a:extLst>
               <a:ext uri="{91240B29-F687-4f45-9708-019B960494DF}">
-                <a14:hiddenLine xmlns:a14="http://schemas.microsoft.com/office/drawing/2010/main" xmlns="" w="9525">
+                <a14:hiddenLine xmlns="" xmlns:a14="http://schemas.microsoft.com/office/drawing/2010/main" w="9525">
                   <a:solidFill>
                     <a:srgbClr val="000000"/>
                   </a:solidFill>
@@ -20927,7 +21129,7 @@
             <p:nvPr>
               <p:extLst>
                 <p:ext uri="{386F3935-93C4-4BCD-93E2-E3B085C9AB24}">
-                  <p16:designElem xmlns:p16="http://schemas.microsoft.com/office/powerpoint/2015/main" xmlns="" val="1"/>
+                  <p16:designElem xmlns="" xmlns:p16="http://schemas.microsoft.com/office/powerpoint/2015/main" val="1"/>
                 </p:ext>
               </p:extLst>
             </p:nvPr>
@@ -20976,7 +21178,7 @@
             </a:ln>
             <a:extLst>
               <a:ext uri="{91240B29-F687-4f45-9708-019B960494DF}">
-                <a14:hiddenLine xmlns:a14="http://schemas.microsoft.com/office/drawing/2010/main" xmlns="" w="9525">
+                <a14:hiddenLine xmlns="" xmlns:a14="http://schemas.microsoft.com/office/drawing/2010/main" w="9525">
                   <a:solidFill>
                     <a:srgbClr val="000000"/>
                   </a:solidFill>
@@ -20997,7 +21199,7 @@
             <p:nvPr>
               <p:extLst>
                 <p:ext uri="{386F3935-93C4-4BCD-93E2-E3B085C9AB24}">
-                  <p16:designElem xmlns:p16="http://schemas.microsoft.com/office/powerpoint/2015/main" xmlns="" val="1"/>
+                  <p16:designElem xmlns="" xmlns:p16="http://schemas.microsoft.com/office/powerpoint/2015/main" val="1"/>
                 </p:ext>
               </p:extLst>
             </p:nvPr>
@@ -21072,7 +21274,7 @@
             </a:ln>
             <a:extLst>
               <a:ext uri="{91240B29-F687-4f45-9708-019B960494DF}">
-                <a14:hiddenLine xmlns:a14="http://schemas.microsoft.com/office/drawing/2010/main" xmlns="" w="9525">
+                <a14:hiddenLine xmlns="" xmlns:a14="http://schemas.microsoft.com/office/drawing/2010/main" w="9525">
                   <a:solidFill>
                     <a:srgbClr val="000000"/>
                   </a:solidFill>
@@ -21091,7 +21293,7 @@
             <p:nvPr>
               <p:extLst>
                 <p:ext uri="{386F3935-93C4-4BCD-93E2-E3B085C9AB24}">
-                  <p16:designElem xmlns:p16="http://schemas.microsoft.com/office/powerpoint/2015/main" xmlns="" val="1"/>
+                  <p16:designElem xmlns="" xmlns:p16="http://schemas.microsoft.com/office/powerpoint/2015/main" val="1"/>
                 </p:ext>
               </p:extLst>
             </p:nvPr>
@@ -21146,7 +21348,7 @@
             </a:ln>
             <a:extLst>
               <a:ext uri="{91240B29-F687-4f45-9708-019B960494DF}">
-                <a14:hiddenLine xmlns:a14="http://schemas.microsoft.com/office/drawing/2010/main" xmlns="" w="9525">
+                <a14:hiddenLine xmlns="" xmlns:a14="http://schemas.microsoft.com/office/drawing/2010/main" w="9525">
                   <a:solidFill>
                     <a:srgbClr val="000000"/>
                   </a:solidFill>
@@ -21165,7 +21367,7 @@
             <p:nvPr>
               <p:extLst>
                 <p:ext uri="{386F3935-93C4-4BCD-93E2-E3B085C9AB24}">
-                  <p16:designElem xmlns:p16="http://schemas.microsoft.com/office/powerpoint/2015/main" xmlns="" val="1"/>
+                  <p16:designElem xmlns="" xmlns:p16="http://schemas.microsoft.com/office/powerpoint/2015/main" val="1"/>
                 </p:ext>
               </p:extLst>
             </p:nvPr>
@@ -21214,7 +21416,7 @@
             </a:ln>
             <a:extLst>
               <a:ext uri="{91240B29-F687-4f45-9708-019B960494DF}">
-                <a14:hiddenLine xmlns:a14="http://schemas.microsoft.com/office/drawing/2010/main" xmlns="" w="9525">
+                <a14:hiddenLine xmlns="" xmlns:a14="http://schemas.microsoft.com/office/drawing/2010/main" w="9525">
                   <a:solidFill>
                     <a:srgbClr val="000000"/>
                   </a:solidFill>
@@ -21235,7 +21437,7 @@
             <p:nvPr>
               <p:extLst>
                 <p:ext uri="{386F3935-93C4-4BCD-93E2-E3B085C9AB24}">
-                  <p16:designElem xmlns:p16="http://schemas.microsoft.com/office/powerpoint/2015/main" xmlns="" val="1"/>
+                  <p16:designElem xmlns="" xmlns:p16="http://schemas.microsoft.com/office/powerpoint/2015/main" val="1"/>
                 </p:ext>
               </p:extLst>
             </p:nvPr>
@@ -21310,7 +21512,7 @@
             </a:ln>
             <a:extLst>
               <a:ext uri="{91240B29-F687-4f45-9708-019B960494DF}">
-                <a14:hiddenLine xmlns:a14="http://schemas.microsoft.com/office/drawing/2010/main" xmlns="" w="9525">
+                <a14:hiddenLine xmlns="" xmlns:a14="http://schemas.microsoft.com/office/drawing/2010/main" w="9525">
                   <a:solidFill>
                     <a:srgbClr val="000000"/>
                   </a:solidFill>
@@ -21329,7 +21531,7 @@
             <p:nvPr>
               <p:extLst>
                 <p:ext uri="{386F3935-93C4-4BCD-93E2-E3B085C9AB24}">
-                  <p16:designElem xmlns:p16="http://schemas.microsoft.com/office/powerpoint/2015/main" xmlns="" val="1"/>
+                  <p16:designElem xmlns="" xmlns:p16="http://schemas.microsoft.com/office/powerpoint/2015/main" val="1"/>
                 </p:ext>
               </p:extLst>
             </p:nvPr>
@@ -21378,7 +21580,7 @@
             </a:ln>
             <a:extLst>
               <a:ext uri="{91240B29-F687-4f45-9708-019B960494DF}">
-                <a14:hiddenLine xmlns:a14="http://schemas.microsoft.com/office/drawing/2010/main" xmlns="" w="9525">
+                <a14:hiddenLine xmlns="" xmlns:a14="http://schemas.microsoft.com/office/drawing/2010/main" w="9525">
                   <a:solidFill>
                     <a:srgbClr val="000000"/>
                   </a:solidFill>
@@ -21399,7 +21601,7 @@
             <p:nvPr>
               <p:extLst>
                 <p:ext uri="{386F3935-93C4-4BCD-93E2-E3B085C9AB24}">
-                  <p16:designElem xmlns:p16="http://schemas.microsoft.com/office/powerpoint/2015/main" xmlns="" val="1"/>
+                  <p16:designElem xmlns="" xmlns:p16="http://schemas.microsoft.com/office/powerpoint/2015/main" val="1"/>
                 </p:ext>
               </p:extLst>
             </p:nvPr>
@@ -21474,7 +21676,7 @@
             </a:ln>
             <a:extLst>
               <a:ext uri="{91240B29-F687-4f45-9708-019B960494DF}">
-                <a14:hiddenLine xmlns:a14="http://schemas.microsoft.com/office/drawing/2010/main" xmlns="" w="9525">
+                <a14:hiddenLine xmlns="" xmlns:a14="http://schemas.microsoft.com/office/drawing/2010/main" w="9525">
                   <a:solidFill>
                     <a:srgbClr val="000000"/>
                   </a:solidFill>
@@ -21493,7 +21695,7 @@
             <p:nvPr>
               <p:extLst>
                 <p:ext uri="{386F3935-93C4-4BCD-93E2-E3B085C9AB24}">
-                  <p16:designElem xmlns:p16="http://schemas.microsoft.com/office/powerpoint/2015/main" xmlns="" val="1"/>
+                  <p16:designElem xmlns="" xmlns:p16="http://schemas.microsoft.com/office/powerpoint/2015/main" val="1"/>
                 </p:ext>
               </p:extLst>
             </p:nvPr>
@@ -21542,7 +21744,7 @@
             </a:ln>
             <a:extLst>
               <a:ext uri="{91240B29-F687-4f45-9708-019B960494DF}">
-                <a14:hiddenLine xmlns:a14="http://schemas.microsoft.com/office/drawing/2010/main" xmlns="" w="9525">
+                <a14:hiddenLine xmlns="" xmlns:a14="http://schemas.microsoft.com/office/drawing/2010/main" w="9525">
                   <a:solidFill>
                     <a:srgbClr val="000000"/>
                   </a:solidFill>
@@ -21563,7 +21765,7 @@
             <p:nvPr>
               <p:extLst>
                 <p:ext uri="{386F3935-93C4-4BCD-93E2-E3B085C9AB24}">
-                  <p16:designElem xmlns:p16="http://schemas.microsoft.com/office/powerpoint/2015/main" xmlns="" val="1"/>
+                  <p16:designElem xmlns="" xmlns:p16="http://schemas.microsoft.com/office/powerpoint/2015/main" val="1"/>
                 </p:ext>
               </p:extLst>
             </p:nvPr>
@@ -21638,7 +21840,7 @@
             </a:ln>
             <a:extLst>
               <a:ext uri="{91240B29-F687-4f45-9708-019B960494DF}">
-                <a14:hiddenLine xmlns:a14="http://schemas.microsoft.com/office/drawing/2010/main" xmlns="" w="9525">
+                <a14:hiddenLine xmlns="" xmlns:a14="http://schemas.microsoft.com/office/drawing/2010/main" w="9525">
                   <a:solidFill>
                     <a:srgbClr val="000000"/>
                   </a:solidFill>
@@ -21659,7 +21861,7 @@
             <p:nvPr>
               <p:extLst>
                 <p:ext uri="{386F3935-93C4-4BCD-93E2-E3B085C9AB24}">
-                  <p16:designElem xmlns:p16="http://schemas.microsoft.com/office/powerpoint/2015/main" xmlns="" val="1"/>
+                  <p16:designElem xmlns="" xmlns:p16="http://schemas.microsoft.com/office/powerpoint/2015/main" val="1"/>
                 </p:ext>
               </p:extLst>
             </p:nvPr>
@@ -21678,7 +21880,7 @@
             </a:ln>
             <a:extLst>
               <a:ext uri="{91240B29-F687-4f45-9708-019B960494DF}">
-                <a14:hiddenLine xmlns:a14="http://schemas.microsoft.com/office/drawing/2010/main" xmlns="" w="9525">
+                <a14:hiddenLine xmlns="" xmlns:a14="http://schemas.microsoft.com/office/drawing/2010/main" w="9525">
                   <a:solidFill>
                     <a:srgbClr val="000000"/>
                   </a:solidFill>
@@ -21697,7 +21899,7 @@
             <p:nvPr>
               <p:extLst>
                 <p:ext uri="{386F3935-93C4-4BCD-93E2-E3B085C9AB24}">
-                  <p16:designElem xmlns:p16="http://schemas.microsoft.com/office/powerpoint/2015/main" xmlns="" val="1"/>
+                  <p16:designElem xmlns="" xmlns:p16="http://schemas.microsoft.com/office/powerpoint/2015/main" val="1"/>
                 </p:ext>
               </p:extLst>
             </p:nvPr>
@@ -21749,7 +21951,7 @@
             </a:ln>
             <a:extLst>
               <a:ext uri="{91240B29-F687-4f45-9708-019B960494DF}">
-                <a14:hiddenLine xmlns:a14="http://schemas.microsoft.com/office/drawing/2010/main" xmlns="" w="9525">
+                <a14:hiddenLine xmlns="" xmlns:a14="http://schemas.microsoft.com/office/drawing/2010/main" w="9525">
                   <a:solidFill>
                     <a:srgbClr val="000000"/>
                   </a:solidFill>
@@ -21770,7 +21972,7 @@
             <p:nvPr>
               <p:extLst>
                 <p:ext uri="{386F3935-93C4-4BCD-93E2-E3B085C9AB24}">
-                  <p16:designElem xmlns:p16="http://schemas.microsoft.com/office/powerpoint/2015/main" xmlns="" val="1"/>
+                  <p16:designElem xmlns="" xmlns:p16="http://schemas.microsoft.com/office/powerpoint/2015/main" val="1"/>
                 </p:ext>
               </p:extLst>
             </p:nvPr>
@@ -21845,7 +22047,7 @@
             </a:ln>
             <a:extLst>
               <a:ext uri="{91240B29-F687-4f45-9708-019B960494DF}">
-                <a14:hiddenLine xmlns:a14="http://schemas.microsoft.com/office/drawing/2010/main" xmlns="" w="9525">
+                <a14:hiddenLine xmlns="" xmlns:a14="http://schemas.microsoft.com/office/drawing/2010/main" w="9525">
                   <a:solidFill>
                     <a:srgbClr val="000000"/>
                   </a:solidFill>
@@ -21864,7 +22066,7 @@
             <p:nvPr>
               <p:extLst>
                 <p:ext uri="{386F3935-93C4-4BCD-93E2-E3B085C9AB24}">
-                  <p16:designElem xmlns:p16="http://schemas.microsoft.com/office/powerpoint/2015/main" xmlns="" val="1"/>
+                  <p16:designElem xmlns="" xmlns:p16="http://schemas.microsoft.com/office/powerpoint/2015/main" val="1"/>
                 </p:ext>
               </p:extLst>
             </p:nvPr>
@@ -21913,7 +22115,7 @@
             </a:ln>
             <a:extLst>
               <a:ext uri="{91240B29-F687-4f45-9708-019B960494DF}">
-                <a14:hiddenLine xmlns:a14="http://schemas.microsoft.com/office/drawing/2010/main" xmlns="" w="9525">
+                <a14:hiddenLine xmlns="" xmlns:a14="http://schemas.microsoft.com/office/drawing/2010/main" w="9525">
                   <a:solidFill>
                     <a:srgbClr val="000000"/>
                   </a:solidFill>
@@ -21934,7 +22136,7 @@
             <p:nvPr>
               <p:extLst>
                 <p:ext uri="{386F3935-93C4-4BCD-93E2-E3B085C9AB24}">
-                  <p16:designElem xmlns:p16="http://schemas.microsoft.com/office/powerpoint/2015/main" xmlns="" val="1"/>
+                  <p16:designElem xmlns="" xmlns:p16="http://schemas.microsoft.com/office/powerpoint/2015/main" val="1"/>
                 </p:ext>
               </p:extLst>
             </p:nvPr>
@@ -22009,7 +22211,7 @@
             </a:ln>
             <a:extLst>
               <a:ext uri="{91240B29-F687-4f45-9708-019B960494DF}">
-                <a14:hiddenLine xmlns:a14="http://schemas.microsoft.com/office/drawing/2010/main" xmlns="" w="9525">
+                <a14:hiddenLine xmlns="" xmlns:a14="http://schemas.microsoft.com/office/drawing/2010/main" w="9525">
                   <a:solidFill>
                     <a:srgbClr val="000000"/>
                   </a:solidFill>
@@ -22030,7 +22232,7 @@
             <p:nvPr>
               <p:extLst>
                 <p:ext uri="{386F3935-93C4-4BCD-93E2-E3B085C9AB24}">
-                  <p16:designElem xmlns:p16="http://schemas.microsoft.com/office/powerpoint/2015/main" xmlns="" val="1"/>
+                  <p16:designElem xmlns="" xmlns:p16="http://schemas.microsoft.com/office/powerpoint/2015/main" val="1"/>
                 </p:ext>
               </p:extLst>
             </p:nvPr>
@@ -22105,7 +22307,7 @@
             </a:ln>
             <a:extLst>
               <a:ext uri="{91240B29-F687-4f45-9708-019B960494DF}">
-                <a14:hiddenLine xmlns:a14="http://schemas.microsoft.com/office/drawing/2010/main" xmlns="" w="9525">
+                <a14:hiddenLine xmlns="" xmlns:a14="http://schemas.microsoft.com/office/drawing/2010/main" w="9525">
                   <a:solidFill>
                     <a:srgbClr val="000000"/>
                   </a:solidFill>
@@ -22124,7 +22326,7 @@
             <p:nvPr>
               <p:extLst>
                 <p:ext uri="{386F3935-93C4-4BCD-93E2-E3B085C9AB24}">
-                  <p16:designElem xmlns:p16="http://schemas.microsoft.com/office/powerpoint/2015/main" xmlns="" val="1"/>
+                  <p16:designElem xmlns="" xmlns:p16="http://schemas.microsoft.com/office/powerpoint/2015/main" val="1"/>
                 </p:ext>
               </p:extLst>
             </p:nvPr>
@@ -22176,7 +22378,7 @@
             </a:ln>
             <a:extLst>
               <a:ext uri="{91240B29-F687-4f45-9708-019B960494DF}">
-                <a14:hiddenLine xmlns:a14="http://schemas.microsoft.com/office/drawing/2010/main" xmlns="" w="9525">
+                <a14:hiddenLine xmlns="" xmlns:a14="http://schemas.microsoft.com/office/drawing/2010/main" w="9525">
                   <a:solidFill>
                     <a:srgbClr val="000000"/>
                   </a:solidFill>
@@ -22195,7 +22397,7 @@
             <p:nvPr>
               <p:extLst>
                 <p:ext uri="{386F3935-93C4-4BCD-93E2-E3B085C9AB24}">
-                  <p16:designElem xmlns:p16="http://schemas.microsoft.com/office/powerpoint/2015/main" xmlns="" val="1"/>
+                  <p16:designElem xmlns="" xmlns:p16="http://schemas.microsoft.com/office/powerpoint/2015/main" val="1"/>
                 </p:ext>
               </p:extLst>
             </p:nvPr>
@@ -22244,7 +22446,7 @@
             </a:ln>
             <a:extLst>
               <a:ext uri="{91240B29-F687-4f45-9708-019B960494DF}">
-                <a14:hiddenLine xmlns:a14="http://schemas.microsoft.com/office/drawing/2010/main" xmlns="" w="9525">
+                <a14:hiddenLine xmlns="" xmlns:a14="http://schemas.microsoft.com/office/drawing/2010/main" w="9525">
                   <a:solidFill>
                     <a:srgbClr val="000000"/>
                   </a:solidFill>
@@ -22265,7 +22467,7 @@
             <p:nvPr>
               <p:extLst>
                 <p:ext uri="{386F3935-93C4-4BCD-93E2-E3B085C9AB24}">
-                  <p16:designElem xmlns:p16="http://schemas.microsoft.com/office/powerpoint/2015/main" xmlns="" val="1"/>
+                  <p16:designElem xmlns="" xmlns:p16="http://schemas.microsoft.com/office/powerpoint/2015/main" val="1"/>
                 </p:ext>
               </p:extLst>
             </p:nvPr>
@@ -22340,7 +22542,7 @@
             </a:ln>
             <a:extLst>
               <a:ext uri="{91240B29-F687-4f45-9708-019B960494DF}">
-                <a14:hiddenLine xmlns:a14="http://schemas.microsoft.com/office/drawing/2010/main" xmlns="" w="9525">
+                <a14:hiddenLine xmlns="" xmlns:a14="http://schemas.microsoft.com/office/drawing/2010/main" w="9525">
                   <a:solidFill>
                     <a:srgbClr val="000000"/>
                   </a:solidFill>
@@ -22361,7 +22563,7 @@
             <p:nvPr>
               <p:extLst>
                 <p:ext uri="{386F3935-93C4-4BCD-93E2-E3B085C9AB24}">
-                  <p16:designElem xmlns:p16="http://schemas.microsoft.com/office/powerpoint/2015/main" xmlns="" val="1"/>
+                  <p16:designElem xmlns="" xmlns:p16="http://schemas.microsoft.com/office/powerpoint/2015/main" val="1"/>
                 </p:ext>
               </p:extLst>
             </p:nvPr>
@@ -22436,7 +22638,7 @@
             </a:ln>
             <a:extLst>
               <a:ext uri="{91240B29-F687-4f45-9708-019B960494DF}">
-                <a14:hiddenLine xmlns:a14="http://schemas.microsoft.com/office/drawing/2010/main" xmlns="" w="9525">
+                <a14:hiddenLine xmlns="" xmlns:a14="http://schemas.microsoft.com/office/drawing/2010/main" w="9525">
                   <a:solidFill>
                     <a:srgbClr val="000000"/>
                   </a:solidFill>
@@ -22455,7 +22657,7 @@
             <p:nvPr>
               <p:extLst>
                 <p:ext uri="{386F3935-93C4-4BCD-93E2-E3B085C9AB24}">
-                  <p16:designElem xmlns:p16="http://schemas.microsoft.com/office/powerpoint/2015/main" xmlns="" val="1"/>
+                  <p16:designElem xmlns="" xmlns:p16="http://schemas.microsoft.com/office/powerpoint/2015/main" val="1"/>
                 </p:ext>
               </p:extLst>
             </p:nvPr>
@@ -22504,7 +22706,7 @@
             </a:ln>
             <a:extLst>
               <a:ext uri="{91240B29-F687-4f45-9708-019B960494DF}">
-                <a14:hiddenLine xmlns:a14="http://schemas.microsoft.com/office/drawing/2010/main" xmlns="" w="9525">
+                <a14:hiddenLine xmlns="" xmlns:a14="http://schemas.microsoft.com/office/drawing/2010/main" w="9525">
                   <a:solidFill>
                     <a:srgbClr val="000000"/>
                   </a:solidFill>
@@ -22525,7 +22727,7 @@
             <p:nvPr>
               <p:extLst>
                 <p:ext uri="{386F3935-93C4-4BCD-93E2-E3B085C9AB24}">
-                  <p16:designElem xmlns:p16="http://schemas.microsoft.com/office/powerpoint/2015/main" xmlns="" val="1"/>
+                  <p16:designElem xmlns="" xmlns:p16="http://schemas.microsoft.com/office/powerpoint/2015/main" val="1"/>
                 </p:ext>
               </p:extLst>
             </p:nvPr>
@@ -22630,7 +22832,7 @@
             </a:ln>
             <a:extLst>
               <a:ext uri="{91240B29-F687-4f45-9708-019B960494DF}">
-                <a14:hiddenLine xmlns:a14="http://schemas.microsoft.com/office/drawing/2010/main" xmlns="" w="9525">
+                <a14:hiddenLine xmlns="" xmlns:a14="http://schemas.microsoft.com/office/drawing/2010/main" w="9525">
                   <a:solidFill>
                     <a:srgbClr val="000000"/>
                   </a:solidFill>
@@ -22649,7 +22851,7 @@
             <p:nvPr>
               <p:extLst>
                 <p:ext uri="{386F3935-93C4-4BCD-93E2-E3B085C9AB24}">
-                  <p16:designElem xmlns:p16="http://schemas.microsoft.com/office/powerpoint/2015/main" xmlns="" val="1"/>
+                  <p16:designElem xmlns="" xmlns:p16="http://schemas.microsoft.com/office/powerpoint/2015/main" val="1"/>
                 </p:ext>
               </p:extLst>
             </p:nvPr>
@@ -22704,7 +22906,7 @@
             </a:ln>
             <a:extLst>
               <a:ext uri="{91240B29-F687-4f45-9708-019B960494DF}">
-                <a14:hiddenLine xmlns:a14="http://schemas.microsoft.com/office/drawing/2010/main" xmlns="" w="9525">
+                <a14:hiddenLine xmlns="" xmlns:a14="http://schemas.microsoft.com/office/drawing/2010/main" w="9525">
                   <a:solidFill>
                     <a:srgbClr val="000000"/>
                   </a:solidFill>
@@ -22725,7 +22927,7 @@
             <p:nvPr>
               <p:extLst>
                 <p:ext uri="{386F3935-93C4-4BCD-93E2-E3B085C9AB24}">
-                  <p16:designElem xmlns:p16="http://schemas.microsoft.com/office/powerpoint/2015/main" xmlns="" val="1"/>
+                  <p16:designElem xmlns="" xmlns:p16="http://schemas.microsoft.com/office/powerpoint/2015/main" val="1"/>
                 </p:ext>
               </p:extLst>
             </p:nvPr>
@@ -22800,7 +23002,7 @@
             </a:ln>
             <a:extLst>
               <a:ext uri="{91240B29-F687-4f45-9708-019B960494DF}">
-                <a14:hiddenLine xmlns:a14="http://schemas.microsoft.com/office/drawing/2010/main" xmlns="" w="9525">
+                <a14:hiddenLine xmlns="" xmlns:a14="http://schemas.microsoft.com/office/drawing/2010/main" w="9525">
                   <a:solidFill>
                     <a:srgbClr val="000000"/>
                   </a:solidFill>
@@ -22822,7 +23024,7 @@
           <p:nvPr>
             <p:extLst>
               <p:ext uri="{386F3935-93C4-4BCD-93E2-E3B085C9AB24}">
-                <p16:designElem xmlns:p16="http://schemas.microsoft.com/office/powerpoint/2015/main" xmlns="" val="1"/>
+                <p16:designElem xmlns="" xmlns:p16="http://schemas.microsoft.com/office/powerpoint/2015/main" val="1"/>
               </p:ext>
             </p:extLst>
           </p:nvPr>
@@ -22879,7 +23081,7 @@
           <p:nvPr>
             <p:extLst>
               <p:ext uri="{386F3935-93C4-4BCD-93E2-E3B085C9AB24}">
-                <p16:designElem xmlns:p16="http://schemas.microsoft.com/office/powerpoint/2015/main" xmlns="" val="1"/>
+                <p16:designElem xmlns="" xmlns:p16="http://schemas.microsoft.com/office/powerpoint/2015/main" val="1"/>
               </p:ext>
             </p:extLst>
           </p:nvPr>
@@ -22975,7 +23177,7 @@
     </p:spTree>
     <p:extLst>
       <p:ext uri="{BB962C8B-B14F-4D97-AF65-F5344CB8AC3E}">
-        <p14:creationId xmlns:p14="http://schemas.microsoft.com/office/powerpoint/2010/main" xmlns="" val="2681047884"/>
+        <p14:creationId xmlns="" xmlns:p14="http://schemas.microsoft.com/office/powerpoint/2010/main" val="2681047884"/>
       </p:ext>
     </p:extLst>
   </p:cSld>
@@ -22985,7 +23187,7 @@
 </p:sld>
 </file>
 
-<file path=ppt/slides/slide13.xml><?xml version="1.0" encoding="utf-8"?>
+<file path=ppt/slides/slide14.xml><?xml version="1.0" encoding="utf-8"?>
 <p:sld xmlns:a="http://schemas.openxmlformats.org/drawingml/2006/main" xmlns:r="http://schemas.openxmlformats.org/officeDocument/2006/relationships" xmlns:p="http://schemas.openxmlformats.org/presentationml/2006/main">
   <p:cSld>
     <p:spTree>
@@ -23129,7 +23331,7 @@
     </p:spTree>
     <p:extLst>
       <p:ext uri="{BB962C8B-B14F-4D97-AF65-F5344CB8AC3E}">
-        <p14:creationId xmlns:p14="http://schemas.microsoft.com/office/powerpoint/2010/main" xmlns="" val="2777520279"/>
+        <p14:creationId xmlns="" xmlns:p14="http://schemas.microsoft.com/office/powerpoint/2010/main" val="2777520279"/>
       </p:ext>
     </p:extLst>
   </p:cSld>
@@ -23139,7 +23341,7 @@
 </p:sld>
 </file>
 
-<file path=ppt/slides/slide14.xml><?xml version="1.0" encoding="utf-8"?>
+<file path=ppt/slides/slide15.xml><?xml version="1.0" encoding="utf-8"?>
 <p:sld xmlns:a="http://schemas.openxmlformats.org/drawingml/2006/main" xmlns:r="http://schemas.openxmlformats.org/officeDocument/2006/relationships" xmlns:p="http://schemas.openxmlformats.org/presentationml/2006/main">
   <p:cSld>
     <p:spTree>
@@ -23207,7 +23409,7 @@
     </p:spTree>
     <p:extLst>
       <p:ext uri="{BB962C8B-B14F-4D97-AF65-F5344CB8AC3E}">
-        <p14:creationId xmlns:p14="http://schemas.microsoft.com/office/powerpoint/2010/main" xmlns="" val="2019924356"/>
+        <p14:creationId xmlns="" xmlns:p14="http://schemas.microsoft.com/office/powerpoint/2010/main" val="2019924356"/>
       </p:ext>
     </p:extLst>
   </p:cSld>
@@ -23217,7 +23419,7 @@
 </p:sld>
 </file>
 
-<file path=ppt/slides/slide15.xml><?xml version="1.0" encoding="utf-8"?>
+<file path=ppt/slides/slide16.xml><?xml version="1.0" encoding="utf-8"?>
 <p:sld xmlns:a="http://schemas.openxmlformats.org/drawingml/2006/main" xmlns:r="http://schemas.openxmlformats.org/officeDocument/2006/relationships" xmlns:p="http://schemas.openxmlformats.org/presentationml/2006/main">
   <p:cSld>
     <p:spTree>
@@ -23413,7 +23615,7 @@
     </p:spTree>
     <p:extLst>
       <p:ext uri="{BB962C8B-B14F-4D97-AF65-F5344CB8AC3E}">
-        <p14:creationId xmlns:p14="http://schemas.microsoft.com/office/powerpoint/2010/main" xmlns="" val="3008532550"/>
+        <p14:creationId xmlns="" xmlns:p14="http://schemas.microsoft.com/office/powerpoint/2010/main" val="3008532550"/>
       </p:ext>
     </p:extLst>
   </p:cSld>
@@ -23423,7 +23625,7 @@
 </p:sld>
 </file>
 
-<file path=ppt/slides/slide16.xml><?xml version="1.0" encoding="utf-8"?>
+<file path=ppt/slides/slide17.xml><?xml version="1.0" encoding="utf-8"?>
 <p:sld xmlns:a="http://schemas.openxmlformats.org/drawingml/2006/main" xmlns:r="http://schemas.openxmlformats.org/officeDocument/2006/relationships" xmlns:p="http://schemas.openxmlformats.org/presentationml/2006/main">
   <p:cSld>
     <p:spTree>
@@ -23449,7 +23651,7 @@
           <p:nvPr>
             <p:extLst>
               <p:ext uri="{386F3935-93C4-4BCD-93E2-E3B085C9AB24}">
-                <p16:designElem xmlns:p16="http://schemas.microsoft.com/office/powerpoint/2015/main" xmlns="" val="1"/>
+                <p16:designElem xmlns="" xmlns:p16="http://schemas.microsoft.com/office/powerpoint/2015/main" val="1"/>
               </p:ext>
             </p:extLst>
           </p:nvPr>
@@ -23496,7 +23698,7 @@
           <p:nvPr>
             <p:extLst>
               <p:ext uri="{386F3935-93C4-4BCD-93E2-E3B085C9AB24}">
-                <p16:designElem xmlns:p16="http://schemas.microsoft.com/office/powerpoint/2015/main" xmlns="" val="1"/>
+                <p16:designElem xmlns="" xmlns:p16="http://schemas.microsoft.com/office/powerpoint/2015/main" val="1"/>
               </p:ext>
             </p:extLst>
           </p:nvPr>
@@ -23506,7 +23708,7 @@
             <a:alphaModFix amt="30000"/>
             <a:extLst>
               <a:ext uri="{28A0092B-C50C-407E-A947-70E740481C1C}">
-                <a14:useLocalDpi xmlns:a14="http://schemas.microsoft.com/office/drawing/2010/main" xmlns="" val="0"/>
+                <a14:useLocalDpi xmlns="" xmlns:a14="http://schemas.microsoft.com/office/drawing/2010/main" val="0"/>
               </a:ext>
             </a:extLst>
           </a:blip>
@@ -23526,7 +23728,7 @@
           <a:noFill/>
           <a:extLst>
             <a:ext uri="{909E8E84-426E-40dd-AFC4-6F175D3DCCD1}">
-              <a14:hiddenFill xmlns:a14="http://schemas.microsoft.com/office/drawing/2010/main" xmlns="">
+              <a14:hiddenFill xmlns="" xmlns:a14="http://schemas.microsoft.com/office/drawing/2010/main">
                 <a:solidFill>
                   <a:srgbClr val="FFFFFF"/>
                 </a:solidFill>
@@ -23544,7 +23746,7 @@
           <p:nvPr>
             <p:extLst>
               <p:ext uri="{386F3935-93C4-4BCD-93E2-E3B085C9AB24}">
-                <p16:designElem xmlns:p16="http://schemas.microsoft.com/office/powerpoint/2015/main" xmlns="" val="1"/>
+                <p16:designElem xmlns="" xmlns:p16="http://schemas.microsoft.com/office/powerpoint/2015/main" val="1"/>
               </p:ext>
             </p:extLst>
           </p:nvPr>
@@ -23581,7 +23783,7 @@
             <p:nvPr>
               <p:extLst>
                 <p:ext uri="{386F3935-93C4-4BCD-93E2-E3B085C9AB24}">
-                  <p16:designElem xmlns:p16="http://schemas.microsoft.com/office/powerpoint/2015/main" xmlns="" val="1"/>
+                  <p16:designElem xmlns="" xmlns:p16="http://schemas.microsoft.com/office/powerpoint/2015/main" val="1"/>
                 </p:ext>
               </p:extLst>
             </p:nvPr>
@@ -23600,7 +23802,7 @@
             </a:ln>
             <a:extLst>
               <a:ext uri="{91240B29-F687-4f45-9708-019B960494DF}">
-                <a14:hiddenLine xmlns:a14="http://schemas.microsoft.com/office/drawing/2010/main" xmlns="" w="9525">
+                <a14:hiddenLine xmlns="" xmlns:a14="http://schemas.microsoft.com/office/drawing/2010/main" w="9525">
                   <a:solidFill>
                     <a:srgbClr val="000000"/>
                   </a:solidFill>
@@ -23621,7 +23823,7 @@
             <p:nvPr>
               <p:extLst>
                 <p:ext uri="{386F3935-93C4-4BCD-93E2-E3B085C9AB24}">
-                  <p16:designElem xmlns:p16="http://schemas.microsoft.com/office/powerpoint/2015/main" xmlns="" val="1"/>
+                  <p16:designElem xmlns="" xmlns:p16="http://schemas.microsoft.com/office/powerpoint/2015/main" val="1"/>
                 </p:ext>
               </p:extLst>
             </p:nvPr>
@@ -23696,7 +23898,7 @@
             </a:ln>
             <a:extLst>
               <a:ext uri="{91240B29-F687-4f45-9708-019B960494DF}">
-                <a14:hiddenLine xmlns:a14="http://schemas.microsoft.com/office/drawing/2010/main" xmlns="" w="9525">
+                <a14:hiddenLine xmlns="" xmlns:a14="http://schemas.microsoft.com/office/drawing/2010/main" w="9525">
                   <a:solidFill>
                     <a:srgbClr val="000000"/>
                   </a:solidFill>
@@ -23717,7 +23919,7 @@
             <p:nvPr>
               <p:extLst>
                 <p:ext uri="{386F3935-93C4-4BCD-93E2-E3B085C9AB24}">
-                  <p16:designElem xmlns:p16="http://schemas.microsoft.com/office/powerpoint/2015/main" xmlns="" val="1"/>
+                  <p16:designElem xmlns="" xmlns:p16="http://schemas.microsoft.com/office/powerpoint/2015/main" val="1"/>
                 </p:ext>
               </p:extLst>
             </p:nvPr>
@@ -23792,7 +23994,7 @@
             </a:ln>
             <a:extLst>
               <a:ext uri="{91240B29-F687-4f45-9708-019B960494DF}">
-                <a14:hiddenLine xmlns:a14="http://schemas.microsoft.com/office/drawing/2010/main" xmlns="" w="9525">
+                <a14:hiddenLine xmlns="" xmlns:a14="http://schemas.microsoft.com/office/drawing/2010/main" w="9525">
                   <a:solidFill>
                     <a:srgbClr val="000000"/>
                   </a:solidFill>
@@ -23813,7 +24015,7 @@
             <p:nvPr>
               <p:extLst>
                 <p:ext uri="{386F3935-93C4-4BCD-93E2-E3B085C9AB24}">
-                  <p16:designElem xmlns:p16="http://schemas.microsoft.com/office/powerpoint/2015/main" xmlns="" val="1"/>
+                  <p16:designElem xmlns="" xmlns:p16="http://schemas.microsoft.com/office/powerpoint/2015/main" val="1"/>
                 </p:ext>
               </p:extLst>
             </p:nvPr>
@@ -23832,7 +24034,7 @@
             </a:ln>
             <a:extLst>
               <a:ext uri="{91240B29-F687-4f45-9708-019B960494DF}">
-                <a14:hiddenLine xmlns:a14="http://schemas.microsoft.com/office/drawing/2010/main" xmlns="" w="9525">
+                <a14:hiddenLine xmlns="" xmlns:a14="http://schemas.microsoft.com/office/drawing/2010/main" w="9525">
                   <a:solidFill>
                     <a:srgbClr val="000000"/>
                   </a:solidFill>
@@ -23853,7 +24055,7 @@
             <p:nvPr>
               <p:extLst>
                 <p:ext uri="{386F3935-93C4-4BCD-93E2-E3B085C9AB24}">
-                  <p16:designElem xmlns:p16="http://schemas.microsoft.com/office/powerpoint/2015/main" xmlns="" val="1"/>
+                  <p16:designElem xmlns="" xmlns:p16="http://schemas.microsoft.com/office/powerpoint/2015/main" val="1"/>
                 </p:ext>
               </p:extLst>
             </p:nvPr>
@@ -23928,7 +24130,7 @@
             </a:ln>
             <a:extLst>
               <a:ext uri="{91240B29-F687-4f45-9708-019B960494DF}">
-                <a14:hiddenLine xmlns:a14="http://schemas.microsoft.com/office/drawing/2010/main" xmlns="" w="9525">
+                <a14:hiddenLine xmlns="" xmlns:a14="http://schemas.microsoft.com/office/drawing/2010/main" w="9525">
                   <a:solidFill>
                     <a:srgbClr val="000000"/>
                   </a:solidFill>
@@ -23947,7 +24149,7 @@
             <p:nvPr>
               <p:extLst>
                 <p:ext uri="{386F3935-93C4-4BCD-93E2-E3B085C9AB24}">
-                  <p16:designElem xmlns:p16="http://schemas.microsoft.com/office/powerpoint/2015/main" xmlns="" val="1"/>
+                  <p16:designElem xmlns="" xmlns:p16="http://schemas.microsoft.com/office/powerpoint/2015/main" val="1"/>
                 </p:ext>
               </p:extLst>
             </p:nvPr>
@@ -23996,7 +24198,7 @@
             </a:ln>
             <a:extLst>
               <a:ext uri="{91240B29-F687-4f45-9708-019B960494DF}">
-                <a14:hiddenLine xmlns:a14="http://schemas.microsoft.com/office/drawing/2010/main" xmlns="" w="9525">
+                <a14:hiddenLine xmlns="" xmlns:a14="http://schemas.microsoft.com/office/drawing/2010/main" w="9525">
                   <a:solidFill>
                     <a:srgbClr val="000000"/>
                   </a:solidFill>
@@ -24015,7 +24217,7 @@
             <p:nvPr>
               <p:extLst>
                 <p:ext uri="{386F3935-93C4-4BCD-93E2-E3B085C9AB24}">
-                  <p16:designElem xmlns:p16="http://schemas.microsoft.com/office/powerpoint/2015/main" xmlns="" val="1"/>
+                  <p16:designElem xmlns="" xmlns:p16="http://schemas.microsoft.com/office/powerpoint/2015/main" val="1"/>
                 </p:ext>
               </p:extLst>
             </p:nvPr>
@@ -24064,7 +24266,7 @@
             </a:ln>
             <a:extLst>
               <a:ext uri="{91240B29-F687-4f45-9708-019B960494DF}">
-                <a14:hiddenLine xmlns:a14="http://schemas.microsoft.com/office/drawing/2010/main" xmlns="" w="9525">
+                <a14:hiddenLine xmlns="" xmlns:a14="http://schemas.microsoft.com/office/drawing/2010/main" w="9525">
                   <a:solidFill>
                     <a:srgbClr val="000000"/>
                   </a:solidFill>
@@ -24085,7 +24287,7 @@
             <p:nvPr>
               <p:extLst>
                 <p:ext uri="{386F3935-93C4-4BCD-93E2-E3B085C9AB24}">
-                  <p16:designElem xmlns:p16="http://schemas.microsoft.com/office/powerpoint/2015/main" xmlns="" val="1"/>
+                  <p16:designElem xmlns="" xmlns:p16="http://schemas.microsoft.com/office/powerpoint/2015/main" val="1"/>
                 </p:ext>
               </p:extLst>
             </p:nvPr>
@@ -24160,7 +24362,7 @@
             </a:ln>
             <a:extLst>
               <a:ext uri="{91240B29-F687-4f45-9708-019B960494DF}">
-                <a14:hiddenLine xmlns:a14="http://schemas.microsoft.com/office/drawing/2010/main" xmlns="" w="9525">
+                <a14:hiddenLine xmlns="" xmlns:a14="http://schemas.microsoft.com/office/drawing/2010/main" w="9525">
                   <a:solidFill>
                     <a:srgbClr val="000000"/>
                   </a:solidFill>
@@ -24179,7 +24381,7 @@
             <p:nvPr>
               <p:extLst>
                 <p:ext uri="{386F3935-93C4-4BCD-93E2-E3B085C9AB24}">
-                  <p16:designElem xmlns:p16="http://schemas.microsoft.com/office/powerpoint/2015/main" xmlns="" val="1"/>
+                  <p16:designElem xmlns="" xmlns:p16="http://schemas.microsoft.com/office/powerpoint/2015/main" val="1"/>
                 </p:ext>
               </p:extLst>
             </p:nvPr>
@@ -24228,7 +24430,7 @@
             </a:ln>
             <a:extLst>
               <a:ext uri="{91240B29-F687-4f45-9708-019B960494DF}">
-                <a14:hiddenLine xmlns:a14="http://schemas.microsoft.com/office/drawing/2010/main" xmlns="" w="9525">
+                <a14:hiddenLine xmlns="" xmlns:a14="http://schemas.microsoft.com/office/drawing/2010/main" w="9525">
                   <a:solidFill>
                     <a:srgbClr val="000000"/>
                   </a:solidFill>
@@ -24247,7 +24449,7 @@
             <p:nvPr>
               <p:extLst>
                 <p:ext uri="{386F3935-93C4-4BCD-93E2-E3B085C9AB24}">
-                  <p16:designElem xmlns:p16="http://schemas.microsoft.com/office/powerpoint/2015/main" xmlns="" val="1"/>
+                  <p16:designElem xmlns="" xmlns:p16="http://schemas.microsoft.com/office/powerpoint/2015/main" val="1"/>
                 </p:ext>
               </p:extLst>
             </p:nvPr>
@@ -24296,7 +24498,7 @@
             </a:ln>
             <a:extLst>
               <a:ext uri="{91240B29-F687-4f45-9708-019B960494DF}">
-                <a14:hiddenLine xmlns:a14="http://schemas.microsoft.com/office/drawing/2010/main" xmlns="" w="9525">
+                <a14:hiddenLine xmlns="" xmlns:a14="http://schemas.microsoft.com/office/drawing/2010/main" w="9525">
                   <a:solidFill>
                     <a:srgbClr val="000000"/>
                   </a:solidFill>
@@ -24317,7 +24519,7 @@
             <p:nvPr>
               <p:extLst>
                 <p:ext uri="{386F3935-93C4-4BCD-93E2-E3B085C9AB24}">
-                  <p16:designElem xmlns:p16="http://schemas.microsoft.com/office/powerpoint/2015/main" xmlns="" val="1"/>
+                  <p16:designElem xmlns="" xmlns:p16="http://schemas.microsoft.com/office/powerpoint/2015/main" val="1"/>
                 </p:ext>
               </p:extLst>
             </p:nvPr>
@@ -24392,7 +24594,7 @@
             </a:ln>
             <a:extLst>
               <a:ext uri="{91240B29-F687-4f45-9708-019B960494DF}">
-                <a14:hiddenLine xmlns:a14="http://schemas.microsoft.com/office/drawing/2010/main" xmlns="" w="9525">
+                <a14:hiddenLine xmlns="" xmlns:a14="http://schemas.microsoft.com/office/drawing/2010/main" w="9525">
                   <a:solidFill>
                     <a:srgbClr val="000000"/>
                   </a:solidFill>
@@ -24413,7 +24615,7 @@
             <p:nvPr>
               <p:extLst>
                 <p:ext uri="{386F3935-93C4-4BCD-93E2-E3B085C9AB24}">
-                  <p16:designElem xmlns:p16="http://schemas.microsoft.com/office/powerpoint/2015/main" xmlns="" val="1"/>
+                  <p16:designElem xmlns="" xmlns:p16="http://schemas.microsoft.com/office/powerpoint/2015/main" val="1"/>
                 </p:ext>
               </p:extLst>
             </p:nvPr>
@@ -24488,7 +24690,7 @@
             </a:ln>
             <a:extLst>
               <a:ext uri="{91240B29-F687-4f45-9708-019B960494DF}">
-                <a14:hiddenLine xmlns:a14="http://schemas.microsoft.com/office/drawing/2010/main" xmlns="" w="9525">
+                <a14:hiddenLine xmlns="" xmlns:a14="http://schemas.microsoft.com/office/drawing/2010/main" w="9525">
                   <a:solidFill>
                     <a:srgbClr val="000000"/>
                   </a:solidFill>
@@ -24507,7 +24709,7 @@
             <p:nvPr>
               <p:extLst>
                 <p:ext uri="{386F3935-93C4-4BCD-93E2-E3B085C9AB24}">
-                  <p16:designElem xmlns:p16="http://schemas.microsoft.com/office/powerpoint/2015/main" xmlns="" val="1"/>
+                  <p16:designElem xmlns="" xmlns:p16="http://schemas.microsoft.com/office/powerpoint/2015/main" val="1"/>
                 </p:ext>
               </p:extLst>
             </p:nvPr>
@@ -24556,7 +24758,7 @@
             </a:ln>
             <a:extLst>
               <a:ext uri="{91240B29-F687-4f45-9708-019B960494DF}">
-                <a14:hiddenLine xmlns:a14="http://schemas.microsoft.com/office/drawing/2010/main" xmlns="" w="9525">
+                <a14:hiddenLine xmlns="" xmlns:a14="http://schemas.microsoft.com/office/drawing/2010/main" w="9525">
                   <a:solidFill>
                     <a:srgbClr val="000000"/>
                   </a:solidFill>
@@ -24577,7 +24779,7 @@
             <p:nvPr>
               <p:extLst>
                 <p:ext uri="{386F3935-93C4-4BCD-93E2-E3B085C9AB24}">
-                  <p16:designElem xmlns:p16="http://schemas.microsoft.com/office/powerpoint/2015/main" xmlns="" val="1"/>
+                  <p16:designElem xmlns="" xmlns:p16="http://schemas.microsoft.com/office/powerpoint/2015/main" val="1"/>
                 </p:ext>
               </p:extLst>
             </p:nvPr>
@@ -24672,7 +24874,7 @@
             </a:ln>
             <a:extLst>
               <a:ext uri="{91240B29-F687-4f45-9708-019B960494DF}">
-                <a14:hiddenLine xmlns:a14="http://schemas.microsoft.com/office/drawing/2010/main" xmlns="" w="9525">
+                <a14:hiddenLine xmlns="" xmlns:a14="http://schemas.microsoft.com/office/drawing/2010/main" w="9525">
                   <a:solidFill>
                     <a:srgbClr val="000000"/>
                   </a:solidFill>
@@ -24691,7 +24893,7 @@
             <p:nvPr>
               <p:extLst>
                 <p:ext uri="{386F3935-93C4-4BCD-93E2-E3B085C9AB24}">
-                  <p16:designElem xmlns:p16="http://schemas.microsoft.com/office/powerpoint/2015/main" xmlns="" val="1"/>
+                  <p16:designElem xmlns="" xmlns:p16="http://schemas.microsoft.com/office/powerpoint/2015/main" val="1"/>
                 </p:ext>
               </p:extLst>
             </p:nvPr>
@@ -24740,7 +24942,7 @@
             </a:ln>
             <a:extLst>
               <a:ext uri="{91240B29-F687-4f45-9708-019B960494DF}">
-                <a14:hiddenLine xmlns:a14="http://schemas.microsoft.com/office/drawing/2010/main" xmlns="" w="9525">
+                <a14:hiddenLine xmlns="" xmlns:a14="http://schemas.microsoft.com/office/drawing/2010/main" w="9525">
                   <a:solidFill>
                     <a:srgbClr val="000000"/>
                   </a:solidFill>
@@ -24761,7 +24963,7 @@
             <p:nvPr>
               <p:extLst>
                 <p:ext uri="{386F3935-93C4-4BCD-93E2-E3B085C9AB24}">
-                  <p16:designElem xmlns:p16="http://schemas.microsoft.com/office/powerpoint/2015/main" xmlns="" val="1"/>
+                  <p16:designElem xmlns="" xmlns:p16="http://schemas.microsoft.com/office/powerpoint/2015/main" val="1"/>
                 </p:ext>
               </p:extLst>
             </p:nvPr>
@@ -24836,7 +25038,7 @@
             </a:ln>
             <a:extLst>
               <a:ext uri="{91240B29-F687-4f45-9708-019B960494DF}">
-                <a14:hiddenLine xmlns:a14="http://schemas.microsoft.com/office/drawing/2010/main" xmlns="" w="9525">
+                <a14:hiddenLine xmlns="" xmlns:a14="http://schemas.microsoft.com/office/drawing/2010/main" w="9525">
                   <a:solidFill>
                     <a:srgbClr val="000000"/>
                   </a:solidFill>
@@ -24857,7 +25059,7 @@
             <p:nvPr>
               <p:extLst>
                 <p:ext uri="{386F3935-93C4-4BCD-93E2-E3B085C9AB24}">
-                  <p16:designElem xmlns:p16="http://schemas.microsoft.com/office/powerpoint/2015/main" xmlns="" val="1"/>
+                  <p16:designElem xmlns="" xmlns:p16="http://schemas.microsoft.com/office/powerpoint/2015/main" val="1"/>
                 </p:ext>
               </p:extLst>
             </p:nvPr>
@@ -24932,7 +25134,7 @@
             </a:ln>
             <a:extLst>
               <a:ext uri="{91240B29-F687-4f45-9708-019B960494DF}">
-                <a14:hiddenLine xmlns:a14="http://schemas.microsoft.com/office/drawing/2010/main" xmlns="" w="9525">
+                <a14:hiddenLine xmlns="" xmlns:a14="http://schemas.microsoft.com/office/drawing/2010/main" w="9525">
                   <a:solidFill>
                     <a:srgbClr val="000000"/>
                   </a:solidFill>
@@ -24951,7 +25153,7 @@
             <p:nvPr>
               <p:extLst>
                 <p:ext uri="{386F3935-93C4-4BCD-93E2-E3B085C9AB24}">
-                  <p16:designElem xmlns:p16="http://schemas.microsoft.com/office/powerpoint/2015/main" xmlns="" val="1"/>
+                  <p16:designElem xmlns="" xmlns:p16="http://schemas.microsoft.com/office/powerpoint/2015/main" val="1"/>
                 </p:ext>
               </p:extLst>
             </p:nvPr>
@@ -25000,7 +25202,7 @@
             </a:ln>
             <a:extLst>
               <a:ext uri="{91240B29-F687-4f45-9708-019B960494DF}">
-                <a14:hiddenLine xmlns:a14="http://schemas.microsoft.com/office/drawing/2010/main" xmlns="" w="9525">
+                <a14:hiddenLine xmlns="" xmlns:a14="http://schemas.microsoft.com/office/drawing/2010/main" w="9525">
                   <a:solidFill>
                     <a:srgbClr val="000000"/>
                   </a:solidFill>
@@ -25021,7 +25223,7 @@
             <p:nvPr>
               <p:extLst>
                 <p:ext uri="{386F3935-93C4-4BCD-93E2-E3B085C9AB24}">
-                  <p16:designElem xmlns:p16="http://schemas.microsoft.com/office/powerpoint/2015/main" xmlns="" val="1"/>
+                  <p16:designElem xmlns="" xmlns:p16="http://schemas.microsoft.com/office/powerpoint/2015/main" val="1"/>
                 </p:ext>
               </p:extLst>
             </p:nvPr>
@@ -25096,7 +25298,7 @@
             </a:ln>
             <a:extLst>
               <a:ext uri="{91240B29-F687-4f45-9708-019B960494DF}">
-                <a14:hiddenLine xmlns:a14="http://schemas.microsoft.com/office/drawing/2010/main" xmlns="" w="9525">
+                <a14:hiddenLine xmlns="" xmlns:a14="http://schemas.microsoft.com/office/drawing/2010/main" w="9525">
                   <a:solidFill>
                     <a:srgbClr val="000000"/>
                   </a:solidFill>
@@ -25117,7 +25319,7 @@
             <p:nvPr>
               <p:extLst>
                 <p:ext uri="{386F3935-93C4-4BCD-93E2-E3B085C9AB24}">
-                  <p16:designElem xmlns:p16="http://schemas.microsoft.com/office/powerpoint/2015/main" xmlns="" val="1"/>
+                  <p16:designElem xmlns="" xmlns:p16="http://schemas.microsoft.com/office/powerpoint/2015/main" val="1"/>
                 </p:ext>
               </p:extLst>
             </p:nvPr>
@@ -25192,7 +25394,7 @@
             </a:ln>
             <a:extLst>
               <a:ext uri="{91240B29-F687-4f45-9708-019B960494DF}">
-                <a14:hiddenLine xmlns:a14="http://schemas.microsoft.com/office/drawing/2010/main" xmlns="" w="9525">
+                <a14:hiddenLine xmlns="" xmlns:a14="http://schemas.microsoft.com/office/drawing/2010/main" w="9525">
                   <a:solidFill>
                     <a:srgbClr val="000000"/>
                   </a:solidFill>
@@ -25211,7 +25413,7 @@
             <p:nvPr>
               <p:extLst>
                 <p:ext uri="{386F3935-93C4-4BCD-93E2-E3B085C9AB24}">
-                  <p16:designElem xmlns:p16="http://schemas.microsoft.com/office/powerpoint/2015/main" xmlns="" val="1"/>
+                  <p16:designElem xmlns="" xmlns:p16="http://schemas.microsoft.com/office/powerpoint/2015/main" val="1"/>
                 </p:ext>
               </p:extLst>
             </p:nvPr>
@@ -25254,7 +25456,7 @@
             </a:ln>
             <a:extLst>
               <a:ext uri="{91240B29-F687-4f45-9708-019B960494DF}">
-                <a14:hiddenLine xmlns:a14="http://schemas.microsoft.com/office/drawing/2010/main" xmlns="" w="9525">
+                <a14:hiddenLine xmlns="" xmlns:a14="http://schemas.microsoft.com/office/drawing/2010/main" w="9525">
                   <a:solidFill>
                     <a:srgbClr val="000000"/>
                   </a:solidFill>
@@ -25275,7 +25477,7 @@
             <p:nvPr>
               <p:extLst>
                 <p:ext uri="{386F3935-93C4-4BCD-93E2-E3B085C9AB24}">
-                  <p16:designElem xmlns:p16="http://schemas.microsoft.com/office/powerpoint/2015/main" xmlns="" val="1"/>
+                  <p16:designElem xmlns="" xmlns:p16="http://schemas.microsoft.com/office/powerpoint/2015/main" val="1"/>
                 </p:ext>
               </p:extLst>
             </p:nvPr>
@@ -25350,7 +25552,7 @@
             </a:ln>
             <a:extLst>
               <a:ext uri="{91240B29-F687-4f45-9708-019B960494DF}">
-                <a14:hiddenLine xmlns:a14="http://schemas.microsoft.com/office/drawing/2010/main" xmlns="" w="9525">
+                <a14:hiddenLine xmlns="" xmlns:a14="http://schemas.microsoft.com/office/drawing/2010/main" w="9525">
                   <a:solidFill>
                     <a:srgbClr val="000000"/>
                   </a:solidFill>
@@ -25369,7 +25571,7 @@
             <p:nvPr>
               <p:extLst>
                 <p:ext uri="{386F3935-93C4-4BCD-93E2-E3B085C9AB24}">
-                  <p16:designElem xmlns:p16="http://schemas.microsoft.com/office/powerpoint/2015/main" xmlns="" val="1"/>
+                  <p16:designElem xmlns="" xmlns:p16="http://schemas.microsoft.com/office/powerpoint/2015/main" val="1"/>
                 </p:ext>
               </p:extLst>
             </p:nvPr>
@@ -25412,7 +25614,7 @@
             </a:ln>
             <a:extLst>
               <a:ext uri="{91240B29-F687-4f45-9708-019B960494DF}">
-                <a14:hiddenLine xmlns:a14="http://schemas.microsoft.com/office/drawing/2010/main" xmlns="" w="9525">
+                <a14:hiddenLine xmlns="" xmlns:a14="http://schemas.microsoft.com/office/drawing/2010/main" w="9525">
                   <a:solidFill>
                     <a:srgbClr val="000000"/>
                   </a:solidFill>
@@ -25433,7 +25635,7 @@
             <p:nvPr>
               <p:extLst>
                 <p:ext uri="{386F3935-93C4-4BCD-93E2-E3B085C9AB24}">
-                  <p16:designElem xmlns:p16="http://schemas.microsoft.com/office/powerpoint/2015/main" xmlns="" val="1"/>
+                  <p16:designElem xmlns="" xmlns:p16="http://schemas.microsoft.com/office/powerpoint/2015/main" val="1"/>
                 </p:ext>
               </p:extLst>
             </p:nvPr>
@@ -25508,7 +25710,7 @@
             </a:ln>
             <a:extLst>
               <a:ext uri="{91240B29-F687-4f45-9708-019B960494DF}">
-                <a14:hiddenLine xmlns:a14="http://schemas.microsoft.com/office/drawing/2010/main" xmlns="" w="9525">
+                <a14:hiddenLine xmlns="" xmlns:a14="http://schemas.microsoft.com/office/drawing/2010/main" w="9525">
                   <a:solidFill>
                     <a:srgbClr val="000000"/>
                   </a:solidFill>
@@ -25527,7 +25729,7 @@
             <p:nvPr>
               <p:extLst>
                 <p:ext uri="{386F3935-93C4-4BCD-93E2-E3B085C9AB24}">
-                  <p16:designElem xmlns:p16="http://schemas.microsoft.com/office/powerpoint/2015/main" xmlns="" val="1"/>
+                  <p16:designElem xmlns="" xmlns:p16="http://schemas.microsoft.com/office/powerpoint/2015/main" val="1"/>
                 </p:ext>
               </p:extLst>
             </p:nvPr>
@@ -25582,7 +25784,7 @@
             </a:ln>
             <a:extLst>
               <a:ext uri="{91240B29-F687-4f45-9708-019B960494DF}">
-                <a14:hiddenLine xmlns:a14="http://schemas.microsoft.com/office/drawing/2010/main" xmlns="" w="9525">
+                <a14:hiddenLine xmlns="" xmlns:a14="http://schemas.microsoft.com/office/drawing/2010/main" w="9525">
                   <a:solidFill>
                     <a:srgbClr val="000000"/>
                   </a:solidFill>
@@ -25603,7 +25805,7 @@
             <p:nvPr>
               <p:extLst>
                 <p:ext uri="{386F3935-93C4-4BCD-93E2-E3B085C9AB24}">
-                  <p16:designElem xmlns:p16="http://schemas.microsoft.com/office/powerpoint/2015/main" xmlns="" val="1"/>
+                  <p16:designElem xmlns="" xmlns:p16="http://schemas.microsoft.com/office/powerpoint/2015/main" val="1"/>
                 </p:ext>
               </p:extLst>
             </p:nvPr>
@@ -25678,7 +25880,7 @@
             </a:ln>
             <a:extLst>
               <a:ext uri="{91240B29-F687-4f45-9708-019B960494DF}">
-                <a14:hiddenLine xmlns:a14="http://schemas.microsoft.com/office/drawing/2010/main" xmlns="" w="9525">
+                <a14:hiddenLine xmlns="" xmlns:a14="http://schemas.microsoft.com/office/drawing/2010/main" w="9525">
                   <a:solidFill>
                     <a:srgbClr val="000000"/>
                   </a:solidFill>
@@ -25697,7 +25899,7 @@
             <p:nvPr>
               <p:extLst>
                 <p:ext uri="{386F3935-93C4-4BCD-93E2-E3B085C9AB24}">
-                  <p16:designElem xmlns:p16="http://schemas.microsoft.com/office/powerpoint/2015/main" xmlns="" val="1"/>
+                  <p16:designElem xmlns="" xmlns:p16="http://schemas.microsoft.com/office/powerpoint/2015/main" val="1"/>
                 </p:ext>
               </p:extLst>
             </p:nvPr>
@@ -25752,7 +25954,7 @@
             </a:ln>
             <a:extLst>
               <a:ext uri="{91240B29-F687-4f45-9708-019B960494DF}">
-                <a14:hiddenLine xmlns:a14="http://schemas.microsoft.com/office/drawing/2010/main" xmlns="" w="9525">
+                <a14:hiddenLine xmlns="" xmlns:a14="http://schemas.microsoft.com/office/drawing/2010/main" w="9525">
                   <a:solidFill>
                     <a:srgbClr val="000000"/>
                   </a:solidFill>
@@ -25773,7 +25975,7 @@
             <p:nvPr>
               <p:extLst>
                 <p:ext uri="{386F3935-93C4-4BCD-93E2-E3B085C9AB24}">
-                  <p16:designElem xmlns:p16="http://schemas.microsoft.com/office/powerpoint/2015/main" xmlns="" val="1"/>
+                  <p16:designElem xmlns="" xmlns:p16="http://schemas.microsoft.com/office/powerpoint/2015/main" val="1"/>
                 </p:ext>
               </p:extLst>
             </p:nvPr>
@@ -25848,7 +26050,7 @@
             </a:ln>
             <a:extLst>
               <a:ext uri="{91240B29-F687-4f45-9708-019B960494DF}">
-                <a14:hiddenLine xmlns:a14="http://schemas.microsoft.com/office/drawing/2010/main" xmlns="" w="9525">
+                <a14:hiddenLine xmlns="" xmlns:a14="http://schemas.microsoft.com/office/drawing/2010/main" w="9525">
                   <a:solidFill>
                     <a:srgbClr val="000000"/>
                   </a:solidFill>
@@ -25869,7 +26071,7 @@
             <p:nvPr>
               <p:extLst>
                 <p:ext uri="{386F3935-93C4-4BCD-93E2-E3B085C9AB24}">
-                  <p16:designElem xmlns:p16="http://schemas.microsoft.com/office/powerpoint/2015/main" xmlns="" val="1"/>
+                  <p16:designElem xmlns="" xmlns:p16="http://schemas.microsoft.com/office/powerpoint/2015/main" val="1"/>
                 </p:ext>
               </p:extLst>
             </p:nvPr>
@@ -25888,7 +26090,7 @@
             </a:ln>
             <a:extLst>
               <a:ext uri="{91240B29-F687-4f45-9708-019B960494DF}">
-                <a14:hiddenLine xmlns:a14="http://schemas.microsoft.com/office/drawing/2010/main" xmlns="" w="9525">
+                <a14:hiddenLine xmlns="" xmlns:a14="http://schemas.microsoft.com/office/drawing/2010/main" w="9525">
                   <a:solidFill>
                     <a:srgbClr val="000000"/>
                   </a:solidFill>
@@ -25909,7 +26111,7 @@
             <p:nvPr>
               <p:extLst>
                 <p:ext uri="{386F3935-93C4-4BCD-93E2-E3B085C9AB24}">
-                  <p16:designElem xmlns:p16="http://schemas.microsoft.com/office/powerpoint/2015/main" xmlns="" val="1"/>
+                  <p16:designElem xmlns="" xmlns:p16="http://schemas.microsoft.com/office/powerpoint/2015/main" val="1"/>
                 </p:ext>
               </p:extLst>
             </p:nvPr>
@@ -25984,7 +26186,7 @@
             </a:ln>
             <a:extLst>
               <a:ext uri="{91240B29-F687-4f45-9708-019B960494DF}">
-                <a14:hiddenLine xmlns:a14="http://schemas.microsoft.com/office/drawing/2010/main" xmlns="" w="9525">
+                <a14:hiddenLine xmlns="" xmlns:a14="http://schemas.microsoft.com/office/drawing/2010/main" w="9525">
                   <a:solidFill>
                     <a:srgbClr val="000000"/>
                   </a:solidFill>
@@ -26003,7 +26205,7 @@
             <p:nvPr>
               <p:extLst>
                 <p:ext uri="{386F3935-93C4-4BCD-93E2-E3B085C9AB24}">
-                  <p16:designElem xmlns:p16="http://schemas.microsoft.com/office/powerpoint/2015/main" xmlns="" val="1"/>
+                  <p16:designElem xmlns="" xmlns:p16="http://schemas.microsoft.com/office/powerpoint/2015/main" val="1"/>
                 </p:ext>
               </p:extLst>
             </p:nvPr>
@@ -26052,7 +26254,7 @@
             </a:ln>
             <a:extLst>
               <a:ext uri="{91240B29-F687-4f45-9708-019B960494DF}">
-                <a14:hiddenLine xmlns:a14="http://schemas.microsoft.com/office/drawing/2010/main" xmlns="" w="9525">
+                <a14:hiddenLine xmlns="" xmlns:a14="http://schemas.microsoft.com/office/drawing/2010/main" w="9525">
                   <a:solidFill>
                     <a:srgbClr val="000000"/>
                   </a:solidFill>
@@ -26071,7 +26273,7 @@
             <p:nvPr>
               <p:extLst>
                 <p:ext uri="{386F3935-93C4-4BCD-93E2-E3B085C9AB24}">
-                  <p16:designElem xmlns:p16="http://schemas.microsoft.com/office/powerpoint/2015/main" xmlns="" val="1"/>
+                  <p16:designElem xmlns="" xmlns:p16="http://schemas.microsoft.com/office/powerpoint/2015/main" val="1"/>
                 </p:ext>
               </p:extLst>
             </p:nvPr>
@@ -26120,7 +26322,7 @@
             </a:ln>
             <a:extLst>
               <a:ext uri="{91240B29-F687-4f45-9708-019B960494DF}">
-                <a14:hiddenLine xmlns:a14="http://schemas.microsoft.com/office/drawing/2010/main" xmlns="" w="9525">
+                <a14:hiddenLine xmlns="" xmlns:a14="http://schemas.microsoft.com/office/drawing/2010/main" w="9525">
                   <a:solidFill>
                     <a:srgbClr val="000000"/>
                   </a:solidFill>
@@ -26141,7 +26343,7 @@
             <p:nvPr>
               <p:extLst>
                 <p:ext uri="{386F3935-93C4-4BCD-93E2-E3B085C9AB24}">
-                  <p16:designElem xmlns:p16="http://schemas.microsoft.com/office/powerpoint/2015/main" xmlns="" val="1"/>
+                  <p16:designElem xmlns="" xmlns:p16="http://schemas.microsoft.com/office/powerpoint/2015/main" val="1"/>
                 </p:ext>
               </p:extLst>
             </p:nvPr>
@@ -26216,7 +26418,7 @@
             </a:ln>
             <a:extLst>
               <a:ext uri="{91240B29-F687-4f45-9708-019B960494DF}">
-                <a14:hiddenLine xmlns:a14="http://schemas.microsoft.com/office/drawing/2010/main" xmlns="" w="9525">
+                <a14:hiddenLine xmlns="" xmlns:a14="http://schemas.microsoft.com/office/drawing/2010/main" w="9525">
                   <a:solidFill>
                     <a:srgbClr val="000000"/>
                   </a:solidFill>
@@ -26235,7 +26437,7 @@
             <p:nvPr>
               <p:extLst>
                 <p:ext uri="{386F3935-93C4-4BCD-93E2-E3B085C9AB24}">
-                  <p16:designElem xmlns:p16="http://schemas.microsoft.com/office/powerpoint/2015/main" xmlns="" val="1"/>
+                  <p16:designElem xmlns="" xmlns:p16="http://schemas.microsoft.com/office/powerpoint/2015/main" val="1"/>
                 </p:ext>
               </p:extLst>
             </p:nvPr>
@@ -26290,7 +26492,7 @@
             </a:ln>
             <a:extLst>
               <a:ext uri="{91240B29-F687-4f45-9708-019B960494DF}">
-                <a14:hiddenLine xmlns:a14="http://schemas.microsoft.com/office/drawing/2010/main" xmlns="" w="9525">
+                <a14:hiddenLine xmlns="" xmlns:a14="http://schemas.microsoft.com/office/drawing/2010/main" w="9525">
                   <a:solidFill>
                     <a:srgbClr val="000000"/>
                   </a:solidFill>
@@ -26309,7 +26511,7 @@
             <p:nvPr>
               <p:extLst>
                 <p:ext uri="{386F3935-93C4-4BCD-93E2-E3B085C9AB24}">
-                  <p16:designElem xmlns:p16="http://schemas.microsoft.com/office/powerpoint/2015/main" xmlns="" val="1"/>
+                  <p16:designElem xmlns="" xmlns:p16="http://schemas.microsoft.com/office/powerpoint/2015/main" val="1"/>
                 </p:ext>
               </p:extLst>
             </p:nvPr>
@@ -26358,7 +26560,7 @@
             </a:ln>
             <a:extLst>
               <a:ext uri="{91240B29-F687-4f45-9708-019B960494DF}">
-                <a14:hiddenLine xmlns:a14="http://schemas.microsoft.com/office/drawing/2010/main" xmlns="" w="9525">
+                <a14:hiddenLine xmlns="" xmlns:a14="http://schemas.microsoft.com/office/drawing/2010/main" w="9525">
                   <a:solidFill>
                     <a:srgbClr val="000000"/>
                   </a:solidFill>
@@ -26379,7 +26581,7 @@
             <p:nvPr>
               <p:extLst>
                 <p:ext uri="{386F3935-93C4-4BCD-93E2-E3B085C9AB24}">
-                  <p16:designElem xmlns:p16="http://schemas.microsoft.com/office/powerpoint/2015/main" xmlns="" val="1"/>
+                  <p16:designElem xmlns="" xmlns:p16="http://schemas.microsoft.com/office/powerpoint/2015/main" val="1"/>
                 </p:ext>
               </p:extLst>
             </p:nvPr>
@@ -26454,7 +26656,7 @@
             </a:ln>
             <a:extLst>
               <a:ext uri="{91240B29-F687-4f45-9708-019B960494DF}">
-                <a14:hiddenLine xmlns:a14="http://schemas.microsoft.com/office/drawing/2010/main" xmlns="" w="9525">
+                <a14:hiddenLine xmlns="" xmlns:a14="http://schemas.microsoft.com/office/drawing/2010/main" w="9525">
                   <a:solidFill>
                     <a:srgbClr val="000000"/>
                   </a:solidFill>
@@ -26473,7 +26675,7 @@
             <p:nvPr>
               <p:extLst>
                 <p:ext uri="{386F3935-93C4-4BCD-93E2-E3B085C9AB24}">
-                  <p16:designElem xmlns:p16="http://schemas.microsoft.com/office/powerpoint/2015/main" xmlns="" val="1"/>
+                  <p16:designElem xmlns="" xmlns:p16="http://schemas.microsoft.com/office/powerpoint/2015/main" val="1"/>
                 </p:ext>
               </p:extLst>
             </p:nvPr>
@@ -26522,7 +26724,7 @@
             </a:ln>
             <a:extLst>
               <a:ext uri="{91240B29-F687-4f45-9708-019B960494DF}">
-                <a14:hiddenLine xmlns:a14="http://schemas.microsoft.com/office/drawing/2010/main" xmlns="" w="9525">
+                <a14:hiddenLine xmlns="" xmlns:a14="http://schemas.microsoft.com/office/drawing/2010/main" w="9525">
                   <a:solidFill>
                     <a:srgbClr val="000000"/>
                   </a:solidFill>
@@ -26543,7 +26745,7 @@
             <p:nvPr>
               <p:extLst>
                 <p:ext uri="{386F3935-93C4-4BCD-93E2-E3B085C9AB24}">
-                  <p16:designElem xmlns:p16="http://schemas.microsoft.com/office/powerpoint/2015/main" xmlns="" val="1"/>
+                  <p16:designElem xmlns="" xmlns:p16="http://schemas.microsoft.com/office/powerpoint/2015/main" val="1"/>
                 </p:ext>
               </p:extLst>
             </p:nvPr>
@@ -26618,7 +26820,7 @@
             </a:ln>
             <a:extLst>
               <a:ext uri="{91240B29-F687-4f45-9708-019B960494DF}">
-                <a14:hiddenLine xmlns:a14="http://schemas.microsoft.com/office/drawing/2010/main" xmlns="" w="9525">
+                <a14:hiddenLine xmlns="" xmlns:a14="http://schemas.microsoft.com/office/drawing/2010/main" w="9525">
                   <a:solidFill>
                     <a:srgbClr val="000000"/>
                   </a:solidFill>
@@ -26637,7 +26839,7 @@
             <p:nvPr>
               <p:extLst>
                 <p:ext uri="{386F3935-93C4-4BCD-93E2-E3B085C9AB24}">
-                  <p16:designElem xmlns:p16="http://schemas.microsoft.com/office/powerpoint/2015/main" xmlns="" val="1"/>
+                  <p16:designElem xmlns="" xmlns:p16="http://schemas.microsoft.com/office/powerpoint/2015/main" val="1"/>
                 </p:ext>
               </p:extLst>
             </p:nvPr>
@@ -26686,7 +26888,7 @@
             </a:ln>
             <a:extLst>
               <a:ext uri="{91240B29-F687-4f45-9708-019B960494DF}">
-                <a14:hiddenLine xmlns:a14="http://schemas.microsoft.com/office/drawing/2010/main" xmlns="" w="9525">
+                <a14:hiddenLine xmlns="" xmlns:a14="http://schemas.microsoft.com/office/drawing/2010/main" w="9525">
                   <a:solidFill>
                     <a:srgbClr val="000000"/>
                   </a:solidFill>
@@ -26707,7 +26909,7 @@
             <p:nvPr>
               <p:extLst>
                 <p:ext uri="{386F3935-93C4-4BCD-93E2-E3B085C9AB24}">
-                  <p16:designElem xmlns:p16="http://schemas.microsoft.com/office/powerpoint/2015/main" xmlns="" val="1"/>
+                  <p16:designElem xmlns="" xmlns:p16="http://schemas.microsoft.com/office/powerpoint/2015/main" val="1"/>
                 </p:ext>
               </p:extLst>
             </p:nvPr>
@@ -26782,7 +26984,7 @@
             </a:ln>
             <a:extLst>
               <a:ext uri="{91240B29-F687-4f45-9708-019B960494DF}">
-                <a14:hiddenLine xmlns:a14="http://schemas.microsoft.com/office/drawing/2010/main" xmlns="" w="9525">
+                <a14:hiddenLine xmlns="" xmlns:a14="http://schemas.microsoft.com/office/drawing/2010/main" w="9525">
                   <a:solidFill>
                     <a:srgbClr val="000000"/>
                   </a:solidFill>
@@ -26803,7 +27005,7 @@
             <p:nvPr>
               <p:extLst>
                 <p:ext uri="{386F3935-93C4-4BCD-93E2-E3B085C9AB24}">
-                  <p16:designElem xmlns:p16="http://schemas.microsoft.com/office/powerpoint/2015/main" xmlns="" val="1"/>
+                  <p16:designElem xmlns="" xmlns:p16="http://schemas.microsoft.com/office/powerpoint/2015/main" val="1"/>
                 </p:ext>
               </p:extLst>
             </p:nvPr>
@@ -26822,7 +27024,7 @@
             </a:ln>
             <a:extLst>
               <a:ext uri="{91240B29-F687-4f45-9708-019B960494DF}">
-                <a14:hiddenLine xmlns:a14="http://schemas.microsoft.com/office/drawing/2010/main" xmlns="" w="9525">
+                <a14:hiddenLine xmlns="" xmlns:a14="http://schemas.microsoft.com/office/drawing/2010/main" w="9525">
                   <a:solidFill>
                     <a:srgbClr val="000000"/>
                   </a:solidFill>
@@ -26841,7 +27043,7 @@
             <p:nvPr>
               <p:extLst>
                 <p:ext uri="{386F3935-93C4-4BCD-93E2-E3B085C9AB24}">
-                  <p16:designElem xmlns:p16="http://schemas.microsoft.com/office/powerpoint/2015/main" xmlns="" val="1"/>
+                  <p16:designElem xmlns="" xmlns:p16="http://schemas.microsoft.com/office/powerpoint/2015/main" val="1"/>
                 </p:ext>
               </p:extLst>
             </p:nvPr>
@@ -26893,7 +27095,7 @@
             </a:ln>
             <a:extLst>
               <a:ext uri="{91240B29-F687-4f45-9708-019B960494DF}">
-                <a14:hiddenLine xmlns:a14="http://schemas.microsoft.com/office/drawing/2010/main" xmlns="" w="9525">
+                <a14:hiddenLine xmlns="" xmlns:a14="http://schemas.microsoft.com/office/drawing/2010/main" w="9525">
                   <a:solidFill>
                     <a:srgbClr val="000000"/>
                   </a:solidFill>
@@ -26914,7 +27116,7 @@
             <p:nvPr>
               <p:extLst>
                 <p:ext uri="{386F3935-93C4-4BCD-93E2-E3B085C9AB24}">
-                  <p16:designElem xmlns:p16="http://schemas.microsoft.com/office/powerpoint/2015/main" xmlns="" val="1"/>
+                  <p16:designElem xmlns="" xmlns:p16="http://schemas.microsoft.com/office/powerpoint/2015/main" val="1"/>
                 </p:ext>
               </p:extLst>
             </p:nvPr>
@@ -26989,7 +27191,7 @@
             </a:ln>
             <a:extLst>
               <a:ext uri="{91240B29-F687-4f45-9708-019B960494DF}">
-                <a14:hiddenLine xmlns:a14="http://schemas.microsoft.com/office/drawing/2010/main" xmlns="" w="9525">
+                <a14:hiddenLine xmlns="" xmlns:a14="http://schemas.microsoft.com/office/drawing/2010/main" w="9525">
                   <a:solidFill>
                     <a:srgbClr val="000000"/>
                   </a:solidFill>
@@ -27008,7 +27210,7 @@
             <p:nvPr>
               <p:extLst>
                 <p:ext uri="{386F3935-93C4-4BCD-93E2-E3B085C9AB24}">
-                  <p16:designElem xmlns:p16="http://schemas.microsoft.com/office/powerpoint/2015/main" xmlns="" val="1"/>
+                  <p16:designElem xmlns="" xmlns:p16="http://schemas.microsoft.com/office/powerpoint/2015/main" val="1"/>
                 </p:ext>
               </p:extLst>
             </p:nvPr>
@@ -27057,7 +27259,7 @@
             </a:ln>
             <a:extLst>
               <a:ext uri="{91240B29-F687-4f45-9708-019B960494DF}">
-                <a14:hiddenLine xmlns:a14="http://schemas.microsoft.com/office/drawing/2010/main" xmlns="" w="9525">
+                <a14:hiddenLine xmlns="" xmlns:a14="http://schemas.microsoft.com/office/drawing/2010/main" w="9525">
                   <a:solidFill>
                     <a:srgbClr val="000000"/>
                   </a:solidFill>
@@ -27078,7 +27280,7 @@
             <p:nvPr>
               <p:extLst>
                 <p:ext uri="{386F3935-93C4-4BCD-93E2-E3B085C9AB24}">
-                  <p16:designElem xmlns:p16="http://schemas.microsoft.com/office/powerpoint/2015/main" xmlns="" val="1"/>
+                  <p16:designElem xmlns="" xmlns:p16="http://schemas.microsoft.com/office/powerpoint/2015/main" val="1"/>
                 </p:ext>
               </p:extLst>
             </p:nvPr>
@@ -27153,7 +27355,7 @@
             </a:ln>
             <a:extLst>
               <a:ext uri="{91240B29-F687-4f45-9708-019B960494DF}">
-                <a14:hiddenLine xmlns:a14="http://schemas.microsoft.com/office/drawing/2010/main" xmlns="" w="9525">
+                <a14:hiddenLine xmlns="" xmlns:a14="http://schemas.microsoft.com/office/drawing/2010/main" w="9525">
                   <a:solidFill>
                     <a:srgbClr val="000000"/>
                   </a:solidFill>
@@ -27174,7 +27376,7 @@
             <p:nvPr>
               <p:extLst>
                 <p:ext uri="{386F3935-93C4-4BCD-93E2-E3B085C9AB24}">
-                  <p16:designElem xmlns:p16="http://schemas.microsoft.com/office/powerpoint/2015/main" xmlns="" val="1"/>
+                  <p16:designElem xmlns="" xmlns:p16="http://schemas.microsoft.com/office/powerpoint/2015/main" val="1"/>
                 </p:ext>
               </p:extLst>
             </p:nvPr>
@@ -27249,7 +27451,7 @@
             </a:ln>
             <a:extLst>
               <a:ext uri="{91240B29-F687-4f45-9708-019B960494DF}">
-                <a14:hiddenLine xmlns:a14="http://schemas.microsoft.com/office/drawing/2010/main" xmlns="" w="9525">
+                <a14:hiddenLine xmlns="" xmlns:a14="http://schemas.microsoft.com/office/drawing/2010/main" w="9525">
                   <a:solidFill>
                     <a:srgbClr val="000000"/>
                   </a:solidFill>
@@ -27268,7 +27470,7 @@
             <p:nvPr>
               <p:extLst>
                 <p:ext uri="{386F3935-93C4-4BCD-93E2-E3B085C9AB24}">
-                  <p16:designElem xmlns:p16="http://schemas.microsoft.com/office/powerpoint/2015/main" xmlns="" val="1"/>
+                  <p16:designElem xmlns="" xmlns:p16="http://schemas.microsoft.com/office/powerpoint/2015/main" val="1"/>
                 </p:ext>
               </p:extLst>
             </p:nvPr>
@@ -27320,7 +27522,7 @@
             </a:ln>
             <a:extLst>
               <a:ext uri="{91240B29-F687-4f45-9708-019B960494DF}">
-                <a14:hiddenLine xmlns:a14="http://schemas.microsoft.com/office/drawing/2010/main" xmlns="" w="9525">
+                <a14:hiddenLine xmlns="" xmlns:a14="http://schemas.microsoft.com/office/drawing/2010/main" w="9525">
                   <a:solidFill>
                     <a:srgbClr val="000000"/>
                   </a:solidFill>
@@ -27339,7 +27541,7 @@
             <p:nvPr>
               <p:extLst>
                 <p:ext uri="{386F3935-93C4-4BCD-93E2-E3B085C9AB24}">
-                  <p16:designElem xmlns:p16="http://schemas.microsoft.com/office/powerpoint/2015/main" xmlns="" val="1"/>
+                  <p16:designElem xmlns="" xmlns:p16="http://schemas.microsoft.com/office/powerpoint/2015/main" val="1"/>
                 </p:ext>
               </p:extLst>
             </p:nvPr>
@@ -27388,7 +27590,7 @@
             </a:ln>
             <a:extLst>
               <a:ext uri="{91240B29-F687-4f45-9708-019B960494DF}">
-                <a14:hiddenLine xmlns:a14="http://schemas.microsoft.com/office/drawing/2010/main" xmlns="" w="9525">
+                <a14:hiddenLine xmlns="" xmlns:a14="http://schemas.microsoft.com/office/drawing/2010/main" w="9525">
                   <a:solidFill>
                     <a:srgbClr val="000000"/>
                   </a:solidFill>
@@ -27409,7 +27611,7 @@
             <p:nvPr>
               <p:extLst>
                 <p:ext uri="{386F3935-93C4-4BCD-93E2-E3B085C9AB24}">
-                  <p16:designElem xmlns:p16="http://schemas.microsoft.com/office/powerpoint/2015/main" xmlns="" val="1"/>
+                  <p16:designElem xmlns="" xmlns:p16="http://schemas.microsoft.com/office/powerpoint/2015/main" val="1"/>
                 </p:ext>
               </p:extLst>
             </p:nvPr>
@@ -27484,7 +27686,7 @@
             </a:ln>
             <a:extLst>
               <a:ext uri="{91240B29-F687-4f45-9708-019B960494DF}">
-                <a14:hiddenLine xmlns:a14="http://schemas.microsoft.com/office/drawing/2010/main" xmlns="" w="9525">
+                <a14:hiddenLine xmlns="" xmlns:a14="http://schemas.microsoft.com/office/drawing/2010/main" w="9525">
                   <a:solidFill>
                     <a:srgbClr val="000000"/>
                   </a:solidFill>
@@ -27505,7 +27707,7 @@
             <p:nvPr>
               <p:extLst>
                 <p:ext uri="{386F3935-93C4-4BCD-93E2-E3B085C9AB24}">
-                  <p16:designElem xmlns:p16="http://schemas.microsoft.com/office/powerpoint/2015/main" xmlns="" val="1"/>
+                  <p16:designElem xmlns="" xmlns:p16="http://schemas.microsoft.com/office/powerpoint/2015/main" val="1"/>
                 </p:ext>
               </p:extLst>
             </p:nvPr>
@@ -27580,7 +27782,7 @@
             </a:ln>
             <a:extLst>
               <a:ext uri="{91240B29-F687-4f45-9708-019B960494DF}">
-                <a14:hiddenLine xmlns:a14="http://schemas.microsoft.com/office/drawing/2010/main" xmlns="" w="9525">
+                <a14:hiddenLine xmlns="" xmlns:a14="http://schemas.microsoft.com/office/drawing/2010/main" w="9525">
                   <a:solidFill>
                     <a:srgbClr val="000000"/>
                   </a:solidFill>
@@ -27599,7 +27801,7 @@
             <p:nvPr>
               <p:extLst>
                 <p:ext uri="{386F3935-93C4-4BCD-93E2-E3B085C9AB24}">
-                  <p16:designElem xmlns:p16="http://schemas.microsoft.com/office/powerpoint/2015/main" xmlns="" val="1"/>
+                  <p16:designElem xmlns="" xmlns:p16="http://schemas.microsoft.com/office/powerpoint/2015/main" val="1"/>
                 </p:ext>
               </p:extLst>
             </p:nvPr>
@@ -27648,7 +27850,7 @@
             </a:ln>
             <a:extLst>
               <a:ext uri="{91240B29-F687-4f45-9708-019B960494DF}">
-                <a14:hiddenLine xmlns:a14="http://schemas.microsoft.com/office/drawing/2010/main" xmlns="" w="9525">
+                <a14:hiddenLine xmlns="" xmlns:a14="http://schemas.microsoft.com/office/drawing/2010/main" w="9525">
                   <a:solidFill>
                     <a:srgbClr val="000000"/>
                   </a:solidFill>
@@ -27669,7 +27871,7 @@
             <p:nvPr>
               <p:extLst>
                 <p:ext uri="{386F3935-93C4-4BCD-93E2-E3B085C9AB24}">
-                  <p16:designElem xmlns:p16="http://schemas.microsoft.com/office/powerpoint/2015/main" xmlns="" val="1"/>
+                  <p16:designElem xmlns="" xmlns:p16="http://schemas.microsoft.com/office/powerpoint/2015/main" val="1"/>
                 </p:ext>
               </p:extLst>
             </p:nvPr>
@@ -27774,7 +27976,7 @@
             </a:ln>
             <a:extLst>
               <a:ext uri="{91240B29-F687-4f45-9708-019B960494DF}">
-                <a14:hiddenLine xmlns:a14="http://schemas.microsoft.com/office/drawing/2010/main" xmlns="" w="9525">
+                <a14:hiddenLine xmlns="" xmlns:a14="http://schemas.microsoft.com/office/drawing/2010/main" w="9525">
                   <a:solidFill>
                     <a:srgbClr val="000000"/>
                   </a:solidFill>
@@ -27793,7 +27995,7 @@
             <p:nvPr>
               <p:extLst>
                 <p:ext uri="{386F3935-93C4-4BCD-93E2-E3B085C9AB24}">
-                  <p16:designElem xmlns:p16="http://schemas.microsoft.com/office/powerpoint/2015/main" xmlns="" val="1"/>
+                  <p16:designElem xmlns="" xmlns:p16="http://schemas.microsoft.com/office/powerpoint/2015/main" val="1"/>
                 </p:ext>
               </p:extLst>
             </p:nvPr>
@@ -27848,7 +28050,7 @@
             </a:ln>
             <a:extLst>
               <a:ext uri="{91240B29-F687-4f45-9708-019B960494DF}">
-                <a14:hiddenLine xmlns:a14="http://schemas.microsoft.com/office/drawing/2010/main" xmlns="" w="9525">
+                <a14:hiddenLine xmlns="" xmlns:a14="http://schemas.microsoft.com/office/drawing/2010/main" w="9525">
                   <a:solidFill>
                     <a:srgbClr val="000000"/>
                   </a:solidFill>
@@ -27869,7 +28071,7 @@
             <p:nvPr>
               <p:extLst>
                 <p:ext uri="{386F3935-93C4-4BCD-93E2-E3B085C9AB24}">
-                  <p16:designElem xmlns:p16="http://schemas.microsoft.com/office/powerpoint/2015/main" xmlns="" val="1"/>
+                  <p16:designElem xmlns="" xmlns:p16="http://schemas.microsoft.com/office/powerpoint/2015/main" val="1"/>
                 </p:ext>
               </p:extLst>
             </p:nvPr>
@@ -27944,7 +28146,7 @@
             </a:ln>
             <a:extLst>
               <a:ext uri="{91240B29-F687-4f45-9708-019B960494DF}">
-                <a14:hiddenLine xmlns:a14="http://schemas.microsoft.com/office/drawing/2010/main" xmlns="" w="9525">
+                <a14:hiddenLine xmlns="" xmlns:a14="http://schemas.microsoft.com/office/drawing/2010/main" w="9525">
                   <a:solidFill>
                     <a:srgbClr val="000000"/>
                   </a:solidFill>
@@ -27966,7 +28168,7 @@
           <p:nvPr>
             <p:extLst>
               <p:ext uri="{386F3935-93C4-4BCD-93E2-E3B085C9AB24}">
-                <p16:designElem xmlns:p16="http://schemas.microsoft.com/office/powerpoint/2015/main" xmlns="" val="1"/>
+                <p16:designElem xmlns="" xmlns:p16="http://schemas.microsoft.com/office/powerpoint/2015/main" val="1"/>
               </p:ext>
             </p:extLst>
           </p:nvPr>
@@ -28023,7 +28225,7 @@
           <p:nvPr>
             <p:extLst>
               <p:ext uri="{386F3935-93C4-4BCD-93E2-E3B085C9AB24}">
-                <p16:designElem xmlns:p16="http://schemas.microsoft.com/office/powerpoint/2015/main" xmlns="" val="1"/>
+                <p16:designElem xmlns="" xmlns:p16="http://schemas.microsoft.com/office/powerpoint/2015/main" val="1"/>
               </p:ext>
             </p:extLst>
           </p:nvPr>
@@ -28140,7 +28342,7 @@
     </p:spTree>
     <p:extLst>
       <p:ext uri="{BB962C8B-B14F-4D97-AF65-F5344CB8AC3E}">
-        <p14:creationId xmlns:p14="http://schemas.microsoft.com/office/powerpoint/2010/main" xmlns="" val="2294797533"/>
+        <p14:creationId xmlns="" xmlns:p14="http://schemas.microsoft.com/office/powerpoint/2010/main" val="2294797533"/>
       </p:ext>
     </p:extLst>
   </p:cSld>
@@ -28150,7 +28352,7 @@
 </p:sld>
 </file>
 
-<file path=ppt/slides/slide17.xml><?xml version="1.0" encoding="utf-8"?>
+<file path=ppt/slides/slide18.xml><?xml version="1.0" encoding="utf-8"?>
 <p:sld xmlns:a="http://schemas.openxmlformats.org/drawingml/2006/main" xmlns:r="http://schemas.openxmlformats.org/officeDocument/2006/relationships" xmlns:p="http://schemas.openxmlformats.org/presentationml/2006/main">
   <p:cSld>
     <p:spTree>
@@ -28215,7 +28417,7 @@
     </p:spTree>
     <p:extLst>
       <p:ext uri="{BB962C8B-B14F-4D97-AF65-F5344CB8AC3E}">
-        <p14:creationId xmlns:p14="http://schemas.microsoft.com/office/powerpoint/2010/main" xmlns="" val="456831878"/>
+        <p14:creationId xmlns="" xmlns:p14="http://schemas.microsoft.com/office/powerpoint/2010/main" val="456831878"/>
       </p:ext>
     </p:extLst>
   </p:cSld>
@@ -28225,7 +28427,7 @@
 </p:sld>
 </file>
 
-<file path=ppt/slides/slide18.xml><?xml version="1.0" encoding="utf-8"?>
+<file path=ppt/slides/slide19.xml><?xml version="1.0" encoding="utf-8"?>
 <p:sld xmlns:a="http://schemas.openxmlformats.org/drawingml/2006/main" xmlns:r="http://schemas.openxmlformats.org/officeDocument/2006/relationships" xmlns:p="http://schemas.openxmlformats.org/presentationml/2006/main">
   <p:cSld>
     <p:spTree>
@@ -28278,7 +28480,7 @@
           <a:blip r:embed="rId3" cstate="print">
             <a:extLst>
               <a:ext uri="{28A0092B-C50C-407E-A947-70E740481C1C}">
-                <a14:useLocalDpi xmlns:a14="http://schemas.microsoft.com/office/drawing/2010/main" xmlns="" val="0"/>
+                <a14:useLocalDpi xmlns="" xmlns:a14="http://schemas.microsoft.com/office/drawing/2010/main" val="0"/>
               </a:ext>
             </a:extLst>
           </a:blip>
@@ -28299,135 +28501,7 @@
     </p:spTree>
     <p:extLst>
       <p:ext uri="{BB962C8B-B14F-4D97-AF65-F5344CB8AC3E}">
-        <p14:creationId xmlns:p14="http://schemas.microsoft.com/office/powerpoint/2010/main" xmlns="" val="875406967"/>
-      </p:ext>
-    </p:extLst>
-  </p:cSld>
-  <p:clrMapOvr>
-    <a:masterClrMapping/>
-  </p:clrMapOvr>
-</p:sld>
-</file>
-
-<file path=ppt/slides/slide19.xml><?xml version="1.0" encoding="utf-8"?>
-<p:sld xmlns:a="http://schemas.openxmlformats.org/drawingml/2006/main" xmlns:r="http://schemas.openxmlformats.org/officeDocument/2006/relationships" xmlns:p="http://schemas.openxmlformats.org/presentationml/2006/main">
-  <p:cSld>
-    <p:spTree>
-      <p:nvGrpSpPr>
-        <p:cNvPr id="1" name=""/>
-        <p:cNvGrpSpPr/>
-        <p:nvPr/>
-      </p:nvGrpSpPr>
-      <p:grpSpPr>
-        <a:xfrm>
-          <a:off x="0" y="0"/>
-          <a:ext cx="0" cy="0"/>
-          <a:chOff x="0" y="0"/>
-          <a:chExt cx="0" cy="0"/>
-        </a:xfrm>
-      </p:grpSpPr>
-      <p:sp>
-        <p:nvSpPr>
-          <p:cNvPr id="2" name="Title 1"/>
-          <p:cNvSpPr>
-            <a:spLocks noGrp="1"/>
-          </p:cNvSpPr>
-          <p:nvPr>
-            <p:ph type="title"/>
-          </p:nvPr>
-        </p:nvSpPr>
-        <p:spPr/>
-        <p:txBody>
-          <a:bodyPr/>
-          <a:lstStyle/>
-          <a:p>
-            <a:endParaRPr lang="en-US"/>
-          </a:p>
-        </p:txBody>
-      </p:sp>
-      <p:sp>
-        <p:nvSpPr>
-          <p:cNvPr id="3" name="Content Placeholder 2"/>
-          <p:cNvSpPr>
-            <a:spLocks noGrp="1"/>
-          </p:cNvSpPr>
-          <p:nvPr>
-            <p:ph idx="1"/>
-          </p:nvPr>
-        </p:nvSpPr>
-        <p:spPr/>
-        <p:txBody>
-          <a:bodyPr/>
-          <a:lstStyle/>
-          <a:p>
-            <a:endParaRPr lang="en-US"/>
-          </a:p>
-        </p:txBody>
-      </p:sp>
-      <p:pic>
-        <p:nvPicPr>
-          <p:cNvPr id="4" name="Content Placeholder 4" descr="A picture containing screenshot&#10;&#10;Description generated with high confidence"/>
-          <p:cNvPicPr>
-            <a:picLocks noChangeAspect="1"/>
-          </p:cNvPicPr>
-          <p:nvPr/>
-        </p:nvPicPr>
-        <p:blipFill>
-          <a:blip r:embed="rId2" cstate="print">
-            <a:extLst>
-              <a:ext uri="{28A0092B-C50C-407E-A947-70E740481C1C}">
-                <a14:useLocalDpi xmlns:a14="http://schemas.microsoft.com/office/drawing/2010/main" xmlns="" val="0"/>
-              </a:ext>
-            </a:extLst>
-          </a:blip>
-          <a:stretch>
-            <a:fillRect/>
-          </a:stretch>
-        </p:blipFill>
-        <p:spPr>
-          <a:xfrm>
-            <a:off x="628313" y="1258493"/>
-            <a:ext cx="5139499" cy="3835352"/>
-          </a:xfrm>
-          <a:prstGeom prst="rect">
-            <a:avLst/>
-          </a:prstGeom>
-        </p:spPr>
-      </p:pic>
-      <p:pic>
-        <p:nvPicPr>
-          <p:cNvPr id="5" name="Content Placeholder 3"/>
-          <p:cNvPicPr>
-            <a:picLocks noChangeAspect="1"/>
-          </p:cNvPicPr>
-          <p:nvPr/>
-        </p:nvPicPr>
-        <p:blipFill>
-          <a:blip r:embed="rId3" cstate="print">
-            <a:extLst>
-              <a:ext uri="{28A0092B-C50C-407E-A947-70E740481C1C}">
-                <a14:useLocalDpi xmlns:a14="http://schemas.microsoft.com/office/drawing/2010/main" xmlns="" val="0"/>
-              </a:ext>
-            </a:extLst>
-          </a:blip>
-          <a:stretch>
-            <a:fillRect/>
-          </a:stretch>
-        </p:blipFill>
-        <p:spPr>
-          <a:xfrm>
-            <a:off x="6280911" y="1258493"/>
-            <a:ext cx="5139499" cy="3835352"/>
-          </a:xfrm>
-          <a:prstGeom prst="rect">
-            <a:avLst/>
-          </a:prstGeom>
-        </p:spPr>
-      </p:pic>
-    </p:spTree>
-    <p:extLst>
-      <p:ext uri="{BB962C8B-B14F-4D97-AF65-F5344CB8AC3E}">
-        <p14:creationId xmlns:p14="http://schemas.microsoft.com/office/powerpoint/2010/main" xmlns="" val="1669018136"/>
+        <p14:creationId xmlns="" xmlns:p14="http://schemas.microsoft.com/office/powerpoint/2010/main" val="875406967"/>
       </p:ext>
     </p:extLst>
   </p:cSld>
@@ -28534,7 +28608,7 @@
           <a:blip r:embed="rId2" cstate="print">
             <a:extLst>
               <a:ext uri="{28A0092B-C50C-407E-A947-70E740481C1C}">
-                <a14:useLocalDpi xmlns:a14="http://schemas.microsoft.com/office/drawing/2010/main" xmlns="" val="0"/>
+                <a14:useLocalDpi xmlns="" xmlns:a14="http://schemas.microsoft.com/office/drawing/2010/main" val="0"/>
               </a:ext>
             </a:extLst>
           </a:blip>
@@ -28555,7 +28629,7 @@
     </p:spTree>
     <p:extLst>
       <p:ext uri="{BB962C8B-B14F-4D97-AF65-F5344CB8AC3E}">
-        <p14:creationId xmlns:p14="http://schemas.microsoft.com/office/powerpoint/2010/main" xmlns="" val="1011299987"/>
+        <p14:creationId xmlns="" xmlns:p14="http://schemas.microsoft.com/office/powerpoint/2010/main" val="1011299987"/>
       </p:ext>
     </p:extLst>
   </p:cSld>
@@ -28566,6 +28640,134 @@
 </file>
 
 <file path=ppt/slides/slide20.xml><?xml version="1.0" encoding="utf-8"?>
+<p:sld xmlns:a="http://schemas.openxmlformats.org/drawingml/2006/main" xmlns:r="http://schemas.openxmlformats.org/officeDocument/2006/relationships" xmlns:p="http://schemas.openxmlformats.org/presentationml/2006/main">
+  <p:cSld>
+    <p:spTree>
+      <p:nvGrpSpPr>
+        <p:cNvPr id="1" name=""/>
+        <p:cNvGrpSpPr/>
+        <p:nvPr/>
+      </p:nvGrpSpPr>
+      <p:grpSpPr>
+        <a:xfrm>
+          <a:off x="0" y="0"/>
+          <a:ext cx="0" cy="0"/>
+          <a:chOff x="0" y="0"/>
+          <a:chExt cx="0" cy="0"/>
+        </a:xfrm>
+      </p:grpSpPr>
+      <p:sp>
+        <p:nvSpPr>
+          <p:cNvPr id="2" name="Title 1"/>
+          <p:cNvSpPr>
+            <a:spLocks noGrp="1"/>
+          </p:cNvSpPr>
+          <p:nvPr>
+            <p:ph type="title"/>
+          </p:nvPr>
+        </p:nvSpPr>
+        <p:spPr/>
+        <p:txBody>
+          <a:bodyPr/>
+          <a:lstStyle/>
+          <a:p>
+            <a:endParaRPr lang="en-US"/>
+          </a:p>
+        </p:txBody>
+      </p:sp>
+      <p:sp>
+        <p:nvSpPr>
+          <p:cNvPr id="3" name="Content Placeholder 2"/>
+          <p:cNvSpPr>
+            <a:spLocks noGrp="1"/>
+          </p:cNvSpPr>
+          <p:nvPr>
+            <p:ph idx="1"/>
+          </p:nvPr>
+        </p:nvSpPr>
+        <p:spPr/>
+        <p:txBody>
+          <a:bodyPr/>
+          <a:lstStyle/>
+          <a:p>
+            <a:endParaRPr lang="en-US"/>
+          </a:p>
+        </p:txBody>
+      </p:sp>
+      <p:pic>
+        <p:nvPicPr>
+          <p:cNvPr id="4" name="Content Placeholder 4" descr="A picture containing screenshot&#10;&#10;Description generated with high confidence"/>
+          <p:cNvPicPr>
+            <a:picLocks noChangeAspect="1"/>
+          </p:cNvPicPr>
+          <p:nvPr/>
+        </p:nvPicPr>
+        <p:blipFill>
+          <a:blip r:embed="rId2" cstate="print">
+            <a:extLst>
+              <a:ext uri="{28A0092B-C50C-407E-A947-70E740481C1C}">
+                <a14:useLocalDpi xmlns="" xmlns:a14="http://schemas.microsoft.com/office/drawing/2010/main" val="0"/>
+              </a:ext>
+            </a:extLst>
+          </a:blip>
+          <a:stretch>
+            <a:fillRect/>
+          </a:stretch>
+        </p:blipFill>
+        <p:spPr>
+          <a:xfrm>
+            <a:off x="628313" y="1258493"/>
+            <a:ext cx="5139499" cy="3835352"/>
+          </a:xfrm>
+          <a:prstGeom prst="rect">
+            <a:avLst/>
+          </a:prstGeom>
+        </p:spPr>
+      </p:pic>
+      <p:pic>
+        <p:nvPicPr>
+          <p:cNvPr id="5" name="Content Placeholder 3"/>
+          <p:cNvPicPr>
+            <a:picLocks noChangeAspect="1"/>
+          </p:cNvPicPr>
+          <p:nvPr/>
+        </p:nvPicPr>
+        <p:blipFill>
+          <a:blip r:embed="rId3" cstate="print">
+            <a:extLst>
+              <a:ext uri="{28A0092B-C50C-407E-A947-70E740481C1C}">
+                <a14:useLocalDpi xmlns="" xmlns:a14="http://schemas.microsoft.com/office/drawing/2010/main" val="0"/>
+              </a:ext>
+            </a:extLst>
+          </a:blip>
+          <a:stretch>
+            <a:fillRect/>
+          </a:stretch>
+        </p:blipFill>
+        <p:spPr>
+          <a:xfrm>
+            <a:off x="6280911" y="1258493"/>
+            <a:ext cx="5139499" cy="3835352"/>
+          </a:xfrm>
+          <a:prstGeom prst="rect">
+            <a:avLst/>
+          </a:prstGeom>
+        </p:spPr>
+      </p:pic>
+    </p:spTree>
+    <p:extLst>
+      <p:ext uri="{BB962C8B-B14F-4D97-AF65-F5344CB8AC3E}">
+        <p14:creationId xmlns="" xmlns:p14="http://schemas.microsoft.com/office/powerpoint/2010/main" val="1669018136"/>
+      </p:ext>
+    </p:extLst>
+  </p:cSld>
+  <p:clrMapOvr>
+    <a:masterClrMapping/>
+  </p:clrMapOvr>
+</p:sld>
+</file>
+
+<file path=ppt/slides/slide21.xml><?xml version="1.0" encoding="utf-8"?>
 <p:sld xmlns:a="http://schemas.openxmlformats.org/drawingml/2006/main" xmlns:r="http://schemas.openxmlformats.org/officeDocument/2006/relationships" xmlns:p="http://schemas.openxmlformats.org/presentationml/2006/main">
   <p:cSld>
     <p:spTree>
@@ -28594,7 +28796,7 @@
           <a:blip r:embed="rId2" cstate="print">
             <a:extLst>
               <a:ext uri="{28A0092B-C50C-407E-A947-70E740481C1C}">
-                <a14:useLocalDpi xmlns:a14="http://schemas.microsoft.com/office/drawing/2010/main" xmlns="" val="0"/>
+                <a14:useLocalDpi xmlns="" xmlns:a14="http://schemas.microsoft.com/office/drawing/2010/main" val="0"/>
               </a:ext>
             </a:extLst>
           </a:blip>
@@ -28624,7 +28826,7 @@
           <a:blip r:embed="rId3" cstate="print">
             <a:extLst>
               <a:ext uri="{28A0092B-C50C-407E-A947-70E740481C1C}">
-                <a14:useLocalDpi xmlns:a14="http://schemas.microsoft.com/office/drawing/2010/main" xmlns="" val="0"/>
+                <a14:useLocalDpi xmlns="" xmlns:a14="http://schemas.microsoft.com/office/drawing/2010/main" val="0"/>
               </a:ext>
             </a:extLst>
           </a:blip>
@@ -28645,7 +28847,7 @@
     </p:spTree>
     <p:extLst>
       <p:ext uri="{BB962C8B-B14F-4D97-AF65-F5344CB8AC3E}">
-        <p14:creationId xmlns:p14="http://schemas.microsoft.com/office/powerpoint/2010/main" xmlns="" val="569628096"/>
+        <p14:creationId xmlns="" xmlns:p14="http://schemas.microsoft.com/office/powerpoint/2010/main" val="569628096"/>
       </p:ext>
     </p:extLst>
   </p:cSld>
@@ -28655,7 +28857,7 @@
 </p:sld>
 </file>
 
-<file path=ppt/slides/slide21.xml><?xml version="1.0" encoding="utf-8"?>
+<file path=ppt/slides/slide22.xml><?xml version="1.0" encoding="utf-8"?>
 <p:sld xmlns:a="http://schemas.openxmlformats.org/drawingml/2006/main" xmlns:r="http://schemas.openxmlformats.org/officeDocument/2006/relationships" xmlns:p="http://schemas.openxmlformats.org/presentationml/2006/main">
   <p:cSld>
     <p:spTree>
@@ -28722,7 +28924,7 @@
           <a:blip r:embed="rId2" cstate="print">
             <a:extLst>
               <a:ext uri="{28A0092B-C50C-407E-A947-70E740481C1C}">
-                <a14:useLocalDpi xmlns:a14="http://schemas.microsoft.com/office/drawing/2010/main" xmlns="" val="0"/>
+                <a14:useLocalDpi xmlns="" xmlns:a14="http://schemas.microsoft.com/office/drawing/2010/main" val="0"/>
               </a:ext>
             </a:extLst>
           </a:blip>
@@ -28752,7 +28954,7 @@
           <a:blip r:embed="rId3" cstate="print">
             <a:extLst>
               <a:ext uri="{28A0092B-C50C-407E-A947-70E740481C1C}">
-                <a14:useLocalDpi xmlns:a14="http://schemas.microsoft.com/office/drawing/2010/main" xmlns="" val="0"/>
+                <a14:useLocalDpi xmlns="" xmlns:a14="http://schemas.microsoft.com/office/drawing/2010/main" val="0"/>
               </a:ext>
             </a:extLst>
           </a:blip>
@@ -28773,7 +28975,7 @@
     </p:spTree>
     <p:extLst>
       <p:ext uri="{BB962C8B-B14F-4D97-AF65-F5344CB8AC3E}">
-        <p14:creationId xmlns:p14="http://schemas.microsoft.com/office/powerpoint/2010/main" xmlns="" val="332250364"/>
+        <p14:creationId xmlns="" xmlns:p14="http://schemas.microsoft.com/office/powerpoint/2010/main" val="332250364"/>
       </p:ext>
     </p:extLst>
   </p:cSld>
@@ -28783,7 +28985,7 @@
 </p:sld>
 </file>
 
-<file path=ppt/slides/slide22.xml><?xml version="1.0" encoding="utf-8"?>
+<file path=ppt/slides/slide23.xml><?xml version="1.0" encoding="utf-8"?>
 <p:sld xmlns:a="http://schemas.openxmlformats.org/drawingml/2006/main" xmlns:r="http://schemas.openxmlformats.org/officeDocument/2006/relationships" xmlns:p="http://schemas.openxmlformats.org/presentationml/2006/main">
   <p:cSld>
     <p:spTree>
@@ -28831,7 +29033,7 @@
           <a:blip r:embed="rId2" cstate="print">
             <a:extLst>
               <a:ext uri="{28A0092B-C50C-407E-A947-70E740481C1C}">
-                <a14:useLocalDpi xmlns:a14="http://schemas.microsoft.com/office/drawing/2010/main" xmlns="" val="0"/>
+                <a14:useLocalDpi xmlns="" xmlns:a14="http://schemas.microsoft.com/office/drawing/2010/main" val="0"/>
               </a:ext>
             </a:extLst>
           </a:blip>
@@ -28863,7 +29065,7 @@
           <a:blip r:embed="rId3" cstate="print">
             <a:extLst>
               <a:ext uri="{28A0092B-C50C-407E-A947-70E740481C1C}">
-                <a14:useLocalDpi xmlns:a14="http://schemas.microsoft.com/office/drawing/2010/main" xmlns="" val="0"/>
+                <a14:useLocalDpi xmlns="" xmlns:a14="http://schemas.microsoft.com/office/drawing/2010/main" val="0"/>
               </a:ext>
             </a:extLst>
           </a:blip>
@@ -28881,7 +29083,7 @@
     </p:spTree>
     <p:extLst>
       <p:ext uri="{BB962C8B-B14F-4D97-AF65-F5344CB8AC3E}">
-        <p14:creationId xmlns:p14="http://schemas.microsoft.com/office/powerpoint/2010/main" xmlns="" val="828287097"/>
+        <p14:creationId xmlns="" xmlns:p14="http://schemas.microsoft.com/office/powerpoint/2010/main" val="828287097"/>
       </p:ext>
     </p:extLst>
   </p:cSld>
@@ -28891,7 +29093,7 @@
 </p:sld>
 </file>
 
-<file path=ppt/slides/slide23.xml><?xml version="1.0" encoding="utf-8"?>
+<file path=ppt/slides/slide24.xml><?xml version="1.0" encoding="utf-8"?>
 <p:sld xmlns:a="http://schemas.openxmlformats.org/drawingml/2006/main" xmlns:r="http://schemas.openxmlformats.org/officeDocument/2006/relationships" xmlns:p="http://schemas.openxmlformats.org/presentationml/2006/main">
   <p:cSld>
     <p:spTree>
@@ -28958,7 +29160,7 @@
           <a:blip r:embed="rId2" cstate="print">
             <a:extLst>
               <a:ext uri="{28A0092B-C50C-407E-A947-70E740481C1C}">
-                <a14:useLocalDpi xmlns:a14="http://schemas.microsoft.com/office/drawing/2010/main" xmlns="" val="0"/>
+                <a14:useLocalDpi xmlns="" xmlns:a14="http://schemas.microsoft.com/office/drawing/2010/main" val="0"/>
               </a:ext>
             </a:extLst>
           </a:blip>
@@ -28988,7 +29190,7 @@
           <a:blip r:embed="rId3" cstate="print">
             <a:extLst>
               <a:ext uri="{28A0092B-C50C-407E-A947-70E740481C1C}">
-                <a14:useLocalDpi xmlns:a14="http://schemas.microsoft.com/office/drawing/2010/main" xmlns="" val="0"/>
+                <a14:useLocalDpi xmlns="" xmlns:a14="http://schemas.microsoft.com/office/drawing/2010/main" val="0"/>
               </a:ext>
             </a:extLst>
           </a:blip>
@@ -29009,7 +29211,7 @@
     </p:spTree>
     <p:extLst>
       <p:ext uri="{BB962C8B-B14F-4D97-AF65-F5344CB8AC3E}">
-        <p14:creationId xmlns:p14="http://schemas.microsoft.com/office/powerpoint/2010/main" xmlns="" val="577357591"/>
+        <p14:creationId xmlns="" xmlns:p14="http://schemas.microsoft.com/office/powerpoint/2010/main" val="577357591"/>
       </p:ext>
     </p:extLst>
   </p:cSld>
@@ -29019,7 +29221,7 @@
 </p:sld>
 </file>
 
-<file path=ppt/slides/slide24.xml><?xml version="1.0" encoding="utf-8"?>
+<file path=ppt/slides/slide25.xml><?xml version="1.0" encoding="utf-8"?>
 <p:sld xmlns:a="http://schemas.openxmlformats.org/drawingml/2006/main" xmlns:r="http://schemas.openxmlformats.org/officeDocument/2006/relationships" xmlns:p="http://schemas.openxmlformats.org/presentationml/2006/main">
   <p:cSld>
     <p:spTree>
@@ -29067,7 +29269,7 @@
           <a:blip r:embed="rId2" cstate="print">
             <a:extLst>
               <a:ext uri="{28A0092B-C50C-407E-A947-70E740481C1C}">
-                <a14:useLocalDpi xmlns:a14="http://schemas.microsoft.com/office/drawing/2010/main" xmlns="" val="0"/>
+                <a14:useLocalDpi xmlns="" xmlns:a14="http://schemas.microsoft.com/office/drawing/2010/main" val="0"/>
               </a:ext>
             </a:extLst>
           </a:blip>
@@ -29099,7 +29301,7 @@
           <a:blip r:embed="rId3" cstate="print">
             <a:extLst>
               <a:ext uri="{28A0092B-C50C-407E-A947-70E740481C1C}">
-                <a14:useLocalDpi xmlns:a14="http://schemas.microsoft.com/office/drawing/2010/main" xmlns="" val="0"/>
+                <a14:useLocalDpi xmlns="" xmlns:a14="http://schemas.microsoft.com/office/drawing/2010/main" val="0"/>
               </a:ext>
             </a:extLst>
           </a:blip>
@@ -29117,7 +29319,7 @@
     </p:spTree>
     <p:extLst>
       <p:ext uri="{BB962C8B-B14F-4D97-AF65-F5344CB8AC3E}">
-        <p14:creationId xmlns:p14="http://schemas.microsoft.com/office/powerpoint/2010/main" xmlns="" val="2617533163"/>
+        <p14:creationId xmlns="" xmlns:p14="http://schemas.microsoft.com/office/powerpoint/2010/main" val="2617533163"/>
       </p:ext>
     </p:extLst>
   </p:cSld>
@@ -29127,7 +29329,7 @@
 </p:sld>
 </file>
 
-<file path=ppt/slides/slide25.xml><?xml version="1.0" encoding="utf-8"?>
+<file path=ppt/slides/slide26.xml><?xml version="1.0" encoding="utf-8"?>
 <p:sld xmlns:a="http://schemas.openxmlformats.org/drawingml/2006/main" xmlns:r="http://schemas.openxmlformats.org/officeDocument/2006/relationships" xmlns:p="http://schemas.openxmlformats.org/presentationml/2006/main">
   <p:cSld>
     <p:spTree>
@@ -29239,7 +29441,7 @@
     </p:spTree>
     <p:extLst>
       <p:ext uri="{BB962C8B-B14F-4D97-AF65-F5344CB8AC3E}">
-        <p14:creationId xmlns:p14="http://schemas.microsoft.com/office/powerpoint/2010/main" xmlns="" val="3199426688"/>
+        <p14:creationId xmlns="" xmlns:p14="http://schemas.microsoft.com/office/powerpoint/2010/main" val="3199426688"/>
       </p:ext>
     </p:extLst>
   </p:cSld>
@@ -29249,7 +29451,7 @@
 </p:sld>
 </file>
 
-<file path=ppt/slides/slide26.xml><?xml version="1.0" encoding="utf-8"?>
+<file path=ppt/slides/slide27.xml><?xml version="1.0" encoding="utf-8"?>
 <p:sld xmlns:a="http://schemas.openxmlformats.org/drawingml/2006/main" xmlns:r="http://schemas.openxmlformats.org/officeDocument/2006/relationships" xmlns:p="http://schemas.openxmlformats.org/presentationml/2006/main">
   <p:cSld>
     <p:spTree>
@@ -29351,7 +29553,7 @@
     </p:spTree>
     <p:extLst>
       <p:ext uri="{BB962C8B-B14F-4D97-AF65-F5344CB8AC3E}">
-        <p14:creationId xmlns:p14="http://schemas.microsoft.com/office/powerpoint/2010/main" xmlns="" val="821849167"/>
+        <p14:creationId xmlns="" xmlns:p14="http://schemas.microsoft.com/office/powerpoint/2010/main" val="821849167"/>
       </p:ext>
     </p:extLst>
   </p:cSld>
@@ -29362,6 +29564,179 @@
 </file>
 
 <file path=ppt/slides/slide3.xml><?xml version="1.0" encoding="utf-8"?>
+<p:sld xmlns:a="http://schemas.openxmlformats.org/drawingml/2006/main" xmlns:r="http://schemas.openxmlformats.org/officeDocument/2006/relationships" xmlns:p="http://schemas.openxmlformats.org/presentationml/2006/main">
+  <p:cSld>
+    <p:spTree>
+      <p:nvGrpSpPr>
+        <p:cNvPr id="1" name=""/>
+        <p:cNvGrpSpPr/>
+        <p:nvPr/>
+      </p:nvGrpSpPr>
+      <p:grpSpPr>
+        <a:xfrm>
+          <a:off x="0" y="0"/>
+          <a:ext cx="0" cy="0"/>
+          <a:chOff x="0" y="0"/>
+          <a:chExt cx="0" cy="0"/>
+        </a:xfrm>
+      </p:grpSpPr>
+      <p:sp>
+        <p:nvSpPr>
+          <p:cNvPr id="2" name="Title 1"/>
+          <p:cNvSpPr>
+            <a:spLocks noGrp="1"/>
+          </p:cNvSpPr>
+          <p:nvPr>
+            <p:ph type="title"/>
+          </p:nvPr>
+        </p:nvSpPr>
+        <p:spPr/>
+        <p:txBody>
+          <a:bodyPr/>
+          <a:lstStyle/>
+          <a:p>
+            <a:r>
+              <a:rPr lang="en-US" dirty="0"/>
+              <a:t>Truth Tables</a:t>
+            </a:r>
+          </a:p>
+        </p:txBody>
+      </p:sp>
+      <p:sp>
+        <p:nvSpPr>
+          <p:cNvPr id="5" name="Content Placeholder 4"/>
+          <p:cNvSpPr>
+            <a:spLocks noGrp="1"/>
+          </p:cNvSpPr>
+          <p:nvPr>
+            <p:ph idx="1"/>
+          </p:nvPr>
+        </p:nvSpPr>
+        <p:spPr>
+          <a:xfrm>
+            <a:off x="1141412" y="2249487"/>
+            <a:ext cx="7969845" cy="3541714"/>
+          </a:xfrm>
+        </p:spPr>
+        <p:txBody>
+          <a:bodyPr/>
+          <a:lstStyle/>
+          <a:p>
+            <a:r>
+              <a:rPr lang="en-US" dirty="0"/>
+              <a:t>Can be used to represent proteins via gene expression states.</a:t>
+            </a:r>
+          </a:p>
+          <a:p>
+            <a:r>
+              <a:rPr lang="en-US" dirty="0"/>
+              <a:t>The expression state of genes are determined  by the expression states of previous genes.</a:t>
+            </a:r>
+          </a:p>
+          <a:p>
+            <a:r>
+              <a:rPr lang="en-US" dirty="0"/>
+              <a:t>There can be 2^X different models that will depend on the genes that are expressed.</a:t>
+            </a:r>
+          </a:p>
+        </p:txBody>
+      </p:sp>
+      <p:pic>
+        <p:nvPicPr>
+          <p:cNvPr id="1030" name="Picture 6" descr="Image result for truth tables in boolean networks"/>
+          <p:cNvPicPr>
+            <a:picLocks noChangeAspect="1" noChangeArrowheads="1"/>
+          </p:cNvPicPr>
+          <p:nvPr/>
+        </p:nvPicPr>
+        <p:blipFill>
+          <a:blip r:embed="rId2" cstate="print">
+            <a:extLst>
+              <a:ext uri="{28A0092B-C50C-407E-A947-70E740481C1C}">
+                <a14:useLocalDpi xmlns:a14="http://schemas.microsoft.com/office/drawing/2010/main" xmlns="" val="0"/>
+              </a:ext>
+            </a:extLst>
+          </a:blip>
+          <a:srcRect/>
+          <a:stretch>
+            <a:fillRect/>
+          </a:stretch>
+        </p:blipFill>
+        <p:spPr bwMode="auto">
+          <a:xfrm>
+            <a:off x="8959123" y="-17585"/>
+            <a:ext cx="3232877" cy="4305300"/>
+          </a:xfrm>
+          <a:prstGeom prst="rect">
+            <a:avLst/>
+          </a:prstGeom>
+          <a:noFill/>
+          <a:extLst>
+            <a:ext uri="{909E8E84-426E-40DD-AFC4-6F175D3DCCD1}">
+              <a14:hiddenFill xmlns:a14="http://schemas.microsoft.com/office/drawing/2010/main" xmlns="">
+                <a:solidFill>
+                  <a:srgbClr val="FFFFFF"/>
+                </a:solidFill>
+              </a14:hiddenFill>
+            </a:ext>
+          </a:extLst>
+        </p:spPr>
+      </p:pic>
+      <p:pic>
+        <p:nvPicPr>
+          <p:cNvPr id="1034" name="Picture 10" descr="https://cnx.org/resources/3a479885d9794f84951d571f8797fa43b3bfd211/bb_2.gif"/>
+          <p:cNvPicPr>
+            <a:picLocks noChangeAspect="1" noChangeArrowheads="1"/>
+          </p:cNvPicPr>
+          <p:nvPr/>
+        </p:nvPicPr>
+        <p:blipFill>
+          <a:blip r:embed="rId3" cstate="print">
+            <a:extLst>
+              <a:ext uri="{28A0092B-C50C-407E-A947-70E740481C1C}">
+                <a14:useLocalDpi xmlns:a14="http://schemas.microsoft.com/office/drawing/2010/main" xmlns="" val="0"/>
+              </a:ext>
+            </a:extLst>
+          </a:blip>
+          <a:srcRect/>
+          <a:stretch>
+            <a:fillRect/>
+          </a:stretch>
+        </p:blipFill>
+        <p:spPr bwMode="auto">
+          <a:xfrm>
+            <a:off x="6762750" y="4305300"/>
+            <a:ext cx="5429250" cy="2552700"/>
+          </a:xfrm>
+          <a:prstGeom prst="rect">
+            <a:avLst/>
+          </a:prstGeom>
+          <a:noFill/>
+          <a:extLst>
+            <a:ext uri="{909E8E84-426E-40DD-AFC4-6F175D3DCCD1}">
+              <a14:hiddenFill xmlns:a14="http://schemas.microsoft.com/office/drawing/2010/main" xmlns="">
+                <a:solidFill>
+                  <a:srgbClr val="FFFFFF"/>
+                </a:solidFill>
+              </a14:hiddenFill>
+            </a:ext>
+          </a:extLst>
+        </p:spPr>
+      </p:pic>
+    </p:spTree>
+    <p:extLst>
+      <p:ext uri="{BB962C8B-B14F-4D97-AF65-F5344CB8AC3E}">
+        <p14:creationId xmlns:p14="http://schemas.microsoft.com/office/powerpoint/2010/main" xmlns="" val="1455778391"/>
+      </p:ext>
+    </p:extLst>
+  </p:cSld>
+  <p:clrMapOvr>
+    <a:masterClrMapping/>
+  </p:clrMapOvr>
+</p:sld>
+</file>
+
+<file path=ppt/slides/slide4.xml><?xml version="1.0" encoding="utf-8"?>
 <p:sld xmlns:a="http://schemas.openxmlformats.org/drawingml/2006/main" xmlns:r="http://schemas.openxmlformats.org/officeDocument/2006/relationships" xmlns:p="http://schemas.openxmlformats.org/presentationml/2006/main">
   <p:cSld>
     <p:spTree>
@@ -29422,14 +29797,24 @@
           <a:p>
             <a:r>
               <a:rPr lang="en-US" dirty="0"/>
-              <a:t>Cancer research:</a:t>
+              <a:t>Cancer </a:t>
             </a:r>
+            <a:r>
+              <a:rPr lang="en-US" dirty="0" smtClean="0"/>
+              <a:t>research</a:t>
+            </a:r>
+            <a:endParaRPr lang="en-US" dirty="0"/>
           </a:p>
           <a:p>
             <a:r>
               <a:rPr lang="en-US" dirty="0"/>
-              <a:t>Signaling network research: </a:t>
+              <a:t>Signaling network </a:t>
             </a:r>
+            <a:r>
+              <a:rPr lang="en-US" dirty="0" smtClean="0"/>
+              <a:t>research </a:t>
+            </a:r>
+            <a:endParaRPr lang="en-US" dirty="0"/>
           </a:p>
           <a:p>
             <a:r>
@@ -29438,8 +29823,13 @@
             </a:r>
             <a:r>
               <a:rPr lang="en-US" dirty="0"/>
-              <a:t>models of potential knock out effects:</a:t>
+              <a:t>models of potential knock out </a:t>
             </a:r>
+            <a:r>
+              <a:rPr lang="en-US" dirty="0" smtClean="0"/>
+              <a:t>effects</a:t>
+            </a:r>
+            <a:endParaRPr lang="en-US" dirty="0"/>
           </a:p>
           <a:p>
             <a:r>
@@ -29467,7 +29857,7 @@
           <a:blip r:embed="rId2" cstate="print">
             <a:extLst>
               <a:ext uri="{28A0092B-C50C-407E-A947-70E740481C1C}">
-                <a14:useLocalDpi xmlns:a14="http://schemas.microsoft.com/office/drawing/2010/main" xmlns="" val="0"/>
+                <a14:useLocalDpi xmlns="" xmlns:a14="http://schemas.microsoft.com/office/drawing/2010/main" val="0"/>
               </a:ext>
             </a:extLst>
           </a:blip>
@@ -29487,7 +29877,7 @@
           <a:noFill/>
           <a:extLst>
             <a:ext uri="{909E8E84-426E-40DD-AFC4-6F175D3DCCD1}">
-              <a14:hiddenFill xmlns:a14="http://schemas.microsoft.com/office/drawing/2010/main" xmlns="">
+              <a14:hiddenFill xmlns="" xmlns:a14="http://schemas.microsoft.com/office/drawing/2010/main">
                 <a:solidFill>
                   <a:srgbClr val="FFFFFF"/>
                 </a:solidFill>
@@ -29508,7 +29898,7 @@
           <a:blip r:embed="rId3" cstate="print">
             <a:extLst>
               <a:ext uri="{28A0092B-C50C-407E-A947-70E740481C1C}">
-                <a14:useLocalDpi xmlns:a14="http://schemas.microsoft.com/office/drawing/2010/main" xmlns="" val="0"/>
+                <a14:useLocalDpi xmlns="" xmlns:a14="http://schemas.microsoft.com/office/drawing/2010/main" val="0"/>
               </a:ext>
             </a:extLst>
           </a:blip>
@@ -29528,7 +29918,7 @@
           <a:noFill/>
           <a:extLst>
             <a:ext uri="{909E8E84-426E-40DD-AFC4-6F175D3DCCD1}">
-              <a14:hiddenFill xmlns:a14="http://schemas.microsoft.com/office/drawing/2010/main" xmlns="">
+              <a14:hiddenFill xmlns="" xmlns:a14="http://schemas.microsoft.com/office/drawing/2010/main">
                 <a:solidFill>
                   <a:srgbClr val="FFFFFF"/>
                 </a:solidFill>
@@ -29540,7 +29930,7 @@
     </p:spTree>
     <p:extLst>
       <p:ext uri="{BB962C8B-B14F-4D97-AF65-F5344CB8AC3E}">
-        <p14:creationId xmlns:p14="http://schemas.microsoft.com/office/powerpoint/2010/main" xmlns="" val="2385430752"/>
+        <p14:creationId xmlns="" xmlns:p14="http://schemas.microsoft.com/office/powerpoint/2010/main" val="2385430752"/>
       </p:ext>
     </p:extLst>
   </p:cSld>
@@ -29550,7 +29940,7 @@
 </p:sld>
 </file>
 
-<file path=ppt/slides/slide4.xml><?xml version="1.0" encoding="utf-8"?>
+<file path=ppt/slides/slide5.xml><?xml version="1.0" encoding="utf-8"?>
 <p:sld xmlns:a="http://schemas.openxmlformats.org/drawingml/2006/main" xmlns:r="http://schemas.openxmlformats.org/officeDocument/2006/relationships" xmlns:p="http://schemas.openxmlformats.org/presentationml/2006/main">
   <p:cSld>
     <p:spTree>
@@ -29658,7 +30048,7 @@
           <a:blip r:embed="rId2" cstate="print">
             <a:extLst>
               <a:ext uri="{28A0092B-C50C-407E-A947-70E740481C1C}">
-                <a14:useLocalDpi xmlns:a14="http://schemas.microsoft.com/office/drawing/2010/main" xmlns="" val="0"/>
+                <a14:useLocalDpi xmlns="" xmlns:a14="http://schemas.microsoft.com/office/drawing/2010/main" val="0"/>
               </a:ext>
             </a:extLst>
           </a:blip>
@@ -29678,7 +30068,7 @@
           <a:noFill/>
           <a:extLst>
             <a:ext uri="{909E8E84-426E-40DD-AFC4-6F175D3DCCD1}">
-              <a14:hiddenFill xmlns:a14="http://schemas.microsoft.com/office/drawing/2010/main" xmlns="">
+              <a14:hiddenFill xmlns="" xmlns:a14="http://schemas.microsoft.com/office/drawing/2010/main">
                 <a:solidFill>
                   <a:srgbClr val="FFFFFF"/>
                 </a:solidFill>
@@ -29699,7 +30089,7 @@
           <a:blip r:embed="rId3" cstate="print">
             <a:extLst>
               <a:ext uri="{28A0092B-C50C-407E-A947-70E740481C1C}">
-                <a14:useLocalDpi xmlns:a14="http://schemas.microsoft.com/office/drawing/2010/main" xmlns="" val="0"/>
+                <a14:useLocalDpi xmlns="" xmlns:a14="http://schemas.microsoft.com/office/drawing/2010/main" val="0"/>
               </a:ext>
             </a:extLst>
           </a:blip>
@@ -29719,7 +30109,7 @@
           <a:noFill/>
           <a:extLst>
             <a:ext uri="{909E8E84-426E-40DD-AFC4-6F175D3DCCD1}">
-              <a14:hiddenFill xmlns:a14="http://schemas.microsoft.com/office/drawing/2010/main" xmlns="">
+              <a14:hiddenFill xmlns="" xmlns:a14="http://schemas.microsoft.com/office/drawing/2010/main">
                 <a:solidFill>
                   <a:srgbClr val="FFFFFF"/>
                 </a:solidFill>
@@ -29731,7 +30121,7 @@
     </p:spTree>
     <p:extLst>
       <p:ext uri="{BB962C8B-B14F-4D97-AF65-F5344CB8AC3E}">
-        <p14:creationId xmlns:p14="http://schemas.microsoft.com/office/powerpoint/2010/main" xmlns="" val="2801886200"/>
+        <p14:creationId xmlns="" xmlns:p14="http://schemas.microsoft.com/office/powerpoint/2010/main" val="2801886200"/>
       </p:ext>
     </p:extLst>
   </p:cSld>
@@ -29741,7 +30131,7 @@
 </p:sld>
 </file>
 
-<file path=ppt/slides/slide5.xml><?xml version="1.0" encoding="utf-8"?>
+<file path=ppt/slides/slide6.xml><?xml version="1.0" encoding="utf-8"?>
 <p:sld xmlns:a="http://schemas.openxmlformats.org/drawingml/2006/main" xmlns:r="http://schemas.openxmlformats.org/officeDocument/2006/relationships" xmlns:p="http://schemas.openxmlformats.org/presentationml/2006/main">
   <p:cSld>
     <p:spTree>
@@ -29867,7 +30257,7 @@
           <a:blip r:embed="rId2" cstate="print">
             <a:extLst>
               <a:ext uri="{28A0092B-C50C-407E-A947-70E740481C1C}">
-                <a14:useLocalDpi xmlns:a14="http://schemas.microsoft.com/office/drawing/2010/main" xmlns="" val="0"/>
+                <a14:useLocalDpi xmlns="" xmlns:a14="http://schemas.microsoft.com/office/drawing/2010/main" val="0"/>
               </a:ext>
             </a:extLst>
           </a:blip>
@@ -29887,7 +30277,7 @@
           <a:noFill/>
           <a:extLst>
             <a:ext uri="{909E8E84-426E-40DD-AFC4-6F175D3DCCD1}">
-              <a14:hiddenFill xmlns:a14="http://schemas.microsoft.com/office/drawing/2010/main" xmlns="">
+              <a14:hiddenFill xmlns="" xmlns:a14="http://schemas.microsoft.com/office/drawing/2010/main">
                 <a:solidFill>
                   <a:srgbClr val="FFFFFF"/>
                 </a:solidFill>
@@ -29908,7 +30298,7 @@
           <a:blip r:embed="rId3" cstate="print">
             <a:extLst>
               <a:ext uri="{28A0092B-C50C-407E-A947-70E740481C1C}">
-                <a14:useLocalDpi xmlns:a14="http://schemas.microsoft.com/office/drawing/2010/main" xmlns="" val="0"/>
+                <a14:useLocalDpi xmlns="" xmlns:a14="http://schemas.microsoft.com/office/drawing/2010/main" val="0"/>
               </a:ext>
             </a:extLst>
           </a:blip>
@@ -29928,7 +30318,7 @@
           <a:noFill/>
           <a:extLst>
             <a:ext uri="{909E8E84-426E-40DD-AFC4-6F175D3DCCD1}">
-              <a14:hiddenFill xmlns:a14="http://schemas.microsoft.com/office/drawing/2010/main" xmlns="">
+              <a14:hiddenFill xmlns="" xmlns:a14="http://schemas.microsoft.com/office/drawing/2010/main">
                 <a:solidFill>
                   <a:srgbClr val="FFFFFF"/>
                 </a:solidFill>
@@ -29940,208 +30330,7 @@
     </p:spTree>
     <p:extLst>
       <p:ext uri="{BB962C8B-B14F-4D97-AF65-F5344CB8AC3E}">
-        <p14:creationId xmlns:p14="http://schemas.microsoft.com/office/powerpoint/2010/main" xmlns="" val="130083780"/>
-      </p:ext>
-    </p:extLst>
-  </p:cSld>
-  <p:clrMapOvr>
-    <a:masterClrMapping/>
-  </p:clrMapOvr>
-</p:sld>
-</file>
-
-<file path=ppt/slides/slide6.xml><?xml version="1.0" encoding="utf-8"?>
-<p:sld xmlns:a="http://schemas.openxmlformats.org/drawingml/2006/main" xmlns:r="http://schemas.openxmlformats.org/officeDocument/2006/relationships" xmlns:p="http://schemas.openxmlformats.org/presentationml/2006/main">
-  <p:cSld>
-    <p:spTree>
-      <p:nvGrpSpPr>
-        <p:cNvPr id="1" name=""/>
-        <p:cNvGrpSpPr/>
-        <p:nvPr/>
-      </p:nvGrpSpPr>
-      <p:grpSpPr>
-        <a:xfrm>
-          <a:off x="0" y="0"/>
-          <a:ext cx="0" cy="0"/>
-          <a:chOff x="0" y="0"/>
-          <a:chExt cx="0" cy="0"/>
-        </a:xfrm>
-      </p:grpSpPr>
-      <p:sp>
-        <p:nvSpPr>
-          <p:cNvPr id="2" name="Title 1"/>
-          <p:cNvSpPr>
-            <a:spLocks noGrp="1"/>
-          </p:cNvSpPr>
-          <p:nvPr>
-            <p:ph type="title"/>
-          </p:nvPr>
-        </p:nvSpPr>
-        <p:spPr/>
-        <p:txBody>
-          <a:bodyPr/>
-          <a:lstStyle/>
-          <a:p>
-            <a:r>
-              <a:rPr lang="en-US" dirty="0"/>
-              <a:t>Engineered </a:t>
-            </a:r>
-            <a:r>
-              <a:rPr lang="en-US" i="1" dirty="0"/>
-              <a:t>E. Coli </a:t>
-            </a:r>
-            <a:r>
-              <a:rPr lang="en-US" dirty="0" err="1"/>
-              <a:t>Hydracodone</a:t>
-            </a:r>
-            <a:r>
-              <a:rPr lang="en-US" dirty="0"/>
-              <a:t> production pathway:</a:t>
-            </a:r>
-          </a:p>
-        </p:txBody>
-      </p:sp>
-      <p:sp>
-        <p:nvSpPr>
-          <p:cNvPr id="3" name="Content Placeholder 2"/>
-          <p:cNvSpPr>
-            <a:spLocks noGrp="1"/>
-          </p:cNvSpPr>
-          <p:nvPr>
-            <p:ph idx="1"/>
-          </p:nvPr>
-        </p:nvSpPr>
-        <p:spPr>
-          <a:xfrm>
-            <a:off x="1042882" y="1899309"/>
-            <a:ext cx="9905999" cy="3541714"/>
-          </a:xfrm>
-        </p:spPr>
-        <p:txBody>
-          <a:bodyPr>
-            <a:normAutofit/>
-          </a:bodyPr>
-          <a:lstStyle/>
-          <a:p>
-            <a:r>
-              <a:rPr lang="en-US" dirty="0"/>
-              <a:t>Nodes:  14 Intermediates present in the pathway</a:t>
-            </a:r>
-          </a:p>
-          <a:p>
-            <a:r>
-              <a:rPr lang="en-US" dirty="0"/>
-              <a:t>Edges:  + edges only, as it is assumed that the intermediates will all proceed down the pathway.  Edges connect one node to the next in the reaction pathway.</a:t>
-            </a:r>
-          </a:p>
-          <a:p>
-            <a:endParaRPr lang="en-US" dirty="0"/>
-          </a:p>
-          <a:p>
-            <a:pPr marL="0" indent="0">
-              <a:buNone/>
-            </a:pPr>
-            <a:r>
-              <a:rPr lang="en-US" dirty="0"/>
-              <a:t> </a:t>
-            </a:r>
-          </a:p>
-        </p:txBody>
-      </p:sp>
-      <p:sp>
-        <p:nvSpPr>
-          <p:cNvPr id="5" name="TextBox 4"/>
-          <p:cNvSpPr txBox="1"/>
-          <p:nvPr/>
-        </p:nvSpPr>
-        <p:spPr>
-          <a:xfrm>
-            <a:off x="944352" y="3168891"/>
-            <a:ext cx="9708940" cy="1200329"/>
-          </a:xfrm>
-          <a:prstGeom prst="rect">
-            <a:avLst/>
-          </a:prstGeom>
-          <a:noFill/>
-        </p:spPr>
-        <p:txBody>
-          <a:bodyPr wrap="square" rtlCol="0">
-            <a:spAutoFit/>
-          </a:bodyPr>
-          <a:lstStyle/>
-          <a:p>
-            <a:endParaRPr lang="en-US" sz="2400" dirty="0"/>
-          </a:p>
-          <a:p>
-            <a:endParaRPr lang="en-US" sz="2400" dirty="0"/>
-          </a:p>
-          <a:p>
-            <a:r>
-              <a:rPr lang="en-US" sz="2400" dirty="0"/>
-              <a:t>           L-tyrosine ----------------------------------</a:t>
-            </a:r>
-            <a:r>
-              <a:rPr lang="en-US" sz="2400" dirty="0">
-                <a:sym typeface="Wingdings" panose="05000000000000000000" pitchFamily="2" charset="2"/>
-              </a:rPr>
-              <a:t> 4-hydroxyphenyl-pyuruvate  </a:t>
-            </a:r>
-            <a:endParaRPr lang="en-US" sz="2400" dirty="0"/>
-          </a:p>
-        </p:txBody>
-      </p:sp>
-      <p:pic>
-        <p:nvPicPr>
-          <p:cNvPr id="6" name="Picture 5"/>
-          <p:cNvPicPr>
-            <a:picLocks noChangeAspect="1"/>
-          </p:cNvPicPr>
-          <p:nvPr/>
-        </p:nvPicPr>
-        <p:blipFill>
-          <a:blip r:embed="rId2" cstate="print"/>
-          <a:stretch>
-            <a:fillRect/>
-          </a:stretch>
-        </p:blipFill>
-        <p:spPr>
-          <a:xfrm>
-            <a:off x="1419709" y="4619537"/>
-            <a:ext cx="3311317" cy="1686703"/>
-          </a:xfrm>
-          <a:prstGeom prst="rect">
-            <a:avLst/>
-          </a:prstGeom>
-        </p:spPr>
-      </p:pic>
-      <p:pic>
-        <p:nvPicPr>
-          <p:cNvPr id="7" name="Picture 6"/>
-          <p:cNvPicPr>
-            <a:picLocks noChangeAspect="1"/>
-          </p:cNvPicPr>
-          <p:nvPr/>
-        </p:nvPicPr>
-        <p:blipFill>
-          <a:blip r:embed="rId3" cstate="print"/>
-          <a:stretch>
-            <a:fillRect/>
-          </a:stretch>
-        </p:blipFill>
-        <p:spPr>
-          <a:xfrm>
-            <a:off x="7487478" y="4378424"/>
-            <a:ext cx="2221547" cy="2221547"/>
-          </a:xfrm>
-          <a:prstGeom prst="rect">
-            <a:avLst/>
-          </a:prstGeom>
-        </p:spPr>
-      </p:pic>
-    </p:spTree>
-    <p:extLst>
-      <p:ext uri="{BB962C8B-B14F-4D97-AF65-F5344CB8AC3E}">
-        <p14:creationId xmlns:p14="http://schemas.microsoft.com/office/powerpoint/2010/main" xmlns="" val="3295495922"/>
+        <p14:creationId xmlns="" xmlns:p14="http://schemas.microsoft.com/office/powerpoint/2010/main" val="130083780"/>
       </p:ext>
     </p:extLst>
   </p:cSld>
@@ -30216,7 +30405,7 @@
     </p:spTree>
     <p:extLst>
       <p:ext uri="{BB962C8B-B14F-4D97-AF65-F5344CB8AC3E}">
-        <p14:creationId xmlns:p14="http://schemas.microsoft.com/office/powerpoint/2010/main" xmlns="" val="1306735252"/>
+        <p14:creationId xmlns="" xmlns:p14="http://schemas.microsoft.com/office/powerpoint/2010/main" val="1306735252"/>
       </p:ext>
     </p:extLst>
   </p:cSld>
@@ -30357,7 +30546,7 @@
     </p:spTree>
     <p:extLst>
       <p:ext uri="{BB962C8B-B14F-4D97-AF65-F5344CB8AC3E}">
-        <p14:creationId xmlns:p14="http://schemas.microsoft.com/office/powerpoint/2010/main" xmlns="" val="3890307112"/>
+        <p14:creationId xmlns="" xmlns:p14="http://schemas.microsoft.com/office/powerpoint/2010/main" val="3890307112"/>
       </p:ext>
     </p:extLst>
   </p:cSld>
@@ -30459,7 +30648,7 @@
     </p:spTree>
     <p:extLst>
       <p:ext uri="{BB962C8B-B14F-4D97-AF65-F5344CB8AC3E}">
-        <p14:creationId xmlns:p14="http://schemas.microsoft.com/office/powerpoint/2010/main" xmlns="" val="166949271"/>
+        <p14:creationId xmlns="" xmlns:p14="http://schemas.microsoft.com/office/powerpoint/2010/main" val="166949271"/>
       </p:ext>
     </p:extLst>
   </p:cSld>
@@ -30714,7 +30903,7 @@
   <a:extraClrSchemeLst/>
   <a:extLst>
     <a:ext uri="{05A4C25C-085E-4340-85A3-A5531E510DB2}">
-      <thm15:themeFamily xmlns:thm15="http://schemas.microsoft.com/office/thememl/2012/main" xmlns="" name="Circuit" id="{0AC2F7E7-15F5-431C-B2A2-456FE929F56C}" vid="{0911B802-464C-4241-8DD9-B60FF88E379F}"/>
+      <thm15:themeFamily xmlns="" xmlns:thm15="http://schemas.microsoft.com/office/thememl/2012/main" name="Circuit" id="{0AC2F7E7-15F5-431C-B2A2-456FE929F56C}" vid="{0911B802-464C-4241-8DD9-B60FF88E379F}"/>
     </a:ext>
   </a:extLst>
 </a:theme>

--- a/Aleisha PowerPoint Edit.pptx
+++ b/Aleisha PowerPoint Edit.pptx
@@ -11,12 +11,12 @@
     <p:sldId id="258" r:id="rId5"/>
     <p:sldId id="274" r:id="rId6"/>
     <p:sldId id="260" r:id="rId7"/>
-    <p:sldId id="277" r:id="rId8"/>
-    <p:sldId id="263" r:id="rId9"/>
-    <p:sldId id="279" r:id="rId10"/>
-    <p:sldId id="262" r:id="rId11"/>
-    <p:sldId id="266" r:id="rId12"/>
-    <p:sldId id="275" r:id="rId13"/>
+    <p:sldId id="263" r:id="rId8"/>
+    <p:sldId id="279" r:id="rId9"/>
+    <p:sldId id="266" r:id="rId10"/>
+    <p:sldId id="275" r:id="rId11"/>
+    <p:sldId id="262" r:id="rId12"/>
+    <p:sldId id="277" r:id="rId13"/>
     <p:sldId id="280" r:id="rId14"/>
     <p:sldId id="267" r:id="rId15"/>
     <p:sldId id="265" r:id="rId16"/>
@@ -18063,6 +18063,155 @@
           <a:p>
             <a:r>
               <a:rPr lang="en-US" dirty="0"/>
+              <a:t>Python </a:t>
+            </a:r>
+            <a:r>
+              <a:rPr lang="en-US" dirty="0" smtClean="0"/>
+              <a:t>code</a:t>
+            </a:r>
+            <a:endParaRPr lang="en-US" dirty="0"/>
+          </a:p>
+        </p:txBody>
+      </p:sp>
+      <p:sp>
+        <p:nvSpPr>
+          <p:cNvPr id="3" name="Content Placeholder 2"/>
+          <p:cNvSpPr>
+            <a:spLocks noGrp="1"/>
+          </p:cNvSpPr>
+          <p:nvPr>
+            <p:ph idx="1"/>
+          </p:nvPr>
+        </p:nvSpPr>
+        <p:spPr/>
+        <p:txBody>
+          <a:bodyPr/>
+          <a:lstStyle/>
+          <a:p>
+            <a:r>
+              <a:rPr lang="en-US" dirty="0" smtClean="0"/>
+              <a:t>Libraries we used:</a:t>
+            </a:r>
+          </a:p>
+          <a:p>
+            <a:pPr lvl="1"/>
+            <a:r>
+              <a:rPr lang="en-US" dirty="0" err="1" smtClean="0"/>
+              <a:t>MatPlotLib</a:t>
+            </a:r>
+            <a:endParaRPr lang="en-US" dirty="0" smtClean="0"/>
+          </a:p>
+          <a:p>
+            <a:pPr lvl="1"/>
+            <a:r>
+              <a:rPr lang="en-US" dirty="0" err="1" smtClean="0"/>
+              <a:t>NetworkX</a:t>
+            </a:r>
+            <a:endParaRPr lang="en-US" dirty="0" smtClean="0"/>
+          </a:p>
+          <a:p>
+            <a:r>
+              <a:rPr lang="en-US" dirty="0" smtClean="0"/>
+              <a:t>Examples from our code:</a:t>
+            </a:r>
+            <a:endParaRPr lang="en-US" dirty="0"/>
+          </a:p>
+        </p:txBody>
+      </p:sp>
+      <p:pic>
+        <p:nvPicPr>
+          <p:cNvPr id="1026" name="Picture 2" descr="C:\Users\Aleisha\Desktop\Code Example 1.PNG"/>
+          <p:cNvPicPr>
+            <a:picLocks noChangeAspect="1" noChangeArrowheads="1"/>
+          </p:cNvPicPr>
+          <p:nvPr/>
+        </p:nvPicPr>
+        <p:blipFill>
+          <a:blip r:embed="rId2" cstate="print"/>
+          <a:srcRect/>
+          <a:stretch>
+            <a:fillRect/>
+          </a:stretch>
+        </p:blipFill>
+        <p:spPr bwMode="auto">
+          <a:xfrm>
+            <a:off x="0" y="4140926"/>
+            <a:ext cx="8204760" cy="2717074"/>
+          </a:xfrm>
+          <a:prstGeom prst="rect">
+            <a:avLst/>
+          </a:prstGeom>
+          <a:noFill/>
+        </p:spPr>
+      </p:pic>
+      <p:pic>
+        <p:nvPicPr>
+          <p:cNvPr id="1027" name="Picture 3" descr="C:\Users\Aleisha\Desktop\Code Example 2.PNG"/>
+          <p:cNvPicPr>
+            <a:picLocks noChangeAspect="1" noChangeArrowheads="1"/>
+          </p:cNvPicPr>
+          <p:nvPr/>
+        </p:nvPicPr>
+        <p:blipFill>
+          <a:blip r:embed="rId3" cstate="print"/>
+          <a:srcRect/>
+          <a:stretch>
+            <a:fillRect/>
+          </a:stretch>
+        </p:blipFill>
+        <p:spPr bwMode="auto">
+          <a:xfrm>
+            <a:off x="6629400" y="4781006"/>
+            <a:ext cx="5562600" cy="2076994"/>
+          </a:xfrm>
+          <a:prstGeom prst="rect">
+            <a:avLst/>
+          </a:prstGeom>
+          <a:noFill/>
+        </p:spPr>
+      </p:pic>
+    </p:spTree>
+  </p:cSld>
+  <p:clrMapOvr>
+    <a:masterClrMapping/>
+  </p:clrMapOvr>
+</p:sld>
+</file>
+
+<file path=ppt/slides/slide11.xml><?xml version="1.0" encoding="utf-8"?>
+<p:sld xmlns:a="http://schemas.openxmlformats.org/drawingml/2006/main" xmlns:r="http://schemas.openxmlformats.org/officeDocument/2006/relationships" xmlns:p="http://schemas.openxmlformats.org/presentationml/2006/main">
+  <p:cSld>
+    <p:spTree>
+      <p:nvGrpSpPr>
+        <p:cNvPr id="1" name=""/>
+        <p:cNvGrpSpPr/>
+        <p:nvPr/>
+      </p:nvGrpSpPr>
+      <p:grpSpPr>
+        <a:xfrm>
+          <a:off x="0" y="0"/>
+          <a:ext cx="0" cy="0"/>
+          <a:chOff x="0" y="0"/>
+          <a:chExt cx="0" cy="0"/>
+        </a:xfrm>
+      </p:grpSpPr>
+      <p:sp>
+        <p:nvSpPr>
+          <p:cNvPr id="2" name="Title 1"/>
+          <p:cNvSpPr>
+            <a:spLocks noGrp="1"/>
+          </p:cNvSpPr>
+          <p:nvPr>
+            <p:ph type="title"/>
+          </p:nvPr>
+        </p:nvSpPr>
+        <p:spPr/>
+        <p:txBody>
+          <a:bodyPr/>
+          <a:lstStyle/>
+          <a:p>
+            <a:r>
+              <a:rPr lang="en-US" dirty="0"/>
               <a:t>Engineered </a:t>
             </a:r>
             <a:r>
@@ -18230,108 +18379,6 @@
 </p:sld>
 </file>
 
-<file path=ppt/slides/slide11.xml><?xml version="1.0" encoding="utf-8"?>
-<p:sld xmlns:a="http://schemas.openxmlformats.org/drawingml/2006/main" xmlns:r="http://schemas.openxmlformats.org/officeDocument/2006/relationships" xmlns:p="http://schemas.openxmlformats.org/presentationml/2006/main">
-  <p:cSld>
-    <p:spTree>
-      <p:nvGrpSpPr>
-        <p:cNvPr id="1" name=""/>
-        <p:cNvGrpSpPr/>
-        <p:nvPr/>
-      </p:nvGrpSpPr>
-      <p:grpSpPr>
-        <a:xfrm>
-          <a:off x="0" y="0"/>
-          <a:ext cx="0" cy="0"/>
-          <a:chOff x="0" y="0"/>
-          <a:chExt cx="0" cy="0"/>
-        </a:xfrm>
-      </p:grpSpPr>
-      <p:sp>
-        <p:nvSpPr>
-          <p:cNvPr id="2" name="Title 1"/>
-          <p:cNvSpPr>
-            <a:spLocks noGrp="1"/>
-          </p:cNvSpPr>
-          <p:nvPr>
-            <p:ph type="title"/>
-          </p:nvPr>
-        </p:nvSpPr>
-        <p:spPr/>
-        <p:txBody>
-          <a:bodyPr/>
-          <a:lstStyle/>
-          <a:p>
-            <a:r>
-              <a:rPr lang="en-US" dirty="0"/>
-              <a:t>Example Text file:</a:t>
-            </a:r>
-          </a:p>
-        </p:txBody>
-      </p:sp>
-      <p:pic>
-        <p:nvPicPr>
-          <p:cNvPr id="5" name="Content Placeholder 4"/>
-          <p:cNvPicPr>
-            <a:picLocks noGrp="1" noChangeAspect="1"/>
-          </p:cNvPicPr>
-          <p:nvPr>
-            <p:ph idx="1"/>
-          </p:nvPr>
-        </p:nvPicPr>
-        <p:blipFill>
-          <a:blip r:embed="rId2" cstate="print"/>
-          <a:stretch>
-            <a:fillRect/>
-          </a:stretch>
-        </p:blipFill>
-        <p:spPr>
-          <a:xfrm>
-            <a:off x="533924" y="1966158"/>
-            <a:ext cx="5323563" cy="3843902"/>
-          </a:xfrm>
-          <a:prstGeom prst="rect">
-            <a:avLst/>
-          </a:prstGeom>
-        </p:spPr>
-      </p:pic>
-      <p:pic>
-        <p:nvPicPr>
-          <p:cNvPr id="4" name="Picture 3"/>
-          <p:cNvPicPr>
-            <a:picLocks noChangeAspect="1"/>
-          </p:cNvPicPr>
-          <p:nvPr/>
-        </p:nvPicPr>
-        <p:blipFill>
-          <a:blip r:embed="rId3" cstate="print"/>
-          <a:stretch>
-            <a:fillRect/>
-          </a:stretch>
-        </p:blipFill>
-        <p:spPr>
-          <a:xfrm>
-            <a:off x="6094412" y="1966158"/>
-            <a:ext cx="5787611" cy="3843902"/>
-          </a:xfrm>
-          <a:prstGeom prst="rect">
-            <a:avLst/>
-          </a:prstGeom>
-        </p:spPr>
-      </p:pic>
-    </p:spTree>
-    <p:extLst>
-      <p:ext uri="{BB962C8B-B14F-4D97-AF65-F5344CB8AC3E}">
-        <p14:creationId xmlns="" xmlns:p14="http://schemas.microsoft.com/office/powerpoint/2010/main" val="3502279941"/>
-      </p:ext>
-    </p:extLst>
-  </p:cSld>
-  <p:clrMapOvr>
-    <a:masterClrMapping/>
-  </p:clrMapOvr>
-</p:sld>
-</file>
-
 <file path=ppt/slides/slide12.xml><?xml version="1.0" encoding="utf-8"?>
 <p:sld xmlns:a="http://schemas.openxmlformats.org/drawingml/2006/main" xmlns:r="http://schemas.openxmlformats.org/officeDocument/2006/relationships" xmlns:p="http://schemas.openxmlformats.org/presentationml/2006/main">
   <p:cSld>
@@ -18364,116 +18411,42 @@
           <a:bodyPr/>
           <a:lstStyle/>
           <a:p>
-            <a:r>
-              <a:rPr lang="en-US" dirty="0"/>
-              <a:t>Python </a:t>
-            </a:r>
-            <a:r>
-              <a:rPr lang="en-US" dirty="0" smtClean="0"/>
-              <a:t>code</a:t>
-            </a:r>
-            <a:endParaRPr lang="en-US" dirty="0"/>
-          </a:p>
-        </p:txBody>
-      </p:sp>
-      <p:sp>
-        <p:nvSpPr>
-          <p:cNvPr id="3" name="Content Placeholder 2"/>
-          <p:cNvSpPr>
-            <a:spLocks noGrp="1"/>
-          </p:cNvSpPr>
-          <p:nvPr>
-            <p:ph idx="1"/>
-          </p:nvPr>
-        </p:nvSpPr>
-        <p:spPr/>
-        <p:txBody>
-          <a:bodyPr/>
-          <a:lstStyle/>
-          <a:p>
-            <a:r>
-              <a:rPr lang="en-US" dirty="0" smtClean="0"/>
-              <a:t>Libraries we used:</a:t>
-            </a:r>
-          </a:p>
-          <a:p>
-            <a:pPr lvl="1"/>
-            <a:r>
-              <a:rPr lang="en-US" dirty="0" err="1" smtClean="0"/>
-              <a:t>MatPlotLib</a:t>
-            </a:r>
-            <a:endParaRPr lang="en-US" dirty="0" smtClean="0"/>
-          </a:p>
-          <a:p>
-            <a:pPr lvl="1"/>
-            <a:r>
-              <a:rPr lang="en-US" dirty="0" err="1" smtClean="0"/>
-              <a:t>NetworkX</a:t>
-            </a:r>
-            <a:endParaRPr lang="en-US" dirty="0" smtClean="0"/>
-          </a:p>
-          <a:p>
-            <a:r>
-              <a:rPr lang="en-US" dirty="0" smtClean="0"/>
-              <a:t>Examples from our code:</a:t>
-            </a:r>
-            <a:endParaRPr lang="en-US" dirty="0"/>
+            <a:endParaRPr lang="en-US"/>
           </a:p>
         </p:txBody>
       </p:sp>
       <p:pic>
         <p:nvPicPr>
-          <p:cNvPr id="1026" name="Picture 2" descr="C:\Users\Aleisha\Desktop\Code Example 1.PNG"/>
+          <p:cNvPr id="4" name="Content Placeholder 3"/>
           <p:cNvPicPr>
-            <a:picLocks noChangeAspect="1" noChangeArrowheads="1"/>
+            <a:picLocks noGrp="1" noChangeAspect="1"/>
           </p:cNvPicPr>
-          <p:nvPr/>
+          <p:nvPr>
+            <p:ph idx="1"/>
+          </p:nvPr>
         </p:nvPicPr>
         <p:blipFill>
           <a:blip r:embed="rId2" cstate="print"/>
-          <a:srcRect/>
           <a:stretch>
             <a:fillRect/>
           </a:stretch>
         </p:blipFill>
-        <p:spPr bwMode="auto">
+        <p:spPr>
           <a:xfrm>
-            <a:off x="0" y="4140926"/>
-            <a:ext cx="8204760" cy="2717074"/>
+            <a:off x="2793585" y="146708"/>
+            <a:ext cx="6601654" cy="6711292"/>
           </a:xfrm>
           <a:prstGeom prst="rect">
             <a:avLst/>
           </a:prstGeom>
-          <a:noFill/>
-        </p:spPr>
-      </p:pic>
-      <p:pic>
-        <p:nvPicPr>
-          <p:cNvPr id="1027" name="Picture 3" descr="C:\Users\Aleisha\Desktop\Code Example 2.PNG"/>
-          <p:cNvPicPr>
-            <a:picLocks noChangeAspect="1" noChangeArrowheads="1"/>
-          </p:cNvPicPr>
-          <p:nvPr/>
-        </p:nvPicPr>
-        <p:blipFill>
-          <a:blip r:embed="rId3" cstate="print"/>
-          <a:srcRect/>
-          <a:stretch>
-            <a:fillRect/>
-          </a:stretch>
-        </p:blipFill>
-        <p:spPr bwMode="auto">
-          <a:xfrm>
-            <a:off x="6629400" y="4781006"/>
-            <a:ext cx="5562600" cy="2076994"/>
-          </a:xfrm>
-          <a:prstGeom prst="rect">
-            <a:avLst/>
-          </a:prstGeom>
-          <a:noFill/>
         </p:spPr>
       </p:pic>
     </p:spTree>
+    <p:extLst>
+      <p:ext uri="{BB962C8B-B14F-4D97-AF65-F5344CB8AC3E}">
+        <p14:creationId xmlns="" xmlns:p14="http://schemas.microsoft.com/office/powerpoint/2010/main" val="1306735252"/>
+      </p:ext>
+    </p:extLst>
   </p:cSld>
   <p:clrMapOvr>
     <a:masterClrMapping/>
@@ -30372,81 +30345,6 @@
           <a:bodyPr/>
           <a:lstStyle/>
           <a:p>
-            <a:endParaRPr lang="en-US"/>
-          </a:p>
-        </p:txBody>
-      </p:sp>
-      <p:pic>
-        <p:nvPicPr>
-          <p:cNvPr id="4" name="Content Placeholder 3"/>
-          <p:cNvPicPr>
-            <a:picLocks noGrp="1" noChangeAspect="1"/>
-          </p:cNvPicPr>
-          <p:nvPr>
-            <p:ph idx="1"/>
-          </p:nvPr>
-        </p:nvPicPr>
-        <p:blipFill>
-          <a:blip r:embed="rId2" cstate="print"/>
-          <a:stretch>
-            <a:fillRect/>
-          </a:stretch>
-        </p:blipFill>
-        <p:spPr>
-          <a:xfrm>
-            <a:off x="2793585" y="146708"/>
-            <a:ext cx="6601654" cy="6711292"/>
-          </a:xfrm>
-          <a:prstGeom prst="rect">
-            <a:avLst/>
-          </a:prstGeom>
-        </p:spPr>
-      </p:pic>
-    </p:spTree>
-    <p:extLst>
-      <p:ext uri="{BB962C8B-B14F-4D97-AF65-F5344CB8AC3E}">
-        <p14:creationId xmlns="" xmlns:p14="http://schemas.microsoft.com/office/powerpoint/2010/main" val="1306735252"/>
-      </p:ext>
-    </p:extLst>
-  </p:cSld>
-  <p:clrMapOvr>
-    <a:masterClrMapping/>
-  </p:clrMapOvr>
-</p:sld>
-</file>
-
-<file path=ppt/slides/slide8.xml><?xml version="1.0" encoding="utf-8"?>
-<p:sld xmlns:a="http://schemas.openxmlformats.org/drawingml/2006/main" xmlns:r="http://schemas.openxmlformats.org/officeDocument/2006/relationships" xmlns:p="http://schemas.openxmlformats.org/presentationml/2006/main">
-  <p:cSld>
-    <p:spTree>
-      <p:nvGrpSpPr>
-        <p:cNvPr id="1" name=""/>
-        <p:cNvGrpSpPr/>
-        <p:nvPr/>
-      </p:nvGrpSpPr>
-      <p:grpSpPr>
-        <a:xfrm>
-          <a:off x="0" y="0"/>
-          <a:ext cx="0" cy="0"/>
-          <a:chOff x="0" y="0"/>
-          <a:chExt cx="0" cy="0"/>
-        </a:xfrm>
-      </p:grpSpPr>
-      <p:sp>
-        <p:nvSpPr>
-          <p:cNvPr id="2" name="Title 1"/>
-          <p:cNvSpPr>
-            <a:spLocks noGrp="1"/>
-          </p:cNvSpPr>
-          <p:nvPr>
-            <p:ph type="title"/>
-          </p:nvPr>
-        </p:nvSpPr>
-        <p:spPr/>
-        <p:txBody>
-          <a:bodyPr/>
-          <a:lstStyle/>
-          <a:p>
             <a:r>
               <a:rPr lang="en-US" dirty="0"/>
               <a:t>Our program:</a:t>
@@ -30556,7 +30454,7 @@
 </p:sld>
 </file>
 
-<file path=ppt/slides/slide9.xml><?xml version="1.0" encoding="utf-8"?>
+<file path=ppt/slides/slide8.xml><?xml version="1.0" encoding="utf-8"?>
 <p:sld xmlns:a="http://schemas.openxmlformats.org/drawingml/2006/main" xmlns:r="http://schemas.openxmlformats.org/officeDocument/2006/relationships" xmlns:p="http://schemas.openxmlformats.org/presentationml/2006/main">
   <p:cSld>
     <p:spTree>
@@ -30649,6 +30547,108 @@
     <p:extLst>
       <p:ext uri="{BB962C8B-B14F-4D97-AF65-F5344CB8AC3E}">
         <p14:creationId xmlns="" xmlns:p14="http://schemas.microsoft.com/office/powerpoint/2010/main" val="166949271"/>
+      </p:ext>
+    </p:extLst>
+  </p:cSld>
+  <p:clrMapOvr>
+    <a:masterClrMapping/>
+  </p:clrMapOvr>
+</p:sld>
+</file>
+
+<file path=ppt/slides/slide9.xml><?xml version="1.0" encoding="utf-8"?>
+<p:sld xmlns:a="http://schemas.openxmlformats.org/drawingml/2006/main" xmlns:r="http://schemas.openxmlformats.org/officeDocument/2006/relationships" xmlns:p="http://schemas.openxmlformats.org/presentationml/2006/main">
+  <p:cSld>
+    <p:spTree>
+      <p:nvGrpSpPr>
+        <p:cNvPr id="1" name=""/>
+        <p:cNvGrpSpPr/>
+        <p:nvPr/>
+      </p:nvGrpSpPr>
+      <p:grpSpPr>
+        <a:xfrm>
+          <a:off x="0" y="0"/>
+          <a:ext cx="0" cy="0"/>
+          <a:chOff x="0" y="0"/>
+          <a:chExt cx="0" cy="0"/>
+        </a:xfrm>
+      </p:grpSpPr>
+      <p:sp>
+        <p:nvSpPr>
+          <p:cNvPr id="2" name="Title 1"/>
+          <p:cNvSpPr>
+            <a:spLocks noGrp="1"/>
+          </p:cNvSpPr>
+          <p:nvPr>
+            <p:ph type="title"/>
+          </p:nvPr>
+        </p:nvSpPr>
+        <p:spPr/>
+        <p:txBody>
+          <a:bodyPr/>
+          <a:lstStyle/>
+          <a:p>
+            <a:r>
+              <a:rPr lang="en-US" dirty="0"/>
+              <a:t>Example Text file:</a:t>
+            </a:r>
+          </a:p>
+        </p:txBody>
+      </p:sp>
+      <p:pic>
+        <p:nvPicPr>
+          <p:cNvPr id="5" name="Content Placeholder 4"/>
+          <p:cNvPicPr>
+            <a:picLocks noGrp="1" noChangeAspect="1"/>
+          </p:cNvPicPr>
+          <p:nvPr>
+            <p:ph idx="1"/>
+          </p:nvPr>
+        </p:nvPicPr>
+        <p:blipFill>
+          <a:blip r:embed="rId2" cstate="print"/>
+          <a:stretch>
+            <a:fillRect/>
+          </a:stretch>
+        </p:blipFill>
+        <p:spPr>
+          <a:xfrm>
+            <a:off x="533924" y="1966158"/>
+            <a:ext cx="5323563" cy="3843902"/>
+          </a:xfrm>
+          <a:prstGeom prst="rect">
+            <a:avLst/>
+          </a:prstGeom>
+        </p:spPr>
+      </p:pic>
+      <p:pic>
+        <p:nvPicPr>
+          <p:cNvPr id="4" name="Picture 3"/>
+          <p:cNvPicPr>
+            <a:picLocks noChangeAspect="1"/>
+          </p:cNvPicPr>
+          <p:nvPr/>
+        </p:nvPicPr>
+        <p:blipFill>
+          <a:blip r:embed="rId3" cstate="print"/>
+          <a:stretch>
+            <a:fillRect/>
+          </a:stretch>
+        </p:blipFill>
+        <p:spPr>
+          <a:xfrm>
+            <a:off x="6094412" y="1966158"/>
+            <a:ext cx="5787611" cy="3843902"/>
+          </a:xfrm>
+          <a:prstGeom prst="rect">
+            <a:avLst/>
+          </a:prstGeom>
+        </p:spPr>
+      </p:pic>
+    </p:spTree>
+    <p:extLst>
+      <p:ext uri="{BB962C8B-B14F-4D97-AF65-F5344CB8AC3E}">
+        <p14:creationId xmlns="" xmlns:p14="http://schemas.microsoft.com/office/powerpoint/2010/main" val="3502279941"/>
       </p:ext>
     </p:extLst>
   </p:cSld>
